--- a/report/monthly_report/first_month_intern_report_nguyenthanhdat.pptx
+++ b/report/monthly_report/first_month_intern_report_nguyenthanhdat.pptx
@@ -4560,8 +4560,8 @@
         </p:nvSpPr>
         <p:spPr>
           <a:xfrm>
-            <a:off x="1295400" y="1714500"/>
-            <a:ext cx="5257800" cy="6124754"/>
+            <a:off x="1295399" y="1714500"/>
+            <a:ext cx="9525001" cy="5693866"/>
           </a:xfrm>
           <a:prstGeom prst="rect">
             <a:avLst/>
@@ -5158,10 +5158,282 @@
             </a:r>
           </a:p>
           <a:p>
-            <a:pPr marL="285750" indent="-285750">
-              <a:buFontTx/>
-              <a:buChar char="-"/>
-            </a:pPr>
+            <a:r>
+              <a:rPr lang="en-US" sz="2800" dirty="0">
+                <a:latin typeface="Candara" panose="020E0502030303020204" pitchFamily="34" charset="0"/>
+              </a:rPr>
+              <a:t>=&gt; Sau </a:t>
+            </a:r>
+            <a:r>
+              <a:rPr lang="en-US" sz="2800" dirty="0" err="1">
+                <a:latin typeface="Candara" panose="020E0502030303020204" pitchFamily="34" charset="0"/>
+              </a:rPr>
+              <a:t>quá</a:t>
+            </a:r>
+            <a:r>
+              <a:rPr lang="en-US" sz="2800" dirty="0">
+                <a:latin typeface="Candara" panose="020E0502030303020204" pitchFamily="34" charset="0"/>
+              </a:rPr>
+              <a:t> </a:t>
+            </a:r>
+            <a:r>
+              <a:rPr lang="en-US" sz="2800" dirty="0" err="1">
+                <a:latin typeface="Candara" panose="020E0502030303020204" pitchFamily="34" charset="0"/>
+              </a:rPr>
+              <a:t>trình</a:t>
+            </a:r>
+            <a:r>
+              <a:rPr lang="en-US" sz="2800" dirty="0">
+                <a:latin typeface="Candara" panose="020E0502030303020204" pitchFamily="34" charset="0"/>
+              </a:rPr>
+              <a:t> </a:t>
+            </a:r>
+            <a:r>
+              <a:rPr lang="en-US" sz="2800" dirty="0" err="1">
+                <a:latin typeface="Candara" panose="020E0502030303020204" pitchFamily="34" charset="0"/>
+              </a:rPr>
+              <a:t>thực</a:t>
+            </a:r>
+            <a:r>
+              <a:rPr lang="en-US" sz="2800" dirty="0">
+                <a:latin typeface="Candara" panose="020E0502030303020204" pitchFamily="34" charset="0"/>
+              </a:rPr>
+              <a:t> </a:t>
+            </a:r>
+            <a:r>
+              <a:rPr lang="en-US" sz="2800" dirty="0" err="1">
+                <a:latin typeface="Candara" panose="020E0502030303020204" pitchFamily="34" charset="0"/>
+              </a:rPr>
+              <a:t>tập</a:t>
+            </a:r>
+            <a:r>
+              <a:rPr lang="en-US" sz="2800" dirty="0">
+                <a:latin typeface="Candara" panose="020E0502030303020204" pitchFamily="34" charset="0"/>
+              </a:rPr>
+              <a:t>, </a:t>
+            </a:r>
+            <a:r>
+              <a:rPr lang="en-US" sz="2800" dirty="0" err="1">
+                <a:latin typeface="Candara" panose="020E0502030303020204" pitchFamily="34" charset="0"/>
+              </a:rPr>
+              <a:t>nắm</a:t>
+            </a:r>
+            <a:r>
+              <a:rPr lang="en-US" sz="2800" dirty="0">
+                <a:latin typeface="Candara" panose="020E0502030303020204" pitchFamily="34" charset="0"/>
+              </a:rPr>
+              <a:t> </a:t>
+            </a:r>
+            <a:r>
+              <a:rPr lang="en-US" sz="2800" dirty="0" err="1">
+                <a:latin typeface="Candara" panose="020E0502030303020204" pitchFamily="34" charset="0"/>
+              </a:rPr>
+              <a:t>rõ</a:t>
+            </a:r>
+            <a:r>
+              <a:rPr lang="en-US" sz="2800" dirty="0">
+                <a:latin typeface="Candara" panose="020E0502030303020204" pitchFamily="34" charset="0"/>
+              </a:rPr>
+              <a:t> </a:t>
+            </a:r>
+            <a:r>
+              <a:rPr lang="en-US" sz="2800" dirty="0" err="1">
+                <a:latin typeface="Candara" panose="020E0502030303020204" pitchFamily="34" charset="0"/>
+              </a:rPr>
+              <a:t>thêm</a:t>
+            </a:r>
+            <a:r>
+              <a:rPr lang="en-US" sz="2800" dirty="0">
+                <a:latin typeface="Candara" panose="020E0502030303020204" pitchFamily="34" charset="0"/>
+              </a:rPr>
+              <a:t> </a:t>
+            </a:r>
+            <a:r>
+              <a:rPr lang="en-US" sz="2800" dirty="0" err="1">
+                <a:latin typeface="Candara" panose="020E0502030303020204" pitchFamily="34" charset="0"/>
+              </a:rPr>
+              <a:t>về</a:t>
+            </a:r>
+            <a:r>
+              <a:rPr lang="en-US" sz="2800" dirty="0">
+                <a:latin typeface="Candara" panose="020E0502030303020204" pitchFamily="34" charset="0"/>
+              </a:rPr>
+              <a:t> </a:t>
+            </a:r>
+            <a:r>
+              <a:rPr lang="en-US" sz="2800" dirty="0" err="1">
+                <a:latin typeface="Candara" panose="020E0502030303020204" pitchFamily="34" charset="0"/>
+              </a:rPr>
+              <a:t>phần</a:t>
+            </a:r>
+            <a:r>
+              <a:rPr lang="en-US" sz="2800" dirty="0">
+                <a:latin typeface="Candara" panose="020E0502030303020204" pitchFamily="34" charset="0"/>
+              </a:rPr>
+              <a:t> </a:t>
+            </a:r>
+            <a:r>
+              <a:rPr lang="en-US" sz="2800" dirty="0" err="1">
+                <a:latin typeface="Candara" panose="020E0502030303020204" pitchFamily="34" charset="0"/>
+              </a:rPr>
+              <a:t>mềm</a:t>
+            </a:r>
+            <a:r>
+              <a:rPr lang="en-US" sz="2800" dirty="0">
+                <a:latin typeface="Candara" panose="020E0502030303020204" pitchFamily="34" charset="0"/>
+              </a:rPr>
+              <a:t>, </a:t>
+            </a:r>
+            <a:r>
+              <a:rPr lang="en-US" sz="2800" dirty="0" err="1">
+                <a:latin typeface="Candara" panose="020E0502030303020204" pitchFamily="34" charset="0"/>
+              </a:rPr>
+              <a:t>cũng</a:t>
+            </a:r>
+            <a:r>
+              <a:rPr lang="en-US" sz="2800" dirty="0">
+                <a:latin typeface="Candara" panose="020E0502030303020204" pitchFamily="34" charset="0"/>
+              </a:rPr>
+              <a:t> </a:t>
+            </a:r>
+            <a:r>
+              <a:rPr lang="en-US" sz="2800" dirty="0" err="1">
+                <a:latin typeface="Candara" panose="020E0502030303020204" pitchFamily="34" charset="0"/>
+              </a:rPr>
+              <a:t>như</a:t>
+            </a:r>
+            <a:r>
+              <a:rPr lang="en-US" sz="2800" dirty="0">
+                <a:latin typeface="Candara" panose="020E0502030303020204" pitchFamily="34" charset="0"/>
+              </a:rPr>
+              <a:t> </a:t>
+            </a:r>
+            <a:r>
+              <a:rPr lang="en-US" sz="2800" dirty="0" err="1">
+                <a:latin typeface="Candara" panose="020E0502030303020204" pitchFamily="34" charset="0"/>
+              </a:rPr>
+              <a:t>các</a:t>
+            </a:r>
+            <a:r>
+              <a:rPr lang="en-US" sz="2800" dirty="0">
+                <a:latin typeface="Candara" panose="020E0502030303020204" pitchFamily="34" charset="0"/>
+              </a:rPr>
+              <a:t> </a:t>
+            </a:r>
+            <a:r>
+              <a:rPr lang="en-US" sz="2800" dirty="0" err="1">
+                <a:latin typeface="Candara" panose="020E0502030303020204" pitchFamily="34" charset="0"/>
+              </a:rPr>
+              <a:t>mẹo</a:t>
+            </a:r>
+            <a:r>
+              <a:rPr lang="en-US" sz="2800" dirty="0">
+                <a:latin typeface="Candara" panose="020E0502030303020204" pitchFamily="34" charset="0"/>
+              </a:rPr>
+              <a:t> </a:t>
+            </a:r>
+            <a:r>
+              <a:rPr lang="en-US" sz="2800" dirty="0" err="1">
+                <a:latin typeface="Candara" panose="020E0502030303020204" pitchFamily="34" charset="0"/>
+              </a:rPr>
+              <a:t>vặt</a:t>
+            </a:r>
+            <a:r>
+              <a:rPr lang="en-US" sz="2800" dirty="0">
+                <a:latin typeface="Candara" panose="020E0502030303020204" pitchFamily="34" charset="0"/>
+              </a:rPr>
+              <a:t> </a:t>
+            </a:r>
+            <a:r>
+              <a:rPr lang="en-US" sz="2800" dirty="0" err="1">
+                <a:latin typeface="Candara" panose="020E0502030303020204" pitchFamily="34" charset="0"/>
+              </a:rPr>
+              <a:t>trong</a:t>
+            </a:r>
+            <a:r>
+              <a:rPr lang="en-US" sz="2800" dirty="0">
+                <a:latin typeface="Candara" panose="020E0502030303020204" pitchFamily="34" charset="0"/>
+              </a:rPr>
+              <a:t> </a:t>
+            </a:r>
+            <a:r>
+              <a:rPr lang="en-US" sz="2800" dirty="0" err="1">
+                <a:latin typeface="Candara" panose="020E0502030303020204" pitchFamily="34" charset="0"/>
+              </a:rPr>
+              <a:t>phần</a:t>
+            </a:r>
+            <a:r>
+              <a:rPr lang="en-US" sz="2800" dirty="0">
+                <a:latin typeface="Candara" panose="020E0502030303020204" pitchFamily="34" charset="0"/>
+              </a:rPr>
+              <a:t> </a:t>
+            </a:r>
+            <a:r>
+              <a:rPr lang="en-US" sz="2800" dirty="0" err="1">
+                <a:latin typeface="Candara" panose="020E0502030303020204" pitchFamily="34" charset="0"/>
+              </a:rPr>
+              <a:t>mềm</a:t>
+            </a:r>
+            <a:r>
+              <a:rPr lang="en-US" sz="2800" dirty="0">
+                <a:latin typeface="Candara" panose="020E0502030303020204" pitchFamily="34" charset="0"/>
+              </a:rPr>
+              <a:t>, </a:t>
+            </a:r>
+            <a:r>
+              <a:rPr lang="en-US" sz="2800" dirty="0" err="1">
+                <a:latin typeface="Candara" panose="020E0502030303020204" pitchFamily="34" charset="0"/>
+              </a:rPr>
+              <a:t>cách</a:t>
+            </a:r>
+            <a:r>
+              <a:rPr lang="en-US" sz="2800" dirty="0">
+                <a:latin typeface="Candara" panose="020E0502030303020204" pitchFamily="34" charset="0"/>
+              </a:rPr>
+              <a:t> </a:t>
+            </a:r>
+            <a:r>
+              <a:rPr lang="en-US" sz="2800" dirty="0" err="1">
+                <a:latin typeface="Candara" panose="020E0502030303020204" pitchFamily="34" charset="0"/>
+              </a:rPr>
+              <a:t>tối</a:t>
+            </a:r>
+            <a:r>
+              <a:rPr lang="en-US" sz="2800" dirty="0">
+                <a:latin typeface="Candara" panose="020E0502030303020204" pitchFamily="34" charset="0"/>
+              </a:rPr>
+              <a:t> </a:t>
+            </a:r>
+            <a:r>
+              <a:rPr lang="en-US" sz="2800" dirty="0" err="1">
+                <a:latin typeface="Candara" panose="020E0502030303020204" pitchFamily="34" charset="0"/>
+              </a:rPr>
+              <a:t>ưu</a:t>
+            </a:r>
+            <a:r>
+              <a:rPr lang="en-US" sz="2800" dirty="0">
+                <a:latin typeface="Candara" panose="020E0502030303020204" pitchFamily="34" charset="0"/>
+              </a:rPr>
+              <a:t> </a:t>
+            </a:r>
+            <a:r>
+              <a:rPr lang="en-US" sz="2800" dirty="0" err="1">
+                <a:latin typeface="Candara" panose="020E0502030303020204" pitchFamily="34" charset="0"/>
+              </a:rPr>
+              <a:t>phần</a:t>
+            </a:r>
+            <a:r>
+              <a:rPr lang="en-US" sz="2800" dirty="0">
+                <a:latin typeface="Candara" panose="020E0502030303020204" pitchFamily="34" charset="0"/>
+              </a:rPr>
+              <a:t> </a:t>
+            </a:r>
+            <a:r>
+              <a:rPr lang="en-US" sz="2800" dirty="0" err="1">
+                <a:latin typeface="Candara" panose="020E0502030303020204" pitchFamily="34" charset="0"/>
+              </a:rPr>
+              <a:t>mềm</a:t>
+            </a:r>
             <a:endParaRPr lang="en-US" sz="2800" dirty="0">
               <a:latin typeface="Candara" panose="020E0502030303020204" pitchFamily="34" charset="0"/>
             </a:endParaRPr>
@@ -5183,14 +5455,14 @@
           <p:nvPr>
             <p:extLst>
               <p:ext uri="{D42A27DB-BD31-4B8C-83A1-F6EECF244321}">
-                <p14:modId xmlns:p14="http://schemas.microsoft.com/office/powerpoint/2010/main" val="2546183100"/>
+                <p14:modId xmlns:p14="http://schemas.microsoft.com/office/powerpoint/2010/main" val="2917859059"/>
               </p:ext>
             </p:extLst>
           </p:nvPr>
         </p:nvGraphicFramePr>
         <p:xfrm>
-          <a:off x="6248400" y="1522441"/>
-          <a:ext cx="11544299" cy="1295998"/>
+          <a:off x="7239000" y="1256005"/>
+          <a:ext cx="10553700" cy="1295998"/>
         </p:xfrm>
         <a:graphic>
           <a:graphicData uri="http://schemas.openxmlformats.org/drawingml/2006/table">
@@ -5199,35 +5471,35 @@
                 <a:tableStyleId>{5C22544A-7EE6-4342-B048-85BDC9FD1C3A}</a:tableStyleId>
               </a:tblPr>
               <a:tblGrid>
-                <a:gridCol w="9034567">
+                <a:gridCol w="8259324">
                   <a:extLst>
                     <a:ext uri="{9D8B030D-6E8A-4147-A177-3AD203B41FA5}">
                       <a16:colId xmlns:a16="http://schemas.microsoft.com/office/drawing/2014/main" val="2784612284"/>
                     </a:ext>
                   </a:extLst>
                 </a:gridCol>
-                <a:gridCol w="627433">
+                <a:gridCol w="573594">
                   <a:extLst>
                     <a:ext uri="{9D8B030D-6E8A-4147-A177-3AD203B41FA5}">
                       <a16:colId xmlns:a16="http://schemas.microsoft.com/office/drawing/2014/main" val="3744125592"/>
                     </a:ext>
                   </a:extLst>
                 </a:gridCol>
-                <a:gridCol w="627433">
+                <a:gridCol w="573594">
                   <a:extLst>
                     <a:ext uri="{9D8B030D-6E8A-4147-A177-3AD203B41FA5}">
                       <a16:colId xmlns:a16="http://schemas.microsoft.com/office/drawing/2014/main" val="4287382238"/>
                     </a:ext>
                   </a:extLst>
                 </a:gridCol>
-                <a:gridCol w="627433">
+                <a:gridCol w="573594">
                   <a:extLst>
                     <a:ext uri="{9D8B030D-6E8A-4147-A177-3AD203B41FA5}">
                       <a16:colId xmlns:a16="http://schemas.microsoft.com/office/drawing/2014/main" val="3645245715"/>
                     </a:ext>
                   </a:extLst>
                 </a:gridCol>
-                <a:gridCol w="627433">
+                <a:gridCol w="573594">
                   <a:extLst>
                     <a:ext uri="{9D8B030D-6E8A-4147-A177-3AD203B41FA5}">
                       <a16:colId xmlns:a16="http://schemas.microsoft.com/office/drawing/2014/main" val="1117753320"/>
@@ -5445,6 +5717,53 @@
           </a:fontRef>
         </p:style>
       </p:cxnSp>
+      <p:pic>
+        <p:nvPicPr>
+          <p:cNvPr id="1028" name="Picture 4" descr="دانلود Xilinx Vivado Design Suite v2019.1 HLx Edition x64 - نرم افزار">
+            <a:extLst>
+              <a:ext uri="{FF2B5EF4-FFF2-40B4-BE49-F238E27FC236}">
+                <a16:creationId xmlns:a16="http://schemas.microsoft.com/office/drawing/2014/main" id="{FFE441F3-FE83-7518-6870-196E566DA4B7}"/>
+              </a:ext>
+            </a:extLst>
+          </p:cNvPr>
+          <p:cNvPicPr>
+            <a:picLocks noChangeAspect="1" noChangeArrowheads="1"/>
+          </p:cNvPicPr>
+          <p:nvPr/>
+        </p:nvPicPr>
+        <p:blipFill>
+          <a:blip r:embed="rId4">
+            <a:extLst>
+              <a:ext uri="{28A0092B-C50C-407E-A947-70E740481C1C}">
+                <a14:useLocalDpi xmlns:a14="http://schemas.microsoft.com/office/drawing/2010/main" val="0"/>
+              </a:ext>
+            </a:extLst>
+          </a:blip>
+          <a:srcRect/>
+          <a:stretch>
+            <a:fillRect/>
+          </a:stretch>
+        </p:blipFill>
+        <p:spPr bwMode="auto">
+          <a:xfrm>
+            <a:off x="10972800" y="3001082"/>
+            <a:ext cx="5257800" cy="4426334"/>
+          </a:xfrm>
+          <a:prstGeom prst="rect">
+            <a:avLst/>
+          </a:prstGeom>
+          <a:noFill/>
+          <a:extLst>
+            <a:ext uri="{909E8E84-426E-40DD-AFC4-6F175D3DCCD1}">
+              <a14:hiddenFill xmlns:a14="http://schemas.microsoft.com/office/drawing/2010/main">
+                <a:solidFill>
+                  <a:srgbClr val="FFFFFF"/>
+                </a:solidFill>
+              </a14:hiddenFill>
+            </a:ext>
+          </a:extLst>
+        </p:spPr>
+      </p:pic>
     </p:spTree>
     <p:extLst>
       <p:ext uri="{BB962C8B-B14F-4D97-AF65-F5344CB8AC3E}">
@@ -6134,6 +6453,792 @@
           </a:fontRef>
         </p:style>
       </p:cxnSp>
+      <p:sp>
+        <p:nvSpPr>
+          <p:cNvPr id="6" name="TextBox 5">
+            <a:extLst>
+              <a:ext uri="{FF2B5EF4-FFF2-40B4-BE49-F238E27FC236}">
+                <a16:creationId xmlns:a16="http://schemas.microsoft.com/office/drawing/2014/main" id="{8BB6DA8E-30AB-307A-042E-81B0F8188CA8}"/>
+              </a:ext>
+            </a:extLst>
+          </p:cNvPr>
+          <p:cNvSpPr txBox="1"/>
+          <p:nvPr/>
+        </p:nvSpPr>
+        <p:spPr>
+          <a:xfrm>
+            <a:off x="1028700" y="3390899"/>
+            <a:ext cx="12687300" cy="4247317"/>
+          </a:xfrm>
+          <a:prstGeom prst="rect">
+            <a:avLst/>
+          </a:prstGeom>
+          <a:noFill/>
+        </p:spPr>
+        <p:txBody>
+          <a:bodyPr wrap="square" rtlCol="0">
+            <a:spAutoFit/>
+          </a:bodyPr>
+          <a:lstStyle/>
+          <a:p>
+            <a:pPr marL="457200" indent="-457200">
+              <a:buFontTx/>
+              <a:buChar char="-"/>
+            </a:pPr>
+            <a:r>
+              <a:rPr lang="en-US" sz="3000" dirty="0"/>
+              <a:t>Tiến </a:t>
+            </a:r>
+            <a:r>
+              <a:rPr lang="en-US" sz="3000" dirty="0" err="1"/>
+              <a:t>độ</a:t>
+            </a:r>
+            <a:r>
+              <a:rPr lang="en-US" sz="3000" dirty="0"/>
+              <a:t> </a:t>
+            </a:r>
+            <a:r>
+              <a:rPr lang="en-US" sz="3000" dirty="0" err="1"/>
+              <a:t>thiết</a:t>
+            </a:r>
+            <a:r>
+              <a:rPr lang="en-US" sz="3000" dirty="0"/>
+              <a:t> </a:t>
+            </a:r>
+            <a:r>
+              <a:rPr lang="en-US" sz="3000" dirty="0" err="1"/>
+              <a:t>kế</a:t>
+            </a:r>
+            <a:r>
+              <a:rPr lang="en-US" sz="3000" dirty="0"/>
+              <a:t> testbench </a:t>
+            </a:r>
+            <a:r>
+              <a:rPr lang="en-US" sz="3000" dirty="0" err="1"/>
+              <a:t>vẫn</a:t>
+            </a:r>
+            <a:r>
+              <a:rPr lang="en-US" sz="3000" dirty="0"/>
+              <a:t> </a:t>
+            </a:r>
+            <a:r>
+              <a:rPr lang="en-US" sz="3000" dirty="0" err="1"/>
+              <a:t>còn</a:t>
+            </a:r>
+            <a:r>
+              <a:rPr lang="en-US" sz="3000" dirty="0"/>
+              <a:t> </a:t>
+            </a:r>
+            <a:r>
+              <a:rPr lang="en-US" sz="3000" dirty="0" err="1"/>
+              <a:t>chậm</a:t>
+            </a:r>
+            <a:r>
+              <a:rPr lang="en-US" sz="3000" dirty="0"/>
+              <a:t>, </a:t>
+            </a:r>
+            <a:r>
+              <a:rPr lang="en-US" sz="3000" dirty="0" err="1"/>
+              <a:t>nguyên</a:t>
+            </a:r>
+            <a:r>
+              <a:rPr lang="en-US" sz="3000" dirty="0"/>
+              <a:t> do </a:t>
+            </a:r>
+            <a:r>
+              <a:rPr lang="en-US" sz="3000" dirty="0" err="1"/>
+              <a:t>là</a:t>
+            </a:r>
+            <a:r>
+              <a:rPr lang="en-US" sz="3000" dirty="0"/>
+              <a:t> </a:t>
+            </a:r>
+            <a:r>
+              <a:rPr lang="en-US" sz="3000" dirty="0" err="1"/>
+              <a:t>việc</a:t>
+            </a:r>
+            <a:r>
+              <a:rPr lang="en-US" sz="3000" dirty="0"/>
+              <a:t> </a:t>
+            </a:r>
+            <a:r>
+              <a:rPr lang="en-US" sz="3000" dirty="0" err="1"/>
+              <a:t>sử</a:t>
+            </a:r>
+            <a:r>
+              <a:rPr lang="en-US" sz="3000" dirty="0"/>
+              <a:t> </a:t>
+            </a:r>
+            <a:r>
+              <a:rPr lang="en-US" sz="3000" dirty="0" err="1"/>
+              <a:t>dụng</a:t>
+            </a:r>
+            <a:r>
+              <a:rPr lang="en-US" sz="3000" dirty="0"/>
+              <a:t> testbench </a:t>
+            </a:r>
+            <a:r>
+              <a:rPr lang="en-US" sz="3000" dirty="0" err="1"/>
+              <a:t>này</a:t>
+            </a:r>
+            <a:r>
+              <a:rPr lang="en-US" sz="3000" dirty="0"/>
+              <a:t> </a:t>
+            </a:r>
+            <a:r>
+              <a:rPr lang="en-US" sz="3000" dirty="0" err="1"/>
+              <a:t>có</a:t>
+            </a:r>
+            <a:r>
+              <a:rPr lang="en-US" sz="3000" dirty="0"/>
+              <a:t> </a:t>
+            </a:r>
+            <a:r>
+              <a:rPr lang="en-US" sz="3000" dirty="0" err="1"/>
+              <a:t>khá</a:t>
+            </a:r>
+            <a:r>
+              <a:rPr lang="en-US" sz="3000" dirty="0"/>
+              <a:t> </a:t>
+            </a:r>
+            <a:r>
+              <a:rPr lang="en-US" sz="3000" dirty="0" err="1"/>
+              <a:t>nhiều</a:t>
+            </a:r>
+            <a:r>
+              <a:rPr lang="en-US" sz="3000" dirty="0"/>
+              <a:t> </a:t>
+            </a:r>
+            <a:r>
+              <a:rPr lang="en-US" sz="3000" dirty="0" err="1"/>
+              <a:t>nguyên</a:t>
+            </a:r>
+            <a:r>
+              <a:rPr lang="en-US" sz="3000" dirty="0"/>
+              <a:t> </a:t>
+            </a:r>
+            <a:r>
+              <a:rPr lang="en-US" sz="3000" dirty="0" err="1"/>
+              <a:t>lý</a:t>
+            </a:r>
+            <a:r>
+              <a:rPr lang="en-US" sz="3000" dirty="0"/>
+              <a:t> </a:t>
+            </a:r>
+            <a:r>
+              <a:rPr lang="en-US" sz="3000" dirty="0" err="1"/>
+              <a:t>và</a:t>
+            </a:r>
+            <a:r>
+              <a:rPr lang="en-US" sz="3000" dirty="0"/>
+              <a:t> </a:t>
+            </a:r>
+            <a:r>
+              <a:rPr lang="en-US" sz="3000" dirty="0" err="1"/>
+              <a:t>cần</a:t>
+            </a:r>
+            <a:r>
+              <a:rPr lang="en-US" sz="3000" dirty="0"/>
+              <a:t> </a:t>
+            </a:r>
+            <a:r>
+              <a:rPr lang="en-US" sz="3000" dirty="0" err="1"/>
+              <a:t>cập</a:t>
+            </a:r>
+            <a:r>
+              <a:rPr lang="en-US" sz="3000" dirty="0"/>
+              <a:t> </a:t>
+            </a:r>
+            <a:r>
+              <a:rPr lang="en-US" sz="3000" dirty="0" err="1"/>
+              <a:t>nhật</a:t>
+            </a:r>
+            <a:r>
+              <a:rPr lang="en-US" sz="3000" dirty="0"/>
+              <a:t> </a:t>
+            </a:r>
+            <a:r>
+              <a:rPr lang="en-US" sz="3000" dirty="0" err="1"/>
+              <a:t>liên</a:t>
+            </a:r>
+            <a:r>
+              <a:rPr lang="en-US" sz="3000" dirty="0"/>
+              <a:t> </a:t>
+            </a:r>
+            <a:r>
+              <a:rPr lang="en-US" sz="3000" dirty="0" err="1"/>
+              <a:t>tục</a:t>
+            </a:r>
+            <a:r>
+              <a:rPr lang="en-US" sz="3000" dirty="0"/>
+              <a:t> </a:t>
+            </a:r>
+            <a:r>
+              <a:rPr lang="en-US" sz="3000" dirty="0" err="1"/>
+              <a:t>trong</a:t>
+            </a:r>
+            <a:r>
+              <a:rPr lang="en-US" sz="3000" dirty="0"/>
+              <a:t> 1 </a:t>
+            </a:r>
+            <a:r>
+              <a:rPr lang="en-US" sz="3000" dirty="0" err="1"/>
+              <a:t>vài</a:t>
+            </a:r>
+            <a:r>
+              <a:rPr lang="en-US" sz="3000" dirty="0"/>
+              <a:t> project </a:t>
+            </a:r>
+            <a:r>
+              <a:rPr lang="en-US" sz="3000" dirty="0" err="1"/>
+              <a:t>đầu</a:t>
+            </a:r>
+            <a:r>
+              <a:rPr lang="en-US" sz="3000" dirty="0"/>
+              <a:t> </a:t>
+            </a:r>
+            <a:r>
+              <a:rPr lang="en-US" sz="3000" dirty="0" err="1"/>
+              <a:t>để</a:t>
+            </a:r>
+            <a:r>
+              <a:rPr lang="en-US" sz="3000" dirty="0"/>
+              <a:t> </a:t>
+            </a:r>
+            <a:r>
+              <a:rPr lang="en-US" sz="3000" dirty="0" err="1"/>
+              <a:t>có</a:t>
+            </a:r>
+            <a:r>
+              <a:rPr lang="en-US" sz="3000" dirty="0"/>
+              <a:t> </a:t>
+            </a:r>
+            <a:r>
+              <a:rPr lang="en-US" sz="3000" dirty="0" err="1"/>
+              <a:t>thể</a:t>
+            </a:r>
+            <a:r>
+              <a:rPr lang="en-US" sz="3000" dirty="0"/>
+              <a:t> </a:t>
+            </a:r>
+            <a:r>
+              <a:rPr lang="en-US" sz="3000" dirty="0" err="1"/>
+              <a:t>nắm</a:t>
+            </a:r>
+            <a:r>
+              <a:rPr lang="en-US" sz="3000" dirty="0"/>
+              <a:t> </a:t>
+            </a:r>
+            <a:r>
+              <a:rPr lang="en-US" sz="3000" dirty="0" err="1"/>
+              <a:t>rõ</a:t>
+            </a:r>
+            <a:r>
+              <a:rPr lang="en-US" sz="3000" dirty="0"/>
+              <a:t> </a:t>
+            </a:r>
+            <a:r>
+              <a:rPr lang="en-US" sz="3000" dirty="0" err="1"/>
+              <a:t>quy</a:t>
+            </a:r>
+            <a:r>
+              <a:rPr lang="en-US" sz="3000" dirty="0"/>
+              <a:t> </a:t>
+            </a:r>
+            <a:r>
+              <a:rPr lang="en-US" sz="3000" dirty="0" err="1"/>
+              <a:t>trình</a:t>
+            </a:r>
+            <a:r>
+              <a:rPr lang="en-US" sz="3000" dirty="0"/>
+              <a:t> </a:t>
+            </a:r>
+            <a:r>
+              <a:rPr lang="en-US" sz="3000" dirty="0" err="1"/>
+              <a:t>kiểm</a:t>
+            </a:r>
+            <a:r>
+              <a:rPr lang="en-US" sz="3000" dirty="0"/>
+              <a:t> </a:t>
+            </a:r>
+            <a:r>
+              <a:rPr lang="en-US" sz="3000" dirty="0" err="1"/>
+              <a:t>thử</a:t>
+            </a:r>
+            <a:r>
+              <a:rPr lang="en-US" sz="3000" dirty="0"/>
+              <a:t> </a:t>
+            </a:r>
+            <a:r>
+              <a:rPr lang="en-US" sz="3000" dirty="0" err="1"/>
+              <a:t>cơ</a:t>
+            </a:r>
+            <a:r>
+              <a:rPr lang="en-US" sz="3000" dirty="0"/>
+              <a:t> </a:t>
+            </a:r>
+            <a:r>
+              <a:rPr lang="en-US" sz="3000" dirty="0" err="1"/>
+              <a:t>bản</a:t>
+            </a:r>
+            <a:r>
+              <a:rPr lang="en-US" sz="3000" dirty="0"/>
+              <a:t>  </a:t>
+            </a:r>
+          </a:p>
+          <a:p>
+            <a:pPr marL="457200" indent="-457200">
+              <a:buFontTx/>
+              <a:buChar char="-"/>
+            </a:pPr>
+            <a:r>
+              <a:rPr lang="en-US" sz="3000" dirty="0"/>
+              <a:t>Các testbench ban </a:t>
+            </a:r>
+            <a:r>
+              <a:rPr lang="en-US" sz="3000" dirty="0" err="1"/>
+              <a:t>đầu</a:t>
+            </a:r>
+            <a:r>
+              <a:rPr lang="en-US" sz="3000" dirty="0"/>
+              <a:t>, </a:t>
+            </a:r>
+            <a:r>
+              <a:rPr lang="en-US" sz="3000" dirty="0" err="1"/>
+              <a:t>sau</a:t>
+            </a:r>
+            <a:r>
+              <a:rPr lang="en-US" sz="3000" dirty="0"/>
+              <a:t> </a:t>
+            </a:r>
+            <a:r>
+              <a:rPr lang="en-US" sz="3000" dirty="0" err="1"/>
+              <a:t>khi</a:t>
+            </a:r>
+            <a:r>
+              <a:rPr lang="en-US" sz="3000" dirty="0"/>
+              <a:t> </a:t>
+            </a:r>
+            <a:r>
+              <a:rPr lang="en-US" sz="3000" dirty="0" err="1"/>
+              <a:t>được</a:t>
+            </a:r>
+            <a:r>
+              <a:rPr lang="en-US" sz="3000" dirty="0"/>
+              <a:t> </a:t>
+            </a:r>
+            <a:r>
+              <a:rPr lang="en-US" sz="3000" dirty="0" err="1"/>
+              <a:t>hướng</a:t>
+            </a:r>
+            <a:r>
+              <a:rPr lang="en-US" sz="3000" dirty="0"/>
+              <a:t> </a:t>
+            </a:r>
+            <a:r>
+              <a:rPr lang="en-US" sz="3000" dirty="0" err="1"/>
+              <a:t>dẫn</a:t>
+            </a:r>
+            <a:r>
+              <a:rPr lang="en-US" sz="3000" dirty="0"/>
+              <a:t> </a:t>
+            </a:r>
+            <a:r>
+              <a:rPr lang="en-US" sz="3000" dirty="0" err="1"/>
+              <a:t>thêm</a:t>
+            </a:r>
+            <a:r>
+              <a:rPr lang="en-US" sz="3000" dirty="0"/>
+              <a:t>, </a:t>
+            </a:r>
+            <a:r>
+              <a:rPr lang="en-US" sz="3000" dirty="0" err="1"/>
+              <a:t>đã</a:t>
+            </a:r>
+            <a:r>
+              <a:rPr lang="en-US" sz="3000" dirty="0"/>
+              <a:t> </a:t>
+            </a:r>
+            <a:r>
+              <a:rPr lang="en-US" sz="3000" dirty="0" err="1"/>
+              <a:t>đảm</a:t>
+            </a:r>
+            <a:r>
+              <a:rPr lang="en-US" sz="3000" dirty="0"/>
+              <a:t> </a:t>
+            </a:r>
+            <a:r>
+              <a:rPr lang="en-US" sz="3000" dirty="0" err="1"/>
+              <a:t>bảo</a:t>
+            </a:r>
+            <a:r>
+              <a:rPr lang="en-US" sz="3000" dirty="0"/>
+              <a:t> </a:t>
+            </a:r>
+            <a:r>
+              <a:rPr lang="en-US" sz="3000" dirty="0" err="1"/>
+              <a:t>được</a:t>
+            </a:r>
+            <a:r>
+              <a:rPr lang="en-US" sz="3000" dirty="0"/>
+              <a:t> </a:t>
+            </a:r>
+            <a:r>
+              <a:rPr lang="en-US" sz="3000" dirty="0" err="1"/>
+              <a:t>các</a:t>
+            </a:r>
+            <a:r>
+              <a:rPr lang="en-US" sz="3000" dirty="0"/>
+              <a:t> </a:t>
+            </a:r>
+            <a:r>
+              <a:rPr lang="en-US" sz="3000" dirty="0" err="1"/>
+              <a:t>yêu</a:t>
+            </a:r>
+            <a:r>
+              <a:rPr lang="en-US" sz="3000" dirty="0"/>
+              <a:t> </a:t>
+            </a:r>
+            <a:r>
+              <a:rPr lang="en-US" sz="3000" dirty="0" err="1"/>
+              <a:t>cầu</a:t>
+            </a:r>
+            <a:r>
+              <a:rPr lang="en-US" sz="3000" dirty="0"/>
+              <a:t> </a:t>
+            </a:r>
+            <a:r>
+              <a:rPr lang="en-US" sz="3000" dirty="0" err="1"/>
+              <a:t>về</a:t>
+            </a:r>
+            <a:r>
+              <a:rPr lang="en-US" sz="3000" dirty="0"/>
+              <a:t> </a:t>
+            </a:r>
+            <a:r>
+              <a:rPr lang="en-US" sz="3000" dirty="0" err="1"/>
+              <a:t>mặt</a:t>
+            </a:r>
+            <a:r>
+              <a:rPr lang="en-US" sz="3000" dirty="0"/>
+              <a:t> </a:t>
+            </a:r>
+            <a:r>
+              <a:rPr lang="en-US" sz="3000" dirty="0" err="1"/>
+              <a:t>đồng</a:t>
+            </a:r>
+            <a:r>
+              <a:rPr lang="en-US" sz="3000" dirty="0"/>
+              <a:t> </a:t>
+            </a:r>
+            <a:r>
+              <a:rPr lang="en-US" sz="3000" dirty="0" err="1"/>
+              <a:t>bộ</a:t>
+            </a:r>
+            <a:r>
+              <a:rPr lang="en-US" sz="3000" dirty="0"/>
+              <a:t> reset, …</a:t>
+            </a:r>
+          </a:p>
+          <a:p>
+            <a:pPr marL="457200" indent="-457200">
+              <a:buFontTx/>
+              <a:buChar char="-"/>
+            </a:pPr>
+            <a:r>
+              <a:rPr lang="en-US" sz="3000" dirty="0" err="1"/>
+              <a:t>Thêm</a:t>
+            </a:r>
+            <a:r>
+              <a:rPr lang="en-US" sz="3000" dirty="0"/>
+              <a:t> </a:t>
+            </a:r>
+            <a:r>
+              <a:rPr lang="en-US" sz="3000" dirty="0" err="1"/>
+              <a:t>vào</a:t>
+            </a:r>
+            <a:r>
+              <a:rPr lang="en-US" sz="3000" dirty="0"/>
+              <a:t> </a:t>
+            </a:r>
+            <a:r>
+              <a:rPr lang="en-US" sz="3000" dirty="0" err="1"/>
+              <a:t>đó</a:t>
+            </a:r>
+            <a:r>
+              <a:rPr lang="en-US" sz="3000" dirty="0"/>
+              <a:t>, </a:t>
+            </a:r>
+            <a:r>
+              <a:rPr lang="en-US" sz="3000" dirty="0" err="1"/>
+              <a:t>các</a:t>
+            </a:r>
+            <a:r>
+              <a:rPr lang="en-US" sz="3000" dirty="0"/>
+              <a:t> testbench </a:t>
+            </a:r>
+            <a:r>
+              <a:rPr lang="en-US" sz="3000" dirty="0" err="1"/>
+              <a:t>cũng</a:t>
+            </a:r>
+            <a:r>
+              <a:rPr lang="en-US" sz="3000" dirty="0"/>
+              <a:t> </a:t>
+            </a:r>
+            <a:r>
+              <a:rPr lang="en-US" sz="3000" dirty="0" err="1"/>
+              <a:t>cần</a:t>
+            </a:r>
+            <a:r>
+              <a:rPr lang="en-US" sz="3000" dirty="0"/>
+              <a:t> design </a:t>
+            </a:r>
+            <a:r>
+              <a:rPr lang="en-US" sz="3000" dirty="0" err="1"/>
+              <a:t>sao</a:t>
+            </a:r>
+            <a:r>
+              <a:rPr lang="en-US" sz="3000" dirty="0"/>
+              <a:t> </a:t>
+            </a:r>
+            <a:r>
+              <a:rPr lang="en-US" sz="3000" dirty="0" err="1"/>
+              <a:t>cho</a:t>
+            </a:r>
+            <a:r>
+              <a:rPr lang="en-US" sz="3000" dirty="0"/>
+              <a:t> </a:t>
+            </a:r>
+            <a:r>
+              <a:rPr lang="en-US" sz="3000" dirty="0" err="1"/>
+              <a:t>sát</a:t>
+            </a:r>
+            <a:r>
+              <a:rPr lang="en-US" sz="3000" dirty="0"/>
+              <a:t> </a:t>
+            </a:r>
+            <a:r>
+              <a:rPr lang="en-US" sz="3000" dirty="0" err="1"/>
+              <a:t>với</a:t>
+            </a:r>
+            <a:r>
+              <a:rPr lang="en-US" sz="3000" dirty="0"/>
+              <a:t> </a:t>
+            </a:r>
+            <a:r>
+              <a:rPr lang="en-US" sz="3000" dirty="0" err="1"/>
+              <a:t>thực</a:t>
+            </a:r>
+            <a:r>
+              <a:rPr lang="en-US" sz="3000" dirty="0"/>
+              <a:t> </a:t>
+            </a:r>
+            <a:r>
+              <a:rPr lang="en-US" sz="3000" dirty="0" err="1"/>
+              <a:t>tế</a:t>
+            </a:r>
+            <a:r>
+              <a:rPr lang="en-US" sz="3000" dirty="0"/>
+              <a:t>, bao </a:t>
+            </a:r>
+            <a:r>
+              <a:rPr lang="en-US" sz="3000" dirty="0" err="1"/>
+              <a:t>hàm</a:t>
+            </a:r>
+            <a:r>
+              <a:rPr lang="en-US" sz="3000" dirty="0"/>
+              <a:t> </a:t>
+            </a:r>
+            <a:r>
+              <a:rPr lang="en-US" sz="3000" dirty="0" err="1"/>
+              <a:t>nhiều</a:t>
+            </a:r>
+            <a:r>
+              <a:rPr lang="en-US" sz="3000" dirty="0"/>
+              <a:t> </a:t>
+            </a:r>
+            <a:r>
+              <a:rPr lang="en-US" sz="3000" dirty="0" err="1"/>
+              <a:t>trường</a:t>
+            </a:r>
+            <a:r>
+              <a:rPr lang="en-US" sz="3000" dirty="0"/>
+              <a:t> </a:t>
+            </a:r>
+            <a:r>
+              <a:rPr lang="en-US" sz="3000" dirty="0" err="1"/>
+              <a:t>hợp</a:t>
+            </a:r>
+            <a:r>
+              <a:rPr lang="en-US" sz="3000" dirty="0"/>
+              <a:t> </a:t>
+            </a:r>
+            <a:r>
+              <a:rPr lang="en-US" sz="3000" dirty="0" err="1"/>
+              <a:t>phức</a:t>
+            </a:r>
+            <a:r>
+              <a:rPr lang="en-US" sz="3000" dirty="0"/>
+              <a:t> </a:t>
+            </a:r>
+            <a:r>
+              <a:rPr lang="en-US" sz="3000" dirty="0" err="1"/>
+              <a:t>tạp</a:t>
+            </a:r>
+            <a:r>
+              <a:rPr lang="en-US" sz="3000" dirty="0"/>
+              <a:t> </a:t>
+            </a:r>
+            <a:r>
+              <a:rPr lang="en-US" sz="3000" dirty="0" err="1"/>
+              <a:t>nhất</a:t>
+            </a:r>
+            <a:r>
+              <a:rPr lang="en-US" sz="3000" dirty="0"/>
+              <a:t> </a:t>
+            </a:r>
+            <a:r>
+              <a:rPr lang="en-US" sz="3000" dirty="0" err="1"/>
+              <a:t>có</a:t>
+            </a:r>
+            <a:r>
+              <a:rPr lang="en-US" sz="3000" dirty="0"/>
+              <a:t> </a:t>
+            </a:r>
+            <a:r>
+              <a:rPr lang="en-US" sz="3000" dirty="0" err="1"/>
+              <a:t>thể</a:t>
+            </a:r>
+            <a:r>
+              <a:rPr lang="en-US" sz="3000" dirty="0"/>
+              <a:t>.</a:t>
+            </a:r>
+          </a:p>
+          <a:p>
+            <a:pPr marL="457200" indent="-457200">
+              <a:buFontTx/>
+              <a:buChar char="-"/>
+            </a:pPr>
+            <a:r>
+              <a:rPr lang="en-US" sz="3000" dirty="0" err="1"/>
+              <a:t>Cũng</a:t>
+            </a:r>
+            <a:r>
+              <a:rPr lang="en-US" sz="3000" dirty="0"/>
+              <a:t> </a:t>
+            </a:r>
+            <a:r>
+              <a:rPr lang="en-US" sz="3000" dirty="0" err="1"/>
+              <a:t>có</a:t>
+            </a:r>
+            <a:r>
+              <a:rPr lang="en-US" sz="3000" dirty="0"/>
+              <a:t> </a:t>
+            </a:r>
+            <a:r>
+              <a:rPr lang="en-US" sz="3000" dirty="0" err="1"/>
+              <a:t>thể</a:t>
+            </a:r>
+            <a:r>
+              <a:rPr lang="en-US" sz="3000" dirty="0"/>
+              <a:t> note </a:t>
+            </a:r>
+            <a:r>
+              <a:rPr lang="en-US" sz="3000" dirty="0" err="1"/>
+              <a:t>lại</a:t>
+            </a:r>
+            <a:r>
+              <a:rPr lang="en-US" sz="3000" dirty="0"/>
+              <a:t> </a:t>
+            </a:r>
+            <a:r>
+              <a:rPr lang="en-US" sz="3000" dirty="0" err="1"/>
+              <a:t>các</a:t>
+            </a:r>
+            <a:r>
+              <a:rPr lang="en-US" sz="3000" dirty="0"/>
+              <a:t> </a:t>
+            </a:r>
+            <a:r>
+              <a:rPr lang="en-US" sz="3000" dirty="0" err="1"/>
+              <a:t>tham</a:t>
+            </a:r>
+            <a:r>
+              <a:rPr lang="en-US" sz="3000" dirty="0"/>
+              <a:t> </a:t>
+            </a:r>
+            <a:r>
+              <a:rPr lang="en-US" sz="3000" dirty="0" err="1"/>
+              <a:t>số</a:t>
+            </a:r>
+            <a:r>
+              <a:rPr lang="en-US" sz="3000" dirty="0"/>
+              <a:t> </a:t>
+            </a:r>
+            <a:r>
+              <a:rPr lang="en-US" sz="3000" dirty="0" err="1"/>
+              <a:t>khó</a:t>
+            </a:r>
+            <a:r>
+              <a:rPr lang="en-US" sz="3000" dirty="0"/>
+              <a:t>, </a:t>
+            </a:r>
+            <a:r>
+              <a:rPr lang="en-US" sz="3000" dirty="0" err="1"/>
+              <a:t>để</a:t>
+            </a:r>
+            <a:r>
+              <a:rPr lang="en-US" sz="3000" dirty="0"/>
+              <a:t> highlight </a:t>
+            </a:r>
+            <a:r>
+              <a:rPr lang="en-US" sz="3000" dirty="0" err="1"/>
+              <a:t>trong</a:t>
+            </a:r>
+            <a:r>
+              <a:rPr lang="en-US" sz="3000" dirty="0"/>
+              <a:t> testbench </a:t>
+            </a:r>
+            <a:r>
+              <a:rPr lang="en-US" sz="3000" dirty="0" err="1"/>
+              <a:t>và</a:t>
+            </a:r>
+            <a:r>
+              <a:rPr lang="en-US" sz="3000" dirty="0"/>
+              <a:t> </a:t>
+            </a:r>
+            <a:r>
+              <a:rPr lang="en-US" sz="3000" dirty="0" err="1"/>
+              <a:t>chú</a:t>
+            </a:r>
+            <a:r>
+              <a:rPr lang="en-US" sz="3000" dirty="0"/>
+              <a:t> ý </a:t>
+            </a:r>
+            <a:r>
+              <a:rPr lang="en-US" sz="3000" dirty="0" err="1"/>
+              <a:t>hơn</a:t>
+            </a:r>
+            <a:r>
+              <a:rPr lang="en-US" sz="3000" dirty="0"/>
+              <a:t> </a:t>
+            </a:r>
+            <a:r>
+              <a:rPr lang="en-US" sz="3000" dirty="0" err="1"/>
+              <a:t>về</a:t>
+            </a:r>
+            <a:r>
+              <a:rPr lang="en-US" sz="3000" dirty="0"/>
+              <a:t> </a:t>
+            </a:r>
+            <a:r>
+              <a:rPr lang="en-US" sz="3000" dirty="0" err="1"/>
+              <a:t>chúng</a:t>
+            </a:r>
+            <a:endParaRPr lang="en-US" sz="3000" dirty="0"/>
+          </a:p>
+        </p:txBody>
+      </p:sp>
     </p:spTree>
     <p:extLst>
       <p:ext uri="{BB962C8B-B14F-4D97-AF65-F5344CB8AC3E}">
@@ -6393,7 +7498,7 @@
           <p:nvPr>
             <p:extLst>
               <p:ext uri="{D42A27DB-BD31-4B8C-83A1-F6EECF244321}">
-                <p14:modId xmlns:p14="http://schemas.microsoft.com/office/powerpoint/2010/main" val="1588943950"/>
+                <p14:modId xmlns:p14="http://schemas.microsoft.com/office/powerpoint/2010/main" val="263851946"/>
               </p:ext>
             </p:extLst>
           </p:nvPr>
@@ -6778,6 +7883,174 @@
           </a:fontRef>
         </p:style>
       </p:cxnSp>
+      <p:sp>
+        <p:nvSpPr>
+          <p:cNvPr id="7" name="TextBox 6">
+            <a:extLst>
+              <a:ext uri="{FF2B5EF4-FFF2-40B4-BE49-F238E27FC236}">
+                <a16:creationId xmlns:a16="http://schemas.microsoft.com/office/drawing/2014/main" id="{EAEB1A5E-5595-882E-CCEB-45F86B8829A0}"/>
+              </a:ext>
+            </a:extLst>
+          </p:cNvPr>
+          <p:cNvSpPr txBox="1"/>
+          <p:nvPr/>
+        </p:nvSpPr>
+        <p:spPr>
+          <a:xfrm>
+            <a:off x="1007270" y="8004139"/>
+            <a:ext cx="11680030" cy="369332"/>
+          </a:xfrm>
+          <a:prstGeom prst="rect">
+            <a:avLst/>
+          </a:prstGeom>
+          <a:noFill/>
+        </p:spPr>
+        <p:txBody>
+          <a:bodyPr wrap="square">
+            <a:spAutoFit/>
+          </a:bodyPr>
+          <a:lstStyle/>
+          <a:p>
+            <a:r>
+              <a:rPr lang="en-US" dirty="0"/>
+              <a:t>https://photos.app.goo.gl/PGKrs784QLoNu5nm7</a:t>
+            </a:r>
+          </a:p>
+        </p:txBody>
+      </p:sp>
+      <p:sp>
+        <p:nvSpPr>
+          <p:cNvPr id="11" name="TextBox 10">
+            <a:extLst>
+              <a:ext uri="{FF2B5EF4-FFF2-40B4-BE49-F238E27FC236}">
+                <a16:creationId xmlns:a16="http://schemas.microsoft.com/office/drawing/2014/main" id="{62781AD0-67BE-3DF7-A75E-603321FF72F0}"/>
+              </a:ext>
+            </a:extLst>
+          </p:cNvPr>
+          <p:cNvSpPr txBox="1"/>
+          <p:nvPr/>
+        </p:nvSpPr>
+        <p:spPr>
+          <a:xfrm>
+            <a:off x="1007270" y="3467100"/>
+            <a:ext cx="14994730" cy="646331"/>
+          </a:xfrm>
+          <a:prstGeom prst="rect">
+            <a:avLst/>
+          </a:prstGeom>
+          <a:noFill/>
+        </p:spPr>
+        <p:txBody>
+          <a:bodyPr wrap="square" rtlCol="0">
+            <a:spAutoFit/>
+          </a:bodyPr>
+          <a:lstStyle/>
+          <a:p>
+            <a:pPr marL="285750" indent="-285750">
+              <a:buFontTx/>
+              <a:buChar char="-"/>
+            </a:pPr>
+            <a:r>
+              <a:rPr lang="en-US" dirty="0"/>
+              <a:t>Lý do </a:t>
+            </a:r>
+            <a:r>
+              <a:rPr lang="en-US" dirty="0" err="1"/>
+              <a:t>tại</a:t>
+            </a:r>
+            <a:r>
+              <a:rPr lang="en-US" dirty="0"/>
+              <a:t> </a:t>
+            </a:r>
+            <a:r>
+              <a:rPr lang="en-US" dirty="0" err="1"/>
+              <a:t>sao</a:t>
+            </a:r>
+            <a:r>
+              <a:rPr lang="en-US" dirty="0"/>
+              <a:t> </a:t>
+            </a:r>
+            <a:r>
+              <a:rPr lang="en-US" dirty="0" err="1"/>
+              <a:t>lại</a:t>
+            </a:r>
+            <a:r>
+              <a:rPr lang="en-US" dirty="0"/>
+              <a:t> </a:t>
+            </a:r>
+            <a:r>
+              <a:rPr lang="en-US" dirty="0" err="1"/>
+              <a:t>cần</a:t>
+            </a:r>
+            <a:r>
+              <a:rPr lang="en-US" dirty="0"/>
+              <a:t> project </a:t>
+            </a:r>
+            <a:r>
+              <a:rPr lang="en-US" dirty="0" err="1"/>
+              <a:t>này</a:t>
+            </a:r>
+            <a:r>
+              <a:rPr lang="en-US" dirty="0"/>
+              <a:t> ???</a:t>
+            </a:r>
+          </a:p>
+          <a:p>
+            <a:pPr marL="285750" indent="-285750">
+              <a:buFontTx/>
+              <a:buChar char="-"/>
+            </a:pPr>
+            <a:r>
+              <a:rPr lang="en-US" dirty="0" err="1"/>
+              <a:t>Kĩ</a:t>
+            </a:r>
+            <a:r>
+              <a:rPr lang="en-US" dirty="0"/>
+              <a:t> </a:t>
+            </a:r>
+            <a:r>
+              <a:rPr lang="en-US" dirty="0" err="1"/>
+              <a:t>năng</a:t>
+            </a:r>
+            <a:r>
+              <a:rPr lang="en-US" dirty="0"/>
+              <a:t> </a:t>
+            </a:r>
+            <a:r>
+              <a:rPr lang="en-US" dirty="0" err="1"/>
+              <a:t>học</a:t>
+            </a:r>
+            <a:r>
+              <a:rPr lang="en-US" dirty="0"/>
+              <a:t> </a:t>
+            </a:r>
+            <a:r>
+              <a:rPr lang="en-US" dirty="0" err="1"/>
+              <a:t>được</a:t>
+            </a:r>
+            <a:r>
+              <a:rPr lang="en-US" dirty="0"/>
+              <a:t> qua </a:t>
+            </a:r>
+            <a:r>
+              <a:rPr lang="en-US" dirty="0" err="1"/>
+              <a:t>cái</a:t>
+            </a:r>
+            <a:r>
+              <a:rPr lang="en-US" dirty="0"/>
+              <a:t> </a:t>
+            </a:r>
+            <a:r>
+              <a:rPr lang="en-US" dirty="0" err="1"/>
+              <a:t>này</a:t>
+            </a:r>
+            <a:r>
+              <a:rPr lang="en-US"/>
+              <a:t>, …</a:t>
+            </a:r>
+          </a:p>
+        </p:txBody>
+      </p:sp>
     </p:spTree>
     <p:extLst>
       <p:ext uri="{BB962C8B-B14F-4D97-AF65-F5344CB8AC3E}">

--- a/report/monthly_report/first_month_intern_report_nguyenthanhdat.pptx
+++ b/report/monthly_report/first_month_intern_report_nguyenthanhdat.pptx
@@ -5,10 +5,10 @@
     <p:sldMasterId id="2147483648" r:id="rId1"/>
   </p:sldMasterIdLst>
   <p:notesMasterIdLst>
-    <p:notesMasterId r:id="rId23"/>
+    <p:notesMasterId r:id="rId25"/>
   </p:notesMasterIdLst>
   <p:handoutMasterIdLst>
-    <p:handoutMasterId r:id="rId24"/>
+    <p:handoutMasterId r:id="rId26"/>
   </p:handoutMasterIdLst>
   <p:sldIdLst>
     <p:sldId id="256" r:id="rId2"/>
@@ -23,29 +23,31 @@
     <p:sldId id="281" r:id="rId11"/>
     <p:sldId id="282" r:id="rId12"/>
     <p:sldId id="288" r:id="rId13"/>
-    <p:sldId id="276" r:id="rId14"/>
-    <p:sldId id="279" r:id="rId15"/>
-    <p:sldId id="260" r:id="rId16"/>
-    <p:sldId id="271" r:id="rId17"/>
-    <p:sldId id="275" r:id="rId18"/>
-    <p:sldId id="265" r:id="rId19"/>
-    <p:sldId id="289" r:id="rId20"/>
-    <p:sldId id="290" r:id="rId21"/>
-    <p:sldId id="283" r:id="rId22"/>
+    <p:sldId id="291" r:id="rId14"/>
+    <p:sldId id="276" r:id="rId15"/>
+    <p:sldId id="279" r:id="rId16"/>
+    <p:sldId id="260" r:id="rId17"/>
+    <p:sldId id="271" r:id="rId18"/>
+    <p:sldId id="275" r:id="rId19"/>
+    <p:sldId id="265" r:id="rId20"/>
+    <p:sldId id="289" r:id="rId21"/>
+    <p:sldId id="290" r:id="rId22"/>
+    <p:sldId id="292" r:id="rId23"/>
+    <p:sldId id="283" r:id="rId24"/>
   </p:sldIdLst>
   <p:sldSz cx="18288000" cy="10287000"/>
   <p:notesSz cx="6858000" cy="9144000"/>
   <p:embeddedFontLst>
     <p:embeddedFont>
       <p:font typeface="Candara" panose="020E0502030303020204" pitchFamily="34" charset="0"/>
-      <p:regular r:id="rId25"/>
-      <p:bold r:id="rId26"/>
-      <p:italic r:id="rId27"/>
-      <p:boldItalic r:id="rId28"/>
+      <p:regular r:id="rId27"/>
+      <p:bold r:id="rId28"/>
+      <p:italic r:id="rId29"/>
+      <p:boldItalic r:id="rId30"/>
     </p:embeddedFont>
     <p:embeddedFont>
       <p:font typeface="Mont" panose="020B0604020202020204" charset="0"/>
-      <p:regular r:id="rId29"/>
+      <p:regular r:id="rId31"/>
     </p:embeddedFont>
   </p:embeddedFontLst>
   <p:defaultTextStyle>
@@ -256,7 +258,7 @@
           <a:p>
             <a:fld id="{A1AE2CC0-B443-46A2-A734-2563B35C589B}" type="datetimeFigureOut">
               <a:rPr lang="vi-VN" smtClean="0"/>
-              <a:t>03/09/2025</a:t>
+              <a:t>04/09/2025</a:t>
             </a:fld>
             <a:endParaRPr lang="vi-VN"/>
           </a:p>
@@ -434,7 +436,7 @@
           <a:p>
             <a:fld id="{479A708A-E70B-41FC-8488-7BA5F93175A5}" type="datetimeFigureOut">
               <a:rPr lang="en-US" smtClean="0"/>
-              <a:t>9/3/2025</a:t>
+              <a:t>9/4/2025</a:t>
             </a:fld>
             <a:endParaRPr lang="en-US"/>
           </a:p>
@@ -965,7 +967,7 @@
           <a:p>
             <a:fld id="{B4E0DE78-481D-46F4-BCE8-DCF753E80741}" type="datetime1">
               <a:rPr lang="en-US" smtClean="0"/>
-              <a:t>9/3/2025</a:t>
+              <a:t>9/4/2025</a:t>
             </a:fld>
             <a:endParaRPr lang="en-US"/>
           </a:p>
@@ -1129,7 +1131,7 @@
           <a:p>
             <a:fld id="{CE91F1C7-8805-4561-84F5-8DFE1FB578A1}" type="datetime1">
               <a:rPr lang="en-US" smtClean="0"/>
-              <a:t>9/3/2025</a:t>
+              <a:t>9/4/2025</a:t>
             </a:fld>
             <a:endParaRPr lang="en-US"/>
           </a:p>
@@ -1303,7 +1305,7 @@
           <a:p>
             <a:fld id="{1DD9B5B1-6B91-45A1-BC26-D5EA6FC9D641}" type="datetime1">
               <a:rPr lang="en-US" smtClean="0"/>
-              <a:t>9/3/2025</a:t>
+              <a:t>9/4/2025</a:t>
             </a:fld>
             <a:endParaRPr lang="en-US"/>
           </a:p>
@@ -1467,7 +1469,7 @@
           <a:p>
             <a:fld id="{EA5DFB31-220D-4B04-8A0C-6611F0CF384B}" type="datetime1">
               <a:rPr lang="en-US" smtClean="0"/>
-              <a:t>9/3/2025</a:t>
+              <a:t>9/4/2025</a:t>
             </a:fld>
             <a:endParaRPr lang="en-US"/>
           </a:p>
@@ -1708,7 +1710,7 @@
           <a:p>
             <a:fld id="{89FC52EF-2D9E-4CDE-B556-16C35EE1D17F}" type="datetime1">
               <a:rPr lang="en-US" smtClean="0"/>
-              <a:t>9/3/2025</a:t>
+              <a:t>9/4/2025</a:t>
             </a:fld>
             <a:endParaRPr lang="en-US"/>
           </a:p>
@@ -1989,7 +1991,7 @@
           <a:p>
             <a:fld id="{2B485A64-45AB-4046-8AFE-F20255A7D614}" type="datetime1">
               <a:rPr lang="en-US" smtClean="0"/>
-              <a:t>9/3/2025</a:t>
+              <a:t>9/4/2025</a:t>
             </a:fld>
             <a:endParaRPr lang="en-US"/>
           </a:p>
@@ -2404,7 +2406,7 @@
           <a:p>
             <a:fld id="{ECB674DF-B2BD-43E0-A4D1-7D30DBACC014}" type="datetime1">
               <a:rPr lang="en-US" smtClean="0"/>
-              <a:t>9/3/2025</a:t>
+              <a:t>9/4/2025</a:t>
             </a:fld>
             <a:endParaRPr lang="en-US"/>
           </a:p>
@@ -2517,7 +2519,7 @@
           <a:p>
             <a:fld id="{698DF6F6-4AFC-4D4D-BE95-6DD53ECFBDF9}" type="datetime1">
               <a:rPr lang="en-US" smtClean="0"/>
-              <a:t>9/3/2025</a:t>
+              <a:t>9/4/2025</a:t>
             </a:fld>
             <a:endParaRPr lang="en-US"/>
           </a:p>
@@ -2608,7 +2610,7 @@
           <a:p>
             <a:fld id="{76962B0D-B538-484E-8111-0A2969960524}" type="datetime1">
               <a:rPr lang="en-US" smtClean="0"/>
-              <a:t>9/3/2025</a:t>
+              <a:t>9/4/2025</a:t>
             </a:fld>
             <a:endParaRPr lang="en-US"/>
           </a:p>
@@ -2879,7 +2881,7 @@
           <a:p>
             <a:fld id="{358C12DF-614E-4341-94B3-947074BC8C42}" type="datetime1">
               <a:rPr lang="en-US" smtClean="0"/>
-              <a:t>9/3/2025</a:t>
+              <a:t>9/4/2025</a:t>
             </a:fld>
             <a:endParaRPr lang="en-US"/>
           </a:p>
@@ -3127,7 +3129,7 @@
           <a:p>
             <a:fld id="{6D41FECE-6094-434A-A211-FD1AEB29EE9D}" type="datetime1">
               <a:rPr lang="en-US" smtClean="0"/>
-              <a:t>9/3/2025</a:t>
+              <a:t>9/4/2025</a:t>
             </a:fld>
             <a:endParaRPr lang="en-US"/>
           </a:p>
@@ -3334,7 +3336,7 @@
           <a:p>
             <a:fld id="{AFB572FD-A24A-433D-8A47-C4CCA72920C7}" type="datetime1">
               <a:rPr lang="en-US" smtClean="0"/>
-              <a:t>9/3/2025</a:t>
+              <a:t>9/4/2025</a:t>
             </a:fld>
             <a:endParaRPr lang="en-US"/>
           </a:p>
@@ -7897,8 +7899,8 @@
         </p:nvSpPr>
         <p:spPr>
           <a:xfrm>
-            <a:off x="1007270" y="8004139"/>
-            <a:ext cx="11680030" cy="369332"/>
+            <a:off x="1007270" y="8004138"/>
+            <a:ext cx="7298530" cy="523220"/>
           </a:xfrm>
           <a:prstGeom prst="rect">
             <a:avLst/>
@@ -7912,7 +7914,7 @@
           <a:lstStyle/>
           <a:p>
             <a:r>
-              <a:rPr lang="en-US" dirty="0"/>
+              <a:rPr lang="en-US" sz="2800" dirty="0"/>
               <a:t>https://photos.app.goo.gl/PGKrs784QLoNu5nm7</a:t>
             </a:r>
           </a:p>
@@ -7932,8 +7934,8 @@
         </p:nvSpPr>
         <p:spPr>
           <a:xfrm>
-            <a:off x="1007270" y="3467100"/>
-            <a:ext cx="14994730" cy="646331"/>
+            <a:off x="1028700" y="3312319"/>
+            <a:ext cx="14994730" cy="3323987"/>
           </a:xfrm>
           <a:prstGeom prst="rect">
             <a:avLst/>
@@ -7951,49 +7953,214 @@
               <a:buChar char="-"/>
             </a:pPr>
             <a:r>
-              <a:rPr lang="en-US" dirty="0"/>
-              <a:t>Lý do </a:t>
-            </a:r>
-            <a:r>
-              <a:rPr lang="en-US" dirty="0" err="1"/>
-              <a:t>tại</a:t>
-            </a:r>
-            <a:r>
-              <a:rPr lang="en-US" dirty="0"/>
-              <a:t> </a:t>
-            </a:r>
-            <a:r>
-              <a:rPr lang="en-US" dirty="0" err="1"/>
-              <a:t>sao</a:t>
-            </a:r>
-            <a:r>
-              <a:rPr lang="en-US" dirty="0"/>
-              <a:t> </a:t>
-            </a:r>
-            <a:r>
-              <a:rPr lang="en-US" dirty="0" err="1"/>
-              <a:t>lại</a:t>
-            </a:r>
-            <a:r>
-              <a:rPr lang="en-US" dirty="0"/>
-              <a:t> </a:t>
-            </a:r>
-            <a:r>
-              <a:rPr lang="en-US" dirty="0" err="1"/>
-              <a:t>cần</a:t>
-            </a:r>
-            <a:r>
-              <a:rPr lang="en-US" dirty="0"/>
-              <a:t> project </a:t>
-            </a:r>
-            <a:r>
-              <a:rPr lang="en-US" dirty="0" err="1"/>
+              <a:rPr lang="en-US" sz="3000" dirty="0"/>
+              <a:t>Project </a:t>
+            </a:r>
+            <a:r>
+              <a:rPr lang="en-US" sz="3000" dirty="0" err="1"/>
               <a:t>này</a:t>
             </a:r>
             <a:r>
-              <a:rPr lang="en-US" dirty="0"/>
-              <a:t> ???</a:t>
-            </a:r>
+              <a:rPr lang="en-US" sz="3000" dirty="0"/>
+              <a:t> </a:t>
+            </a:r>
+            <a:r>
+              <a:rPr lang="en-US" sz="3000" dirty="0" err="1"/>
+              <a:t>nhằm</a:t>
+            </a:r>
+            <a:r>
+              <a:rPr lang="en-US" sz="3000" dirty="0"/>
+              <a:t> </a:t>
+            </a:r>
+            <a:r>
+              <a:rPr lang="en-US" sz="3000" dirty="0" err="1"/>
+              <a:t>mục</a:t>
+            </a:r>
+            <a:r>
+              <a:rPr lang="en-US" sz="3000" dirty="0"/>
+              <a:t> </a:t>
+            </a:r>
+            <a:r>
+              <a:rPr lang="en-US" sz="3000" dirty="0" err="1"/>
+              <a:t>đích</a:t>
+            </a:r>
+            <a:r>
+              <a:rPr lang="en-US" sz="3000" dirty="0"/>
+              <a:t>: </a:t>
+            </a:r>
+            <a:r>
+              <a:rPr lang="en-US" sz="3000" dirty="0" err="1"/>
+              <a:t>kiểm</a:t>
+            </a:r>
+            <a:r>
+              <a:rPr lang="en-US" sz="3000" dirty="0"/>
+              <a:t> </a:t>
+            </a:r>
+            <a:r>
+              <a:rPr lang="en-US" sz="3000" dirty="0" err="1"/>
+              <a:t>tra</a:t>
+            </a:r>
+            <a:r>
+              <a:rPr lang="en-US" sz="3000" dirty="0"/>
+              <a:t> </a:t>
+            </a:r>
+            <a:r>
+              <a:rPr lang="en-US" sz="3000" dirty="0" err="1"/>
+              <a:t>các</a:t>
+            </a:r>
+            <a:r>
+              <a:rPr lang="en-US" sz="3000" dirty="0"/>
+              <a:t> </a:t>
+            </a:r>
+            <a:r>
+              <a:rPr lang="en-US" sz="3000" dirty="0" err="1"/>
+              <a:t>kiến</a:t>
+            </a:r>
+            <a:r>
+              <a:rPr lang="en-US" sz="3000" dirty="0"/>
+              <a:t> </a:t>
+            </a:r>
+            <a:r>
+              <a:rPr lang="en-US" sz="3000" dirty="0" err="1"/>
+              <a:t>thức</a:t>
+            </a:r>
+            <a:r>
+              <a:rPr lang="en-US" sz="3000" dirty="0"/>
+              <a:t> </a:t>
+            </a:r>
+            <a:r>
+              <a:rPr lang="en-US" sz="3000" dirty="0" err="1"/>
+              <a:t>đã</a:t>
+            </a:r>
+            <a:r>
+              <a:rPr lang="en-US" sz="3000" dirty="0"/>
+              <a:t> </a:t>
+            </a:r>
+            <a:r>
+              <a:rPr lang="en-US" sz="3000" dirty="0" err="1"/>
+              <a:t>học</a:t>
+            </a:r>
+            <a:r>
+              <a:rPr lang="en-US" sz="3000" dirty="0"/>
+              <a:t> </a:t>
+            </a:r>
+            <a:r>
+              <a:rPr lang="en-US" sz="3000" dirty="0" err="1"/>
+              <a:t>về</a:t>
+            </a:r>
+            <a:r>
+              <a:rPr lang="en-US" sz="3000" dirty="0"/>
+              <a:t> code FPGA, </a:t>
+            </a:r>
+            <a:r>
+              <a:rPr lang="en-US" sz="3000" dirty="0" err="1"/>
+              <a:t>các</a:t>
+            </a:r>
+            <a:r>
+              <a:rPr lang="en-US" sz="3000" dirty="0"/>
+              <a:t> </a:t>
+            </a:r>
+            <a:r>
+              <a:rPr lang="en-US" sz="3000" dirty="0" err="1"/>
+              <a:t>cổng</a:t>
+            </a:r>
+            <a:r>
+              <a:rPr lang="en-US" sz="3000" dirty="0"/>
+              <a:t> </a:t>
+            </a:r>
+            <a:r>
+              <a:rPr lang="en-US" sz="3000" dirty="0" err="1"/>
+              <a:t>vào</a:t>
+            </a:r>
+            <a:r>
+              <a:rPr lang="en-US" sz="3000" dirty="0"/>
+              <a:t> </a:t>
+            </a:r>
+            <a:r>
+              <a:rPr lang="en-US" sz="3000" dirty="0" err="1"/>
+              <a:t>ra</a:t>
+            </a:r>
+            <a:r>
+              <a:rPr lang="en-US" sz="3000" dirty="0"/>
+              <a:t>, </a:t>
+            </a:r>
+            <a:r>
+              <a:rPr lang="en-US" sz="3000" dirty="0" err="1"/>
+              <a:t>thực</a:t>
+            </a:r>
+            <a:r>
+              <a:rPr lang="en-US" sz="3000" dirty="0"/>
+              <a:t> </a:t>
+            </a:r>
+            <a:r>
+              <a:rPr lang="en-US" sz="3000" dirty="0" err="1"/>
+              <a:t>hành</a:t>
+            </a:r>
+            <a:r>
+              <a:rPr lang="en-US" sz="3000" dirty="0"/>
+              <a:t> </a:t>
+            </a:r>
+            <a:r>
+              <a:rPr lang="en-US" sz="3000" dirty="0" err="1"/>
+              <a:t>với</a:t>
+            </a:r>
+            <a:r>
+              <a:rPr lang="en-US" sz="3000" dirty="0"/>
+              <a:t> 1 project </a:t>
+            </a:r>
+            <a:r>
+              <a:rPr lang="en-US" sz="3000" dirty="0" err="1"/>
+              <a:t>thực</a:t>
+            </a:r>
+            <a:r>
+              <a:rPr lang="en-US" sz="3000" dirty="0"/>
+              <a:t> </a:t>
+            </a:r>
+            <a:r>
+              <a:rPr lang="en-US" sz="3000" dirty="0" err="1"/>
+              <a:t>tế</a:t>
+            </a:r>
+            <a:r>
+              <a:rPr lang="en-US" sz="3000" dirty="0"/>
+              <a:t> </a:t>
+            </a:r>
+            <a:r>
+              <a:rPr lang="en-US" sz="3000" dirty="0" err="1"/>
+              <a:t>với</a:t>
+            </a:r>
+            <a:r>
+              <a:rPr lang="en-US" sz="3000" dirty="0"/>
+              <a:t> </a:t>
+            </a:r>
+            <a:r>
+              <a:rPr lang="en-US" sz="3000" dirty="0" err="1"/>
+              <a:t>đầy</a:t>
+            </a:r>
+            <a:r>
+              <a:rPr lang="en-US" sz="3000" dirty="0"/>
+              <a:t> </a:t>
+            </a:r>
+            <a:r>
+              <a:rPr lang="en-US" sz="3000" dirty="0" err="1"/>
+              <a:t>đủ</a:t>
+            </a:r>
+            <a:r>
+              <a:rPr lang="en-US" sz="3000" dirty="0"/>
+              <a:t> </a:t>
+            </a:r>
+            <a:r>
+              <a:rPr lang="en-US" sz="3000" dirty="0" err="1"/>
+              <a:t>các</a:t>
+            </a:r>
+            <a:r>
+              <a:rPr lang="en-US" sz="3000" dirty="0"/>
+              <a:t> </a:t>
+            </a:r>
+            <a:r>
+              <a:rPr lang="en-US" sz="3000" dirty="0" err="1"/>
+              <a:t>bước</a:t>
+            </a:r>
+            <a:endParaRPr lang="en-US" sz="3000" dirty="0"/>
           </a:p>
           <a:p>
             <a:pPr marL="285750" indent="-285750">
@@ -8001,52 +8168,438 @@
               <a:buChar char="-"/>
             </a:pPr>
             <a:r>
-              <a:rPr lang="en-US" dirty="0" err="1"/>
-              <a:t>Kĩ</a:t>
-            </a:r>
-            <a:r>
-              <a:rPr lang="en-US" dirty="0"/>
-              <a:t> </a:t>
-            </a:r>
-            <a:r>
-              <a:rPr lang="en-US" dirty="0" err="1"/>
+              <a:rPr lang="en-US" sz="3000" dirty="0"/>
+              <a:t>Qua </a:t>
+            </a:r>
+            <a:r>
+              <a:rPr lang="en-US" sz="3000" dirty="0" err="1"/>
+              <a:t>đó</a:t>
+            </a:r>
+            <a:r>
+              <a:rPr lang="en-US" sz="3000" dirty="0"/>
+              <a:t>, </a:t>
+            </a:r>
+            <a:r>
+              <a:rPr lang="en-US" sz="3000" dirty="0" err="1"/>
+              <a:t>bổ</a:t>
+            </a:r>
+            <a:r>
+              <a:rPr lang="en-US" sz="3000" dirty="0"/>
+              <a:t> sung </a:t>
+            </a:r>
+            <a:r>
+              <a:rPr lang="en-US" sz="3000" dirty="0" err="1"/>
+              <a:t>thêm</a:t>
+            </a:r>
+            <a:r>
+              <a:rPr lang="en-US" sz="3000" dirty="0"/>
+              <a:t> </a:t>
+            </a:r>
+            <a:r>
+              <a:rPr lang="en-US" sz="3000" dirty="0" err="1"/>
+              <a:t>được</a:t>
+            </a:r>
+            <a:r>
+              <a:rPr lang="en-US" sz="3000" dirty="0"/>
+              <a:t> </a:t>
+            </a:r>
+            <a:r>
+              <a:rPr lang="en-US" sz="3000" dirty="0" err="1"/>
+              <a:t>khả</a:t>
+            </a:r>
+            <a:r>
+              <a:rPr lang="en-US" sz="3000" dirty="0"/>
+              <a:t> </a:t>
+            </a:r>
+            <a:r>
+              <a:rPr lang="en-US" sz="3000" dirty="0" err="1"/>
               <a:t>năng</a:t>
             </a:r>
             <a:r>
-              <a:rPr lang="en-US" dirty="0"/>
-              <a:t> </a:t>
-            </a:r>
-            <a:r>
-              <a:rPr lang="en-US" dirty="0" err="1"/>
-              <a:t>học</a:t>
-            </a:r>
-            <a:r>
-              <a:rPr lang="en-US" dirty="0"/>
-              <a:t> </a:t>
-            </a:r>
-            <a:r>
-              <a:rPr lang="en-US" dirty="0" err="1"/>
-              <a:t>được</a:t>
-            </a:r>
-            <a:r>
-              <a:rPr lang="en-US" dirty="0"/>
-              <a:t> qua </a:t>
-            </a:r>
-            <a:r>
-              <a:rPr lang="en-US" dirty="0" err="1"/>
-              <a:t>cái</a:t>
-            </a:r>
-            <a:r>
-              <a:rPr lang="en-US" dirty="0"/>
-              <a:t> </a:t>
-            </a:r>
-            <a:r>
-              <a:rPr lang="en-US" dirty="0" err="1"/>
-              <a:t>này</a:t>
-            </a:r>
-            <a:r>
-              <a:rPr lang="en-US"/>
+              <a:rPr lang="en-US" sz="3000" dirty="0"/>
+              <a:t> </a:t>
+            </a:r>
+            <a:r>
+              <a:rPr lang="en-US" sz="3000" dirty="0" err="1"/>
+              <a:t>về</a:t>
+            </a:r>
+            <a:r>
+              <a:rPr lang="en-US" sz="3000" dirty="0"/>
+              <a:t> </a:t>
+            </a:r>
+            <a:r>
+              <a:rPr lang="en-US" sz="3000" dirty="0" err="1"/>
+              <a:t>sơ</a:t>
+            </a:r>
+            <a:r>
+              <a:rPr lang="en-US" sz="3000" dirty="0"/>
+              <a:t> </a:t>
+            </a:r>
+            <a:r>
+              <a:rPr lang="en-US" sz="3000" dirty="0" err="1"/>
+              <a:t>đồ</a:t>
+            </a:r>
+            <a:r>
+              <a:rPr lang="en-US" sz="3000" dirty="0"/>
+              <a:t>, </a:t>
+            </a:r>
+            <a:r>
+              <a:rPr lang="en-US" sz="3000" dirty="0" err="1"/>
+              <a:t>cách</a:t>
+            </a:r>
+            <a:r>
+              <a:rPr lang="en-US" sz="3000" dirty="0"/>
+              <a:t> code </a:t>
+            </a:r>
+            <a:r>
+              <a:rPr lang="en-US" sz="3000" dirty="0" err="1"/>
+              <a:t>chỉn</a:t>
+            </a:r>
+            <a:r>
+              <a:rPr lang="en-US" sz="3000" dirty="0"/>
+              <a:t> chu, </a:t>
+            </a:r>
+            <a:r>
+              <a:rPr lang="en-US" sz="3000" dirty="0" err="1"/>
+              <a:t>bài</a:t>
+            </a:r>
+            <a:r>
+              <a:rPr lang="en-US" sz="3000" dirty="0"/>
+              <a:t> </a:t>
+            </a:r>
+            <a:r>
+              <a:rPr lang="en-US" sz="3000" dirty="0" err="1"/>
+              <a:t>bản</a:t>
+            </a:r>
+            <a:r>
+              <a:rPr lang="en-US" sz="3000" dirty="0"/>
+              <a:t>, </a:t>
+            </a:r>
+            <a:r>
+              <a:rPr lang="en-US" sz="3000" dirty="0" err="1"/>
+              <a:t>kiểm</a:t>
+            </a:r>
+            <a:r>
+              <a:rPr lang="en-US" sz="3000" dirty="0"/>
+              <a:t> </a:t>
+            </a:r>
+            <a:r>
+              <a:rPr lang="en-US" sz="3000" dirty="0" err="1"/>
+              <a:t>thử</a:t>
+            </a:r>
+            <a:r>
+              <a:rPr lang="en-US" sz="3000" dirty="0"/>
+              <a:t> </a:t>
+            </a:r>
+            <a:r>
+              <a:rPr lang="en-US" sz="3000" dirty="0" err="1"/>
+              <a:t>chuẩn</a:t>
+            </a:r>
+            <a:r>
+              <a:rPr lang="en-US" sz="3000" dirty="0"/>
+              <a:t>, </a:t>
+            </a:r>
+            <a:r>
+              <a:rPr lang="en-US" sz="3000" dirty="0" err="1"/>
+              <a:t>cách</a:t>
+            </a:r>
+            <a:r>
+              <a:rPr lang="en-US" sz="3000" dirty="0"/>
+              <a:t> </a:t>
+            </a:r>
+            <a:r>
+              <a:rPr lang="en-US" sz="3000" dirty="0" err="1"/>
+              <a:t>viết</a:t>
+            </a:r>
+            <a:r>
+              <a:rPr lang="en-US" sz="3000" dirty="0"/>
+              <a:t> </a:t>
+            </a:r>
+            <a:r>
+              <a:rPr lang="en-US" sz="3000" dirty="0" err="1"/>
+              <a:t>báo</a:t>
+            </a:r>
+            <a:r>
+              <a:rPr lang="en-US" sz="3000" dirty="0"/>
+              <a:t> </a:t>
+            </a:r>
+            <a:r>
+              <a:rPr lang="en-US" sz="3000" dirty="0" err="1"/>
+              <a:t>cáo</a:t>
+            </a:r>
+            <a:r>
+              <a:rPr lang="en-US" sz="3000" dirty="0"/>
               <a:t>, …</a:t>
+            </a:r>
+          </a:p>
+          <a:p>
+            <a:pPr marL="285750" indent="-285750">
+              <a:buFontTx/>
+              <a:buChar char="-"/>
+            </a:pPr>
+            <a:r>
+              <a:rPr lang="en-US" sz="3000" dirty="0" err="1"/>
+              <a:t>Yêu</a:t>
+            </a:r>
+            <a:r>
+              <a:rPr lang="en-US" sz="3000" dirty="0"/>
+              <a:t> </a:t>
+            </a:r>
+            <a:r>
+              <a:rPr lang="en-US" sz="3000" dirty="0" err="1"/>
+              <a:t>cầu</a:t>
+            </a:r>
+            <a:r>
+              <a:rPr lang="en-US" sz="3000" dirty="0"/>
+              <a:t>: Hiển </a:t>
+            </a:r>
+            <a:r>
+              <a:rPr lang="en-US" sz="3000" dirty="0" err="1"/>
+              <a:t>thị</a:t>
+            </a:r>
+            <a:r>
+              <a:rPr lang="en-US" sz="3000" dirty="0"/>
+              <a:t> 5 LED 7 </a:t>
+            </a:r>
+            <a:r>
+              <a:rPr lang="en-US" sz="3000" dirty="0" err="1"/>
+              <a:t>thanh</a:t>
+            </a:r>
+            <a:r>
+              <a:rPr lang="en-US" sz="3000" dirty="0"/>
+              <a:t> </a:t>
+            </a:r>
+            <a:r>
+              <a:rPr lang="en-US" sz="3000" dirty="0" err="1"/>
+              <a:t>trên</a:t>
+            </a:r>
+            <a:r>
+              <a:rPr lang="en-US" sz="3000" dirty="0"/>
+              <a:t> KIT NEXYS A7, </a:t>
+            </a:r>
+            <a:r>
+              <a:rPr lang="en-US" sz="3000" dirty="0" err="1"/>
+              <a:t>điều</a:t>
+            </a:r>
+            <a:r>
+              <a:rPr lang="en-US" sz="3000" dirty="0"/>
+              <a:t> </a:t>
+            </a:r>
+            <a:r>
+              <a:rPr lang="en-US" sz="3000" dirty="0" err="1"/>
+              <a:t>khiển</a:t>
+            </a:r>
+            <a:r>
+              <a:rPr lang="en-US" sz="3000" dirty="0"/>
+              <a:t> </a:t>
+            </a:r>
+            <a:r>
+              <a:rPr lang="en-US" sz="3000" dirty="0" err="1"/>
+              <a:t>bằng</a:t>
+            </a:r>
+            <a:r>
+              <a:rPr lang="en-US" sz="3000" dirty="0"/>
+              <a:t> 16 switch, </a:t>
+            </a:r>
+            <a:r>
+              <a:rPr lang="en-US" sz="3000" dirty="0" err="1"/>
+              <a:t>với</a:t>
+            </a:r>
+            <a:r>
+              <a:rPr lang="en-US" sz="3000" dirty="0"/>
+              <a:t> 1 switch </a:t>
+            </a:r>
+            <a:r>
+              <a:rPr lang="en-US" sz="3000" dirty="0" err="1"/>
+              <a:t>đầu</a:t>
+            </a:r>
+            <a:r>
+              <a:rPr lang="en-US" sz="3000" dirty="0"/>
+              <a:t> (</a:t>
+            </a:r>
+            <a:r>
+              <a:rPr lang="en-US" sz="3000" dirty="0" err="1"/>
+              <a:t>sw</a:t>
+            </a:r>
+            <a:r>
+              <a:rPr lang="en-US" sz="3000" dirty="0"/>
+              <a:t>[15]) </a:t>
+            </a:r>
+            <a:r>
+              <a:rPr lang="en-US" sz="3000" dirty="0" err="1"/>
+              <a:t>là</a:t>
+            </a:r>
+            <a:r>
+              <a:rPr lang="en-US" sz="3000" dirty="0"/>
+              <a:t> switch </a:t>
+            </a:r>
+            <a:r>
+              <a:rPr lang="en-US" sz="3000" dirty="0" err="1"/>
+              <a:t>thay</a:t>
+            </a:r>
+            <a:r>
+              <a:rPr lang="en-US" sz="3000" dirty="0"/>
+              <a:t> </a:t>
+            </a:r>
+            <a:r>
+              <a:rPr lang="en-US" sz="3000" dirty="0" err="1"/>
+              <a:t>đổi</a:t>
+            </a:r>
+            <a:r>
+              <a:rPr lang="en-US" sz="3000" dirty="0"/>
+              <a:t> </a:t>
+            </a:r>
+            <a:r>
+              <a:rPr lang="en-US" sz="3000" dirty="0" err="1"/>
+              <a:t>tốc</a:t>
+            </a:r>
+            <a:r>
+              <a:rPr lang="en-US" sz="3000" dirty="0"/>
+              <a:t> </a:t>
+            </a:r>
+            <a:r>
+              <a:rPr lang="en-US" sz="3000" dirty="0" err="1"/>
+              <a:t>độ</a:t>
+            </a:r>
+            <a:r>
+              <a:rPr lang="en-US" sz="3000" dirty="0"/>
+              <a:t> </a:t>
+            </a:r>
+            <a:r>
+              <a:rPr lang="en-US" sz="3000" dirty="0" err="1"/>
+              <a:t>quét</a:t>
+            </a:r>
+            <a:r>
+              <a:rPr lang="en-US" sz="3000" dirty="0"/>
+              <a:t>, 15 switch </a:t>
+            </a:r>
+            <a:r>
+              <a:rPr lang="en-US" sz="3000" dirty="0" err="1"/>
+              <a:t>sau</a:t>
+            </a:r>
+            <a:r>
+              <a:rPr lang="en-US" sz="3000" dirty="0"/>
+              <a:t> (</a:t>
+            </a:r>
+            <a:r>
+              <a:rPr lang="en-US" sz="3000" dirty="0" err="1"/>
+              <a:t>sw</a:t>
+            </a:r>
+            <a:r>
+              <a:rPr lang="en-US" sz="3000" dirty="0"/>
+              <a:t>[14:0]) </a:t>
+            </a:r>
+            <a:r>
+              <a:rPr lang="en-US" sz="3000" dirty="0" err="1"/>
+              <a:t>là</a:t>
+            </a:r>
+            <a:r>
+              <a:rPr lang="en-US" sz="3000" dirty="0"/>
+              <a:t> switch </a:t>
+            </a:r>
+            <a:r>
+              <a:rPr lang="en-US" sz="3000" dirty="0" err="1"/>
+              <a:t>hiển</a:t>
+            </a:r>
+            <a:r>
+              <a:rPr lang="en-US" sz="3000" dirty="0"/>
+              <a:t> </a:t>
+            </a:r>
+            <a:r>
+              <a:rPr lang="en-US" sz="3000" dirty="0" err="1"/>
+              <a:t>thị</a:t>
+            </a:r>
+            <a:r>
+              <a:rPr lang="en-US" sz="3000" dirty="0"/>
+              <a:t> </a:t>
+            </a:r>
+            <a:r>
+              <a:rPr lang="en-US" sz="3000" dirty="0" err="1"/>
+              <a:t>giá</a:t>
+            </a:r>
+            <a:r>
+              <a:rPr lang="en-US" sz="3000" dirty="0"/>
+              <a:t> </a:t>
+            </a:r>
+            <a:r>
+              <a:rPr lang="en-US" sz="3000" dirty="0" err="1"/>
+              <a:t>trị</a:t>
+            </a:r>
+            <a:r>
+              <a:rPr lang="en-US" sz="3000" dirty="0"/>
+              <a:t>. </a:t>
+            </a:r>
+            <a:r>
+              <a:rPr lang="en-US" sz="3000" dirty="0" err="1"/>
+              <a:t>Cũng</a:t>
+            </a:r>
+            <a:r>
+              <a:rPr lang="en-US" sz="3000" dirty="0"/>
+              <a:t> </a:t>
+            </a:r>
+            <a:r>
+              <a:rPr lang="en-US" sz="3000" dirty="0" err="1"/>
+              <a:t>như</a:t>
+            </a:r>
+            <a:r>
+              <a:rPr lang="en-US" sz="3000" dirty="0"/>
+              <a:t> </a:t>
+            </a:r>
+            <a:r>
+              <a:rPr lang="en-US" sz="3000" dirty="0" err="1"/>
+              <a:t>là</a:t>
+            </a:r>
+            <a:r>
+              <a:rPr lang="en-US" sz="3000" dirty="0"/>
+              <a:t> 1 </a:t>
+            </a:r>
+            <a:r>
+              <a:rPr lang="en-US" sz="3000" dirty="0" err="1"/>
+              <a:t>nút</a:t>
+            </a:r>
+            <a:r>
+              <a:rPr lang="en-US" sz="3000" dirty="0"/>
+              <a:t> reset </a:t>
+            </a:r>
+            <a:r>
+              <a:rPr lang="en-US" sz="3000" dirty="0" err="1"/>
+              <a:t>và</a:t>
+            </a:r>
+            <a:r>
+              <a:rPr lang="en-US" sz="3000" dirty="0"/>
+              <a:t> 2 </a:t>
+            </a:r>
+            <a:r>
+              <a:rPr lang="en-US" sz="3000" dirty="0" err="1"/>
+              <a:t>nút</a:t>
+            </a:r>
+            <a:r>
+              <a:rPr lang="en-US" sz="3000" dirty="0"/>
+              <a:t> tang/ </a:t>
+            </a:r>
+            <a:r>
+              <a:rPr lang="en-US" sz="3000" dirty="0" err="1"/>
+              <a:t>giảm</a:t>
+            </a:r>
+            <a:r>
+              <a:rPr lang="en-US" sz="3000" dirty="0"/>
+              <a:t> </a:t>
+            </a:r>
+            <a:r>
+              <a:rPr lang="en-US" sz="3000" dirty="0" err="1"/>
+              <a:t>độ</a:t>
+            </a:r>
+            <a:r>
+              <a:rPr lang="en-US" sz="3000" dirty="0"/>
+              <a:t> </a:t>
+            </a:r>
+            <a:r>
+              <a:rPr lang="en-US" sz="3000" dirty="0" err="1"/>
+              <a:t>sáng</a:t>
+            </a:r>
+            <a:r>
+              <a:rPr lang="en-US" sz="3000" dirty="0"/>
+              <a:t>.</a:t>
             </a:r>
           </a:p>
         </p:txBody>
@@ -8065,6 +8618,453 @@
 </file>
 
 <file path=ppt/slides/slide13.xml><?xml version="1.0" encoding="utf-8"?>
+<p:sld xmlns:a="http://schemas.openxmlformats.org/drawingml/2006/main" xmlns:r="http://schemas.openxmlformats.org/officeDocument/2006/relationships" xmlns:p="http://schemas.openxmlformats.org/presentationml/2006/main">
+  <p:cSld>
+    <p:bg>
+      <p:bgPr>
+        <a:solidFill>
+          <a:srgbClr val="7ED957"/>
+        </a:solidFill>
+        <a:effectLst/>
+      </p:bgPr>
+    </p:bg>
+    <p:spTree>
+      <p:nvGrpSpPr>
+        <p:cNvPr id="1" name="">
+          <a:extLst>
+            <a:ext uri="{FF2B5EF4-FFF2-40B4-BE49-F238E27FC236}">
+              <a16:creationId xmlns:a16="http://schemas.microsoft.com/office/drawing/2014/main" id="{1328852A-CEC3-5595-1E42-629CA912518C}"/>
+            </a:ext>
+          </a:extLst>
+        </p:cNvPr>
+        <p:cNvGrpSpPr/>
+        <p:nvPr/>
+      </p:nvGrpSpPr>
+      <p:grpSpPr>
+        <a:xfrm>
+          <a:off x="0" y="0"/>
+          <a:ext cx="0" cy="0"/>
+          <a:chOff x="0" y="0"/>
+          <a:chExt cx="0" cy="0"/>
+        </a:xfrm>
+      </p:grpSpPr>
+      <p:sp>
+        <p:nvSpPr>
+          <p:cNvPr id="3" name="Freeform 3">
+            <a:extLst>
+              <a:ext uri="{FF2B5EF4-FFF2-40B4-BE49-F238E27FC236}">
+                <a16:creationId xmlns:a16="http://schemas.microsoft.com/office/drawing/2014/main" id="{B3C81C53-F08E-198D-64E4-ADE4D78CBE56}"/>
+              </a:ext>
+            </a:extLst>
+          </p:cNvPr>
+          <p:cNvSpPr/>
+          <p:nvPr/>
+        </p:nvSpPr>
+        <p:spPr>
+          <a:xfrm rot="-2373370">
+            <a:off x="15830747" y="2513907"/>
+            <a:ext cx="6989045" cy="4114800"/>
+          </a:xfrm>
+          <a:custGeom>
+            <a:avLst/>
+            <a:gdLst/>
+            <a:ahLst/>
+            <a:cxnLst/>
+            <a:rect l="l" t="t" r="r" b="b"/>
+            <a:pathLst>
+              <a:path w="6989045" h="4114800">
+                <a:moveTo>
+                  <a:pt x="0" y="0"/>
+                </a:moveTo>
+                <a:lnTo>
+                  <a:pt x="6989044" y="0"/>
+                </a:lnTo>
+                <a:lnTo>
+                  <a:pt x="6989044" y="4114800"/>
+                </a:lnTo>
+                <a:lnTo>
+                  <a:pt x="0" y="4114800"/>
+                </a:lnTo>
+                <a:lnTo>
+                  <a:pt x="0" y="0"/>
+                </a:lnTo>
+                <a:close/>
+              </a:path>
+            </a:pathLst>
+          </a:custGeom>
+          <a:blipFill>
+            <a:blip r:embed="rId3">
+              <a:alphaModFix amt="70000"/>
+              <a:extLst>
+                <a:ext uri="{96DAC541-7B7A-43D3-8B79-37D633B846F1}">
+                  <asvg:svgBlip xmlns:asvg="http://schemas.microsoft.com/office/drawing/2016/SVG/main" r:embed="rId4"/>
+                </a:ext>
+              </a:extLst>
+            </a:blip>
+            <a:stretch>
+              <a:fillRect/>
+            </a:stretch>
+          </a:blipFill>
+        </p:spPr>
+        <p:txBody>
+          <a:bodyPr/>
+          <a:lstStyle/>
+          <a:p>
+            <a:endParaRPr lang="en-US"/>
+          </a:p>
+        </p:txBody>
+      </p:sp>
+      <p:sp>
+        <p:nvSpPr>
+          <p:cNvPr id="4" name="TextBox 4">
+            <a:extLst>
+              <a:ext uri="{FF2B5EF4-FFF2-40B4-BE49-F238E27FC236}">
+                <a16:creationId xmlns:a16="http://schemas.microsoft.com/office/drawing/2014/main" id="{66545F64-522C-8F91-E207-9706B837677A}"/>
+              </a:ext>
+            </a:extLst>
+          </p:cNvPr>
+          <p:cNvSpPr txBox="1"/>
+          <p:nvPr/>
+        </p:nvSpPr>
+        <p:spPr>
+          <a:xfrm>
+            <a:off x="-26126" y="0"/>
+            <a:ext cx="16942526" cy="1549655"/>
+          </a:xfrm>
+          <a:prstGeom prst="rect">
+            <a:avLst/>
+          </a:prstGeom>
+        </p:spPr>
+        <p:txBody>
+          <a:bodyPr wrap="square" lIns="0" tIns="0" rIns="0" bIns="0" rtlCol="0" anchor="t">
+            <a:spAutoFit/>
+          </a:bodyPr>
+          <a:lstStyle/>
+          <a:p>
+            <a:pPr algn="ctr">
+              <a:lnSpc>
+                <a:spcPts val="13975"/>
+              </a:lnSpc>
+            </a:pPr>
+            <a:r>
+              <a:rPr lang="en-US" sz="6000" b="1">
+                <a:solidFill>
+                  <a:srgbClr val="004AAD"/>
+                </a:solidFill>
+                <a:latin typeface="Candara" panose="020E0502030303020204" pitchFamily="34" charset="0"/>
+                <a:ea typeface="Mont Bold"/>
+                <a:cs typeface="Mont Bold"/>
+                <a:sym typeface="Mont Bold"/>
+              </a:rPr>
+              <a:t>Bộ điều khiển LED 7 thanh bằng switch và button</a:t>
+            </a:r>
+          </a:p>
+        </p:txBody>
+      </p:sp>
+      <p:sp>
+        <p:nvSpPr>
+          <p:cNvPr id="12" name="AutoShape 12">
+            <a:extLst>
+              <a:ext uri="{FF2B5EF4-FFF2-40B4-BE49-F238E27FC236}">
+                <a16:creationId xmlns:a16="http://schemas.microsoft.com/office/drawing/2014/main" id="{4975CA88-C2EA-413A-1E4D-80218DE73BB6}"/>
+              </a:ext>
+            </a:extLst>
+          </p:cNvPr>
+          <p:cNvSpPr/>
+          <p:nvPr/>
+        </p:nvSpPr>
+        <p:spPr>
+          <a:xfrm>
+            <a:off x="1028700" y="9047451"/>
+            <a:ext cx="16230600" cy="0"/>
+          </a:xfrm>
+          <a:prstGeom prst="line">
+            <a:avLst/>
+          </a:prstGeom>
+          <a:ln w="19050" cap="rnd">
+            <a:solidFill>
+              <a:srgbClr val="000000"/>
+            </a:solidFill>
+            <a:prstDash val="solid"/>
+            <a:headEnd type="none" w="sm" len="sm"/>
+            <a:tailEnd type="none" w="sm" len="sm"/>
+          </a:ln>
+        </p:spPr>
+        <p:txBody>
+          <a:bodyPr/>
+          <a:lstStyle/>
+          <a:p>
+            <a:endParaRPr lang="en-US"/>
+          </a:p>
+        </p:txBody>
+      </p:sp>
+      <p:sp>
+        <p:nvSpPr>
+          <p:cNvPr id="14" name="TextBox 14">
+            <a:extLst>
+              <a:ext uri="{FF2B5EF4-FFF2-40B4-BE49-F238E27FC236}">
+                <a16:creationId xmlns:a16="http://schemas.microsoft.com/office/drawing/2014/main" id="{CBC3D4B5-A891-AD7B-E66F-8D465C1C1C55}"/>
+              </a:ext>
+            </a:extLst>
+          </p:cNvPr>
+          <p:cNvSpPr txBox="1"/>
+          <p:nvPr/>
+        </p:nvSpPr>
+        <p:spPr>
+          <a:xfrm>
+            <a:off x="1028700" y="9144000"/>
+            <a:ext cx="4089029" cy="346249"/>
+          </a:xfrm>
+          <a:prstGeom prst="rect">
+            <a:avLst/>
+          </a:prstGeom>
+        </p:spPr>
+        <p:txBody>
+          <a:bodyPr lIns="0" tIns="0" rIns="0" bIns="0" rtlCol="0" anchor="t">
+            <a:spAutoFit/>
+          </a:bodyPr>
+          <a:lstStyle/>
+          <a:p>
+            <a:pPr lvl="0">
+              <a:lnSpc>
+                <a:spcPts val="2800"/>
+              </a:lnSpc>
+              <a:spcBef>
+                <a:spcPct val="0"/>
+              </a:spcBef>
+            </a:pPr>
+            <a:r>
+              <a:rPr lang="en-US" sz="2000" dirty="0">
+                <a:solidFill>
+                  <a:srgbClr val="000000"/>
+                </a:solidFill>
+                <a:latin typeface="Mont"/>
+                <a:ea typeface="Mont"/>
+                <a:cs typeface="Mont"/>
+                <a:sym typeface="Mont"/>
+              </a:rPr>
+              <a:t>datdatnguyen2609@gmail.com</a:t>
+            </a:r>
+          </a:p>
+        </p:txBody>
+      </p:sp>
+      <p:sp>
+        <p:nvSpPr>
+          <p:cNvPr id="7" name="TextBox 6">
+            <a:extLst>
+              <a:ext uri="{FF2B5EF4-FFF2-40B4-BE49-F238E27FC236}">
+                <a16:creationId xmlns:a16="http://schemas.microsoft.com/office/drawing/2014/main" id="{1FF89C91-C01E-0E50-CBC3-A0A09F08A591}"/>
+              </a:ext>
+            </a:extLst>
+          </p:cNvPr>
+          <p:cNvSpPr txBox="1"/>
+          <p:nvPr/>
+        </p:nvSpPr>
+        <p:spPr>
+          <a:xfrm>
+            <a:off x="1007270" y="8004138"/>
+            <a:ext cx="7298530" cy="523220"/>
+          </a:xfrm>
+          <a:prstGeom prst="rect">
+            <a:avLst/>
+          </a:prstGeom>
+          <a:noFill/>
+        </p:spPr>
+        <p:txBody>
+          <a:bodyPr wrap="square">
+            <a:spAutoFit/>
+          </a:bodyPr>
+          <a:lstStyle/>
+          <a:p>
+            <a:r>
+              <a:rPr lang="en-US" sz="2800" dirty="0"/>
+              <a:t>https://photos.app.goo.gl/PGKrs784QLoNu5nm7</a:t>
+            </a:r>
+          </a:p>
+        </p:txBody>
+      </p:sp>
+      <p:pic>
+        <p:nvPicPr>
+          <p:cNvPr id="6" name="Online Media 5" title="VID20250903082836">
+            <a:hlinkClick r:id="" action="ppaction://media"/>
+            <a:extLst>
+              <a:ext uri="{FF2B5EF4-FFF2-40B4-BE49-F238E27FC236}">
+                <a16:creationId xmlns:a16="http://schemas.microsoft.com/office/drawing/2014/main" id="{3A05AA74-563A-41AF-F28B-0E6F5BF318B3}"/>
+              </a:ext>
+            </a:extLst>
+          </p:cNvPr>
+          <p:cNvPicPr>
+            <a:picLocks noRot="1" noChangeAspect="1"/>
+          </p:cNvPicPr>
+          <p:nvPr>
+            <a:videoFile r:link="rId1"/>
+          </p:nvPr>
+        </p:nvPicPr>
+        <p:blipFill>
+          <a:blip r:embed="rId5"/>
+          <a:stretch>
+            <a:fillRect/>
+          </a:stretch>
+        </p:blipFill>
+        <p:spPr>
+          <a:xfrm>
+            <a:off x="12700" y="0"/>
+            <a:ext cx="18261013" cy="10287000"/>
+          </a:xfrm>
+          <a:prstGeom prst="rect">
+            <a:avLst/>
+          </a:prstGeom>
+        </p:spPr>
+      </p:pic>
+    </p:spTree>
+    <p:extLst>
+      <p:ext uri="{BB962C8B-B14F-4D97-AF65-F5344CB8AC3E}">
+        <p14:creationId xmlns:p14="http://schemas.microsoft.com/office/powerpoint/2010/main" val="1325677111"/>
+      </p:ext>
+    </p:extLst>
+  </p:cSld>
+  <p:clrMapOvr>
+    <a:masterClrMapping/>
+  </p:clrMapOvr>
+  <p:timing>
+    <p:tnLst>
+      <p:par>
+        <p:cTn id="1" dur="indefinite" restart="never" nodeType="tmRoot">
+          <p:childTnLst>
+            <p:seq concurrent="1" nextAc="seek">
+              <p:cTn id="2" dur="indefinite" nodeType="mainSeq">
+                <p:childTnLst>
+                  <p:par>
+                    <p:cTn id="3" fill="hold">
+                      <p:stCondLst>
+                        <p:cond delay="indefinite"/>
+                      </p:stCondLst>
+                      <p:childTnLst>
+                        <p:par>
+                          <p:cTn id="4" fill="hold">
+                            <p:stCondLst>
+                              <p:cond delay="0"/>
+                            </p:stCondLst>
+                            <p:childTnLst>
+                              <p:par>
+                                <p:cTn id="5" presetID="1" presetClass="mediacall" presetSubtype="0" fill="hold" nodeType="clickEffect">
+                                  <p:stCondLst>
+                                    <p:cond delay="0"/>
+                                  </p:stCondLst>
+                                  <p:childTnLst>
+                                    <p:cmd type="call" cmd="playFrom(0.0)">
+                                      <p:cBhvr>
+                                        <p:cTn id="6" dur="1" fill="hold"/>
+                                        <p:tgtEl>
+                                          <p:spTgt spid="6"/>
+                                        </p:tgtEl>
+                                      </p:cBhvr>
+                                    </p:cmd>
+                                  </p:childTnLst>
+                                </p:cTn>
+                              </p:par>
+                            </p:childTnLst>
+                          </p:cTn>
+                        </p:par>
+                      </p:childTnLst>
+                    </p:cTn>
+                  </p:par>
+                </p:childTnLst>
+              </p:cTn>
+              <p:prevCondLst>
+                <p:cond evt="onPrev" delay="0">
+                  <p:tgtEl>
+                    <p:sldTgt/>
+                  </p:tgtEl>
+                </p:cond>
+              </p:prevCondLst>
+              <p:nextCondLst>
+                <p:cond evt="onNext" delay="0">
+                  <p:tgtEl>
+                    <p:sldTgt/>
+                  </p:tgtEl>
+                </p:cond>
+              </p:nextCondLst>
+            </p:seq>
+            <p:video>
+              <p:cMediaNode vol="80000">
+                <p:cTn id="7" fill="hold" display="0">
+                  <p:stCondLst>
+                    <p:cond delay="indefinite"/>
+                  </p:stCondLst>
+                </p:cTn>
+                <p:tgtEl>
+                  <p:spTgt spid="6"/>
+                </p:tgtEl>
+              </p:cMediaNode>
+            </p:video>
+            <p:seq concurrent="1" nextAc="seek">
+              <p:cTn id="8" restart="whenNotActive" fill="hold" evtFilter="cancelBubble" nodeType="interactiveSeq">
+                <p:stCondLst>
+                  <p:cond evt="onClick" delay="0">
+                    <p:tgtEl>
+                      <p:spTgt spid="6"/>
+                    </p:tgtEl>
+                  </p:cond>
+                </p:stCondLst>
+                <p:endSync evt="end" delay="0">
+                  <p:rtn val="all"/>
+                </p:endSync>
+                <p:childTnLst>
+                  <p:par>
+                    <p:cTn id="9" fill="hold">
+                      <p:stCondLst>
+                        <p:cond delay="0"/>
+                      </p:stCondLst>
+                      <p:childTnLst>
+                        <p:par>
+                          <p:cTn id="10" fill="hold">
+                            <p:stCondLst>
+                              <p:cond delay="0"/>
+                            </p:stCondLst>
+                            <p:childTnLst>
+                              <p:par>
+                                <p:cTn id="11" presetID="2" presetClass="mediacall" presetSubtype="0" fill="hold" nodeType="clickEffect">
+                                  <p:stCondLst>
+                                    <p:cond delay="0"/>
+                                  </p:stCondLst>
+                                  <p:childTnLst>
+                                    <p:cmd type="call" cmd="togglePause">
+                                      <p:cBhvr>
+                                        <p:cTn id="12" dur="1" fill="hold"/>
+                                        <p:tgtEl>
+                                          <p:spTgt spid="6"/>
+                                        </p:tgtEl>
+                                      </p:cBhvr>
+                                    </p:cmd>
+                                  </p:childTnLst>
+                                </p:cTn>
+                              </p:par>
+                            </p:childTnLst>
+                          </p:cTn>
+                        </p:par>
+                      </p:childTnLst>
+                    </p:cTn>
+                  </p:par>
+                </p:childTnLst>
+              </p:cTn>
+              <p:nextCondLst>
+                <p:cond evt="onClick" delay="0">
+                  <p:tgtEl>
+                    <p:spTgt spid="6"/>
+                  </p:tgtEl>
+                </p:cond>
+              </p:nextCondLst>
+            </p:seq>
+          </p:childTnLst>
+        </p:cTn>
+      </p:par>
+    </p:tnLst>
+  </p:timing>
+</p:sld>
+</file>
+
+<file path=ppt/slides/slide14.xml><?xml version="1.0" encoding="utf-8"?>
 <p:sld xmlns:a="http://schemas.openxmlformats.org/drawingml/2006/main" xmlns:r="http://schemas.openxmlformats.org/officeDocument/2006/relationships" xmlns:p="http://schemas.openxmlformats.org/presentationml/2006/main">
   <p:cSld>
     <p:bg>
@@ -8428,7 +9428,7 @@
             <a:fld id="{B6F15528-21DE-4FAA-801E-634DDDAF4B2B}" type="slidenum">
               <a:rPr lang="en-US" smtClean="0"/>
               <a:pPr/>
-              <a:t>13</a:t>
+              <a:t>14</a:t>
             </a:fld>
             <a:endParaRPr lang="en-US"/>
           </a:p>
@@ -8447,7 +9447,7 @@
 </p:sld>
 </file>
 
-<file path=ppt/slides/slide14.xml><?xml version="1.0" encoding="utf-8"?>
+<file path=ppt/slides/slide15.xml><?xml version="1.0" encoding="utf-8"?>
 <p:sld xmlns:a="http://schemas.openxmlformats.org/drawingml/2006/main" xmlns:r="http://schemas.openxmlformats.org/officeDocument/2006/relationships" xmlns:p="http://schemas.openxmlformats.org/presentationml/2006/main">
   <p:cSld>
     <p:bg>
@@ -9272,7 +10272,7 @@
             <a:fld id="{B6F15528-21DE-4FAA-801E-634DDDAF4B2B}" type="slidenum">
               <a:rPr lang="en-US" smtClean="0"/>
               <a:pPr/>
-              <a:t>14</a:t>
+              <a:t>15</a:t>
             </a:fld>
             <a:endParaRPr lang="en-US"/>
           </a:p>
@@ -9291,7 +10291,7 @@
 </p:sld>
 </file>
 
-<file path=ppt/slides/slide15.xml><?xml version="1.0" encoding="utf-8"?>
+<file path=ppt/slides/slide16.xml><?xml version="1.0" encoding="utf-8"?>
 <p:sld xmlns:a="http://schemas.openxmlformats.org/drawingml/2006/main" xmlns:r="http://schemas.openxmlformats.org/officeDocument/2006/relationships" xmlns:p="http://schemas.openxmlformats.org/presentationml/2006/main">
   <p:cSld>
     <p:bg>
@@ -11272,7 +12272,7 @@
             <a:fld id="{B6F15528-21DE-4FAA-801E-634DDDAF4B2B}" type="slidenum">
               <a:rPr lang="en-US" smtClean="0"/>
               <a:pPr/>
-              <a:t>15</a:t>
+              <a:t>16</a:t>
             </a:fld>
             <a:endParaRPr lang="en-US"/>
           </a:p>
@@ -11286,7 +12286,7 @@
 </p:sld>
 </file>
 
-<file path=ppt/slides/slide16.xml><?xml version="1.0" encoding="utf-8"?>
+<file path=ppt/slides/slide17.xml><?xml version="1.0" encoding="utf-8"?>
 <p:sld xmlns:a="http://schemas.openxmlformats.org/drawingml/2006/main" xmlns:r="http://schemas.openxmlformats.org/officeDocument/2006/relationships" xmlns:p="http://schemas.openxmlformats.org/presentationml/2006/main">
   <p:cSld>
     <p:bg>
@@ -12667,7 +13667,7 @@
             <a:fld id="{B6F15528-21DE-4FAA-801E-634DDDAF4B2B}" type="slidenum">
               <a:rPr lang="en-US" smtClean="0"/>
               <a:pPr/>
-              <a:t>16</a:t>
+              <a:t>17</a:t>
             </a:fld>
             <a:endParaRPr lang="en-US"/>
           </a:p>
@@ -12686,7 +13686,7 @@
 </p:sld>
 </file>
 
-<file path=ppt/slides/slide17.xml><?xml version="1.0" encoding="utf-8"?>
+<file path=ppt/slides/slide18.xml><?xml version="1.0" encoding="utf-8"?>
 <p:sld xmlns:a="http://schemas.openxmlformats.org/drawingml/2006/main" xmlns:r="http://schemas.openxmlformats.org/officeDocument/2006/relationships" xmlns:p="http://schemas.openxmlformats.org/presentationml/2006/main">
   <p:cSld>
     <p:bg>
@@ -13596,7 +14596,7 @@
             <a:fld id="{B6F15528-21DE-4FAA-801E-634DDDAF4B2B}" type="slidenum">
               <a:rPr lang="en-US" smtClean="0"/>
               <a:pPr/>
-              <a:t>17</a:t>
+              <a:t>18</a:t>
             </a:fld>
             <a:endParaRPr lang="en-US"/>
           </a:p>
@@ -13615,7 +14615,7 @@
 </p:sld>
 </file>
 
-<file path=ppt/slides/slide18.xml><?xml version="1.0" encoding="utf-8"?>
+<file path=ppt/slides/slide19.xml><?xml version="1.0" encoding="utf-8"?>
 <p:sld xmlns:a="http://schemas.openxmlformats.org/drawingml/2006/main" xmlns:r="http://schemas.openxmlformats.org/officeDocument/2006/relationships" xmlns:p="http://schemas.openxmlformats.org/presentationml/2006/main">
   <p:cSld>
     <p:bg>
@@ -14127,7 +15127,7 @@
             <a:fld id="{B6F15528-21DE-4FAA-801E-634DDDAF4B2B}" type="slidenum">
               <a:rPr lang="en-US" smtClean="0"/>
               <a:pPr/>
-              <a:t>18</a:t>
+              <a:t>19</a:t>
             </a:fld>
             <a:endParaRPr lang="en-US"/>
           </a:p>
@@ -14141,7 +15141,763 @@
 </p:sld>
 </file>
 
-<file path=ppt/slides/slide19.xml><?xml version="1.0" encoding="utf-8"?>
+<file path=ppt/slides/slide2.xml><?xml version="1.0" encoding="utf-8"?>
+<p:sld xmlns:a="http://schemas.openxmlformats.org/drawingml/2006/main" xmlns:r="http://schemas.openxmlformats.org/officeDocument/2006/relationships" xmlns:p="http://schemas.openxmlformats.org/presentationml/2006/main">
+  <p:cSld>
+    <p:bg>
+      <p:bgPr>
+        <a:solidFill>
+          <a:srgbClr val="7ED957"/>
+        </a:solidFill>
+        <a:effectLst/>
+      </p:bgPr>
+    </p:bg>
+    <p:spTree>
+      <p:nvGrpSpPr>
+        <p:cNvPr id="1" name=""/>
+        <p:cNvGrpSpPr/>
+        <p:nvPr/>
+      </p:nvGrpSpPr>
+      <p:grpSpPr>
+        <a:xfrm>
+          <a:off x="0" y="0"/>
+          <a:ext cx="0" cy="0"/>
+          <a:chOff x="0" y="0"/>
+          <a:chExt cx="0" cy="0"/>
+        </a:xfrm>
+      </p:grpSpPr>
+      <p:sp>
+        <p:nvSpPr>
+          <p:cNvPr id="2" name="Freeform 2"/>
+          <p:cNvSpPr/>
+          <p:nvPr/>
+        </p:nvSpPr>
+        <p:spPr>
+          <a:xfrm rot="-2373370">
+            <a:off x="-3866839" y="4947123"/>
+            <a:ext cx="6989045" cy="4114800"/>
+          </a:xfrm>
+          <a:custGeom>
+            <a:avLst/>
+            <a:gdLst/>
+            <a:ahLst/>
+            <a:cxnLst/>
+            <a:rect l="l" t="t" r="r" b="b"/>
+            <a:pathLst>
+              <a:path w="6989045" h="4114800">
+                <a:moveTo>
+                  <a:pt x="0" y="0"/>
+                </a:moveTo>
+                <a:lnTo>
+                  <a:pt x="6989045" y="0"/>
+                </a:lnTo>
+                <a:lnTo>
+                  <a:pt x="6989045" y="4114800"/>
+                </a:lnTo>
+                <a:lnTo>
+                  <a:pt x="0" y="4114800"/>
+                </a:lnTo>
+                <a:lnTo>
+                  <a:pt x="0" y="0"/>
+                </a:lnTo>
+                <a:close/>
+              </a:path>
+            </a:pathLst>
+          </a:custGeom>
+          <a:blipFill>
+            <a:blip r:embed="rId2">
+              <a:alphaModFix amt="70000"/>
+              <a:extLst>
+                <a:ext uri="{96DAC541-7B7A-43D3-8B79-37D633B846F1}">
+                  <asvg:svgBlip xmlns:asvg="http://schemas.microsoft.com/office/drawing/2016/SVG/main" r:embed="rId3"/>
+                </a:ext>
+              </a:extLst>
+            </a:blip>
+            <a:stretch>
+              <a:fillRect/>
+            </a:stretch>
+          </a:blipFill>
+        </p:spPr>
+        <p:txBody>
+          <a:bodyPr/>
+          <a:lstStyle/>
+          <a:p>
+            <a:endParaRPr lang="en-US"/>
+          </a:p>
+        </p:txBody>
+      </p:sp>
+      <p:sp>
+        <p:nvSpPr>
+          <p:cNvPr id="3" name="TextBox 3"/>
+          <p:cNvSpPr txBox="1"/>
+          <p:nvPr/>
+        </p:nvSpPr>
+        <p:spPr>
+          <a:xfrm>
+            <a:off x="1779326" y="2868984"/>
+            <a:ext cx="9310063" cy="1839734"/>
+          </a:xfrm>
+          <a:prstGeom prst="rect">
+            <a:avLst/>
+          </a:prstGeom>
+        </p:spPr>
+        <p:txBody>
+          <a:bodyPr lIns="0" tIns="0" rIns="0" bIns="0" rtlCol="0" anchor="t">
+            <a:spAutoFit/>
+          </a:bodyPr>
+          <a:lstStyle/>
+          <a:p>
+            <a:pPr algn="l">
+              <a:lnSpc>
+                <a:spcPts val="13975"/>
+              </a:lnSpc>
+            </a:pPr>
+            <a:r>
+              <a:rPr lang="vi-VN" sz="12821" b="1" dirty="0">
+                <a:solidFill>
+                  <a:srgbClr val="DCFFCD"/>
+                </a:solidFill>
+                <a:latin typeface="Candara" panose="020E0502030303020204" pitchFamily="34" charset="0"/>
+                <a:ea typeface="Mont Bold"/>
+                <a:cs typeface="Mont Bold"/>
+                <a:sym typeface="Mont Bold"/>
+              </a:rPr>
+              <a:t>Nội dung </a:t>
+            </a:r>
+            <a:endParaRPr lang="en-US" sz="12821" b="1" dirty="0">
+              <a:solidFill>
+                <a:srgbClr val="DCFFCD"/>
+              </a:solidFill>
+              <a:latin typeface="Candara" panose="020E0502030303020204" pitchFamily="34" charset="0"/>
+              <a:ea typeface="Mont Bold"/>
+              <a:cs typeface="Mont Bold"/>
+              <a:sym typeface="Mont Bold"/>
+            </a:endParaRPr>
+          </a:p>
+        </p:txBody>
+      </p:sp>
+      <p:sp>
+        <p:nvSpPr>
+          <p:cNvPr id="16" name="TextBox 16"/>
+          <p:cNvSpPr txBox="1"/>
+          <p:nvPr/>
+        </p:nvSpPr>
+        <p:spPr>
+          <a:xfrm>
+            <a:off x="1779326" y="4819650"/>
+            <a:ext cx="9310063" cy="1839734"/>
+          </a:xfrm>
+          <a:prstGeom prst="rect">
+            <a:avLst/>
+          </a:prstGeom>
+        </p:spPr>
+        <p:txBody>
+          <a:bodyPr lIns="0" tIns="0" rIns="0" bIns="0" rtlCol="0" anchor="t">
+            <a:spAutoFit/>
+          </a:bodyPr>
+          <a:lstStyle/>
+          <a:p>
+            <a:pPr algn="l">
+              <a:lnSpc>
+                <a:spcPts val="13975"/>
+              </a:lnSpc>
+            </a:pPr>
+            <a:r>
+              <a:rPr lang="vi-VN" sz="12821" b="1" i="1" dirty="0">
+                <a:solidFill>
+                  <a:srgbClr val="004AAD"/>
+                </a:solidFill>
+                <a:latin typeface="Candara" panose="020E0502030303020204" pitchFamily="34" charset="0"/>
+                <a:ea typeface="Mont Bold Italics"/>
+                <a:cs typeface="Mont Bold Italics"/>
+                <a:sym typeface="Mont Bold Italics"/>
+              </a:rPr>
+              <a:t>báo cáo</a:t>
+            </a:r>
+            <a:endParaRPr lang="en-US" sz="12821" b="1" i="1" dirty="0">
+              <a:solidFill>
+                <a:srgbClr val="004AAD"/>
+              </a:solidFill>
+              <a:latin typeface="Candara" panose="020E0502030303020204" pitchFamily="34" charset="0"/>
+              <a:ea typeface="Mont Bold Italics"/>
+              <a:cs typeface="Mont Bold Italics"/>
+              <a:sym typeface="Mont Bold Italics"/>
+            </a:endParaRPr>
+          </a:p>
+        </p:txBody>
+      </p:sp>
+      <p:sp>
+        <p:nvSpPr>
+          <p:cNvPr id="17" name="Freeform 17"/>
+          <p:cNvSpPr/>
+          <p:nvPr/>
+        </p:nvSpPr>
+        <p:spPr>
+          <a:xfrm rot="-2373370" flipH="1">
+            <a:off x="15400535" y="645152"/>
+            <a:ext cx="6989045" cy="4114800"/>
+          </a:xfrm>
+          <a:custGeom>
+            <a:avLst/>
+            <a:gdLst/>
+            <a:ahLst/>
+            <a:cxnLst/>
+            <a:rect l="l" t="t" r="r" b="b"/>
+            <a:pathLst>
+              <a:path w="6989045" h="4114800">
+                <a:moveTo>
+                  <a:pt x="6989044" y="0"/>
+                </a:moveTo>
+                <a:lnTo>
+                  <a:pt x="0" y="0"/>
+                </a:lnTo>
+                <a:lnTo>
+                  <a:pt x="0" y="4114800"/>
+                </a:lnTo>
+                <a:lnTo>
+                  <a:pt x="6989044" y="4114800"/>
+                </a:lnTo>
+                <a:lnTo>
+                  <a:pt x="6989044" y="0"/>
+                </a:lnTo>
+                <a:close/>
+              </a:path>
+            </a:pathLst>
+          </a:custGeom>
+          <a:blipFill>
+            <a:blip r:embed="rId2">
+              <a:alphaModFix amt="70000"/>
+              <a:extLst>
+                <a:ext uri="{96DAC541-7B7A-43D3-8B79-37D633B846F1}">
+                  <asvg:svgBlip xmlns:asvg="http://schemas.microsoft.com/office/drawing/2016/SVG/main" r:embed="rId3"/>
+                </a:ext>
+              </a:extLst>
+            </a:blip>
+            <a:stretch>
+              <a:fillRect/>
+            </a:stretch>
+          </a:blipFill>
+        </p:spPr>
+        <p:txBody>
+          <a:bodyPr/>
+          <a:lstStyle/>
+          <a:p>
+            <a:endParaRPr lang="en-US"/>
+          </a:p>
+        </p:txBody>
+      </p:sp>
+      <p:sp>
+        <p:nvSpPr>
+          <p:cNvPr id="18" name="TextBox 18"/>
+          <p:cNvSpPr txBox="1"/>
+          <p:nvPr/>
+        </p:nvSpPr>
+        <p:spPr>
+          <a:xfrm>
+            <a:off x="10074318" y="1790700"/>
+            <a:ext cx="5870497" cy="3117007"/>
+          </a:xfrm>
+          <a:prstGeom prst="rect">
+            <a:avLst/>
+          </a:prstGeom>
+        </p:spPr>
+        <p:txBody>
+          <a:bodyPr wrap="square" lIns="0" tIns="0" rIns="0" bIns="0" rtlCol="0" anchor="t">
+            <a:spAutoFit/>
+          </a:bodyPr>
+          <a:lstStyle/>
+          <a:p>
+            <a:pPr algn="l">
+              <a:lnSpc>
+                <a:spcPts val="6211"/>
+              </a:lnSpc>
+            </a:pPr>
+            <a:endParaRPr lang="en-US" sz="4000" b="1" dirty="0">
+              <a:solidFill>
+                <a:srgbClr val="004AAD"/>
+              </a:solidFill>
+              <a:latin typeface="Candara" panose="020E0502030303020204" pitchFamily="34" charset="0"/>
+              <a:ea typeface="Mont Bold"/>
+              <a:cs typeface="Mont Bold"/>
+              <a:sym typeface="Mont Bold"/>
+            </a:endParaRPr>
+          </a:p>
+          <a:p>
+            <a:pPr algn="l">
+              <a:lnSpc>
+                <a:spcPts val="6211"/>
+              </a:lnSpc>
+            </a:pPr>
+            <a:r>
+              <a:rPr lang="en-US" sz="4000" b="1" dirty="0">
+                <a:solidFill>
+                  <a:srgbClr val="004AAD"/>
+                </a:solidFill>
+                <a:latin typeface="Candara" panose="020E0502030303020204" pitchFamily="34" charset="0"/>
+                <a:ea typeface="Mont Bold"/>
+                <a:cs typeface="Mont Bold"/>
+                <a:sym typeface="Mont Bold"/>
+              </a:rPr>
+              <a:t>1. </a:t>
+            </a:r>
+            <a:r>
+              <a:rPr lang="en-US" sz="4000" b="1" dirty="0" err="1">
+                <a:solidFill>
+                  <a:srgbClr val="004AAD"/>
+                </a:solidFill>
+                <a:latin typeface="Candara" panose="020E0502030303020204" pitchFamily="34" charset="0"/>
+                <a:ea typeface="Mont Bold"/>
+                <a:cs typeface="Mont Bold"/>
+                <a:sym typeface="Mont Bold"/>
+              </a:rPr>
+              <a:t>Trước</a:t>
+            </a:r>
+            <a:r>
+              <a:rPr lang="en-US" sz="4000" b="1" dirty="0">
+                <a:solidFill>
+                  <a:srgbClr val="004AAD"/>
+                </a:solidFill>
+                <a:latin typeface="Candara" panose="020E0502030303020204" pitchFamily="34" charset="0"/>
+                <a:ea typeface="Mont Bold"/>
+                <a:cs typeface="Mont Bold"/>
+                <a:sym typeface="Mont Bold"/>
+              </a:rPr>
+              <a:t> </a:t>
+            </a:r>
+            <a:r>
+              <a:rPr lang="en-US" sz="4000" b="1" dirty="0" err="1">
+                <a:solidFill>
+                  <a:srgbClr val="004AAD"/>
+                </a:solidFill>
+                <a:latin typeface="Candara" panose="020E0502030303020204" pitchFamily="34" charset="0"/>
+                <a:ea typeface="Mont Bold"/>
+                <a:cs typeface="Mont Bold"/>
+                <a:sym typeface="Mont Bold"/>
+              </a:rPr>
+              <a:t>quá</a:t>
+            </a:r>
+            <a:r>
+              <a:rPr lang="en-US" sz="4000" b="1" dirty="0">
+                <a:solidFill>
+                  <a:srgbClr val="004AAD"/>
+                </a:solidFill>
+                <a:latin typeface="Candara" panose="020E0502030303020204" pitchFamily="34" charset="0"/>
+                <a:ea typeface="Mont Bold"/>
+                <a:cs typeface="Mont Bold"/>
+                <a:sym typeface="Mont Bold"/>
+              </a:rPr>
+              <a:t> </a:t>
+            </a:r>
+            <a:r>
+              <a:rPr lang="en-US" sz="4000" b="1" dirty="0" err="1">
+                <a:solidFill>
+                  <a:srgbClr val="004AAD"/>
+                </a:solidFill>
+                <a:latin typeface="Candara" panose="020E0502030303020204" pitchFamily="34" charset="0"/>
+                <a:ea typeface="Mont Bold"/>
+                <a:cs typeface="Mont Bold"/>
+                <a:sym typeface="Mont Bold"/>
+              </a:rPr>
+              <a:t>trình</a:t>
+            </a:r>
+            <a:r>
+              <a:rPr lang="en-US" sz="4000" b="1" dirty="0">
+                <a:solidFill>
+                  <a:srgbClr val="004AAD"/>
+                </a:solidFill>
+                <a:latin typeface="Candara" panose="020E0502030303020204" pitchFamily="34" charset="0"/>
+                <a:ea typeface="Mont Bold"/>
+                <a:cs typeface="Mont Bold"/>
+                <a:sym typeface="Mont Bold"/>
+              </a:rPr>
+              <a:t> </a:t>
+            </a:r>
+            <a:r>
+              <a:rPr lang="en-US" sz="4000" b="1" dirty="0" err="1">
+                <a:solidFill>
+                  <a:srgbClr val="004AAD"/>
+                </a:solidFill>
+                <a:latin typeface="Candara" panose="020E0502030303020204" pitchFamily="34" charset="0"/>
+                <a:ea typeface="Mont Bold"/>
+                <a:cs typeface="Mont Bold"/>
+                <a:sym typeface="Mont Bold"/>
+              </a:rPr>
+              <a:t>thực</a:t>
+            </a:r>
+            <a:r>
+              <a:rPr lang="en-US" sz="4000" b="1" dirty="0">
+                <a:solidFill>
+                  <a:srgbClr val="004AAD"/>
+                </a:solidFill>
+                <a:latin typeface="Candara" panose="020E0502030303020204" pitchFamily="34" charset="0"/>
+                <a:ea typeface="Mont Bold"/>
+                <a:cs typeface="Mont Bold"/>
+                <a:sym typeface="Mont Bold"/>
+              </a:rPr>
+              <a:t> </a:t>
+            </a:r>
+            <a:r>
+              <a:rPr lang="en-US" sz="4000" b="1" dirty="0" err="1">
+                <a:solidFill>
+                  <a:srgbClr val="004AAD"/>
+                </a:solidFill>
+                <a:latin typeface="Candara" panose="020E0502030303020204" pitchFamily="34" charset="0"/>
+                <a:ea typeface="Mont Bold"/>
+                <a:cs typeface="Mont Bold"/>
+                <a:sym typeface="Mont Bold"/>
+              </a:rPr>
+              <a:t>tập</a:t>
+            </a:r>
+            <a:endParaRPr lang="en-US" sz="4000" b="1" dirty="0">
+              <a:solidFill>
+                <a:srgbClr val="004AAD"/>
+              </a:solidFill>
+              <a:latin typeface="Candara" panose="020E0502030303020204" pitchFamily="34" charset="0"/>
+              <a:ea typeface="Mont Bold"/>
+              <a:cs typeface="Mont Bold"/>
+              <a:sym typeface="Mont Bold"/>
+            </a:endParaRPr>
+          </a:p>
+          <a:p>
+            <a:pPr>
+              <a:lnSpc>
+                <a:spcPts val="6211"/>
+              </a:lnSpc>
+            </a:pPr>
+            <a:r>
+              <a:rPr lang="en-US" sz="4000" b="1" dirty="0">
+                <a:solidFill>
+                  <a:srgbClr val="004AAD"/>
+                </a:solidFill>
+                <a:latin typeface="Candara" panose="020E0502030303020204" pitchFamily="34" charset="0"/>
+                <a:ea typeface="Mont Bold"/>
+                <a:cs typeface="Mont Bold"/>
+                <a:sym typeface="Mont Bold"/>
+              </a:rPr>
+              <a:t>2. Trong </a:t>
+            </a:r>
+            <a:r>
+              <a:rPr lang="en-US" sz="4000" b="1" dirty="0" err="1">
+                <a:solidFill>
+                  <a:srgbClr val="004AAD"/>
+                </a:solidFill>
+                <a:latin typeface="Candara" panose="020E0502030303020204" pitchFamily="34" charset="0"/>
+                <a:ea typeface="Mont Bold"/>
+                <a:cs typeface="Mont Bold"/>
+                <a:sym typeface="Mont Bold"/>
+              </a:rPr>
+              <a:t>quá</a:t>
+            </a:r>
+            <a:r>
+              <a:rPr lang="en-US" sz="4000" b="1" dirty="0">
+                <a:solidFill>
+                  <a:srgbClr val="004AAD"/>
+                </a:solidFill>
+                <a:latin typeface="Candara" panose="020E0502030303020204" pitchFamily="34" charset="0"/>
+                <a:ea typeface="Mont Bold"/>
+                <a:cs typeface="Mont Bold"/>
+                <a:sym typeface="Mont Bold"/>
+              </a:rPr>
+              <a:t> </a:t>
+            </a:r>
+            <a:r>
+              <a:rPr lang="en-US" sz="4000" b="1" dirty="0" err="1">
+                <a:solidFill>
+                  <a:srgbClr val="004AAD"/>
+                </a:solidFill>
+                <a:latin typeface="Candara" panose="020E0502030303020204" pitchFamily="34" charset="0"/>
+                <a:ea typeface="Mont Bold"/>
+                <a:cs typeface="Mont Bold"/>
+                <a:sym typeface="Mont Bold"/>
+              </a:rPr>
+              <a:t>trình</a:t>
+            </a:r>
+            <a:r>
+              <a:rPr lang="en-US" sz="4000" b="1" dirty="0">
+                <a:solidFill>
+                  <a:srgbClr val="004AAD"/>
+                </a:solidFill>
+                <a:latin typeface="Candara" panose="020E0502030303020204" pitchFamily="34" charset="0"/>
+                <a:ea typeface="Mont Bold"/>
+                <a:cs typeface="Mont Bold"/>
+                <a:sym typeface="Mont Bold"/>
+              </a:rPr>
+              <a:t> </a:t>
+            </a:r>
+            <a:r>
+              <a:rPr lang="en-US" sz="4000" b="1" dirty="0" err="1">
+                <a:solidFill>
+                  <a:srgbClr val="004AAD"/>
+                </a:solidFill>
+                <a:latin typeface="Candara" panose="020E0502030303020204" pitchFamily="34" charset="0"/>
+                <a:ea typeface="Mont Bold"/>
+                <a:cs typeface="Mont Bold"/>
+                <a:sym typeface="Mont Bold"/>
+              </a:rPr>
+              <a:t>thực</a:t>
+            </a:r>
+            <a:r>
+              <a:rPr lang="en-US" sz="4000" b="1" dirty="0">
+                <a:solidFill>
+                  <a:srgbClr val="004AAD"/>
+                </a:solidFill>
+                <a:latin typeface="Candara" panose="020E0502030303020204" pitchFamily="34" charset="0"/>
+                <a:ea typeface="Mont Bold"/>
+                <a:cs typeface="Mont Bold"/>
+                <a:sym typeface="Mont Bold"/>
+              </a:rPr>
+              <a:t> </a:t>
+            </a:r>
+            <a:r>
+              <a:rPr lang="en-US" sz="4000" b="1" dirty="0" err="1">
+                <a:solidFill>
+                  <a:srgbClr val="004AAD"/>
+                </a:solidFill>
+                <a:latin typeface="Candara" panose="020E0502030303020204" pitchFamily="34" charset="0"/>
+                <a:ea typeface="Mont Bold"/>
+                <a:cs typeface="Mont Bold"/>
+                <a:sym typeface="Mont Bold"/>
+              </a:rPr>
+              <a:t>tập</a:t>
+            </a:r>
+            <a:endParaRPr lang="vi-VN" sz="4000" b="1" dirty="0">
+              <a:solidFill>
+                <a:srgbClr val="004AAD"/>
+              </a:solidFill>
+              <a:latin typeface="Candara" panose="020E0502030303020204" pitchFamily="34" charset="0"/>
+              <a:ea typeface="Mont Bold"/>
+              <a:cs typeface="Mont Bold"/>
+              <a:sym typeface="Mont Bold"/>
+            </a:endParaRPr>
+          </a:p>
+          <a:p>
+            <a:pPr algn="l">
+              <a:lnSpc>
+                <a:spcPts val="6211"/>
+              </a:lnSpc>
+            </a:pPr>
+            <a:r>
+              <a:rPr lang="en-US" sz="4000" b="1" dirty="0">
+                <a:solidFill>
+                  <a:srgbClr val="004AAD"/>
+                </a:solidFill>
+                <a:latin typeface="Candara" panose="020E0502030303020204" pitchFamily="34" charset="0"/>
+                <a:ea typeface="Mont Bold"/>
+                <a:cs typeface="Mont Bold"/>
+                <a:sym typeface="Mont Bold"/>
+              </a:rPr>
+              <a:t>3. Sau </a:t>
+            </a:r>
+            <a:r>
+              <a:rPr lang="en-US" sz="4000" b="1" dirty="0" err="1">
+                <a:solidFill>
+                  <a:srgbClr val="004AAD"/>
+                </a:solidFill>
+                <a:latin typeface="Candara" panose="020E0502030303020204" pitchFamily="34" charset="0"/>
+                <a:ea typeface="Mont Bold"/>
+                <a:cs typeface="Mont Bold"/>
+                <a:sym typeface="Mont Bold"/>
+              </a:rPr>
+              <a:t>quá</a:t>
+            </a:r>
+            <a:r>
+              <a:rPr lang="en-US" sz="4000" b="1" dirty="0">
+                <a:solidFill>
+                  <a:srgbClr val="004AAD"/>
+                </a:solidFill>
+                <a:latin typeface="Candara" panose="020E0502030303020204" pitchFamily="34" charset="0"/>
+                <a:ea typeface="Mont Bold"/>
+                <a:cs typeface="Mont Bold"/>
+                <a:sym typeface="Mont Bold"/>
+              </a:rPr>
+              <a:t> </a:t>
+            </a:r>
+            <a:r>
+              <a:rPr lang="en-US" sz="4000" b="1" dirty="0" err="1">
+                <a:solidFill>
+                  <a:srgbClr val="004AAD"/>
+                </a:solidFill>
+                <a:latin typeface="Candara" panose="020E0502030303020204" pitchFamily="34" charset="0"/>
+                <a:ea typeface="Mont Bold"/>
+                <a:cs typeface="Mont Bold"/>
+                <a:sym typeface="Mont Bold"/>
+              </a:rPr>
+              <a:t>trình</a:t>
+            </a:r>
+            <a:r>
+              <a:rPr lang="en-US" sz="4000" b="1" dirty="0">
+                <a:solidFill>
+                  <a:srgbClr val="004AAD"/>
+                </a:solidFill>
+                <a:latin typeface="Candara" panose="020E0502030303020204" pitchFamily="34" charset="0"/>
+                <a:ea typeface="Mont Bold"/>
+                <a:cs typeface="Mont Bold"/>
+                <a:sym typeface="Mont Bold"/>
+              </a:rPr>
+              <a:t> </a:t>
+            </a:r>
+            <a:r>
+              <a:rPr lang="en-US" sz="4000" b="1" dirty="0" err="1">
+                <a:solidFill>
+                  <a:srgbClr val="004AAD"/>
+                </a:solidFill>
+                <a:latin typeface="Candara" panose="020E0502030303020204" pitchFamily="34" charset="0"/>
+                <a:ea typeface="Mont Bold"/>
+                <a:cs typeface="Mont Bold"/>
+                <a:sym typeface="Mont Bold"/>
+              </a:rPr>
+              <a:t>thực</a:t>
+            </a:r>
+            <a:r>
+              <a:rPr lang="en-US" sz="4000" b="1" dirty="0">
+                <a:solidFill>
+                  <a:srgbClr val="004AAD"/>
+                </a:solidFill>
+                <a:latin typeface="Candara" panose="020E0502030303020204" pitchFamily="34" charset="0"/>
+                <a:ea typeface="Mont Bold"/>
+                <a:cs typeface="Mont Bold"/>
+                <a:sym typeface="Mont Bold"/>
+              </a:rPr>
+              <a:t> </a:t>
+            </a:r>
+            <a:r>
+              <a:rPr lang="en-US" sz="4000" b="1" dirty="0" err="1">
+                <a:solidFill>
+                  <a:srgbClr val="004AAD"/>
+                </a:solidFill>
+                <a:latin typeface="Candara" panose="020E0502030303020204" pitchFamily="34" charset="0"/>
+                <a:ea typeface="Mont Bold"/>
+                <a:cs typeface="Mont Bold"/>
+                <a:sym typeface="Mont Bold"/>
+              </a:rPr>
+              <a:t>tập</a:t>
+            </a:r>
+            <a:endParaRPr lang="en-US" sz="4000" b="1" dirty="0">
+              <a:solidFill>
+                <a:srgbClr val="004AAD"/>
+              </a:solidFill>
+              <a:latin typeface="Candara" panose="020E0502030303020204" pitchFamily="34" charset="0"/>
+              <a:ea typeface="Mont Bold"/>
+              <a:cs typeface="Mont Bold"/>
+              <a:sym typeface="Mont Bold"/>
+            </a:endParaRPr>
+          </a:p>
+        </p:txBody>
+      </p:sp>
+      <p:sp>
+        <p:nvSpPr>
+          <p:cNvPr id="23" name="AutoShape 23"/>
+          <p:cNvSpPr/>
+          <p:nvPr/>
+        </p:nvSpPr>
+        <p:spPr>
+          <a:xfrm>
+            <a:off x="1028700" y="9047451"/>
+            <a:ext cx="16230600" cy="0"/>
+          </a:xfrm>
+          <a:prstGeom prst="line">
+            <a:avLst/>
+          </a:prstGeom>
+          <a:ln w="19050" cap="rnd">
+            <a:solidFill>
+              <a:srgbClr val="000000"/>
+            </a:solidFill>
+            <a:prstDash val="solid"/>
+            <a:headEnd type="none" w="sm" len="sm"/>
+            <a:tailEnd type="none" w="sm" len="sm"/>
+          </a:ln>
+        </p:spPr>
+        <p:txBody>
+          <a:bodyPr/>
+          <a:lstStyle/>
+          <a:p>
+            <a:endParaRPr lang="en-US"/>
+          </a:p>
+        </p:txBody>
+      </p:sp>
+      <p:sp>
+        <p:nvSpPr>
+          <p:cNvPr id="24" name="TextBox 24"/>
+          <p:cNvSpPr txBox="1"/>
+          <p:nvPr/>
+        </p:nvSpPr>
+        <p:spPr>
+          <a:xfrm>
+            <a:off x="1028700" y="9144000"/>
+            <a:ext cx="4089029" cy="346249"/>
+          </a:xfrm>
+          <a:prstGeom prst="rect">
+            <a:avLst/>
+          </a:prstGeom>
+        </p:spPr>
+        <p:txBody>
+          <a:bodyPr lIns="0" tIns="0" rIns="0" bIns="0" rtlCol="0" anchor="t">
+            <a:spAutoFit/>
+          </a:bodyPr>
+          <a:lstStyle/>
+          <a:p>
+            <a:pPr lvl="0">
+              <a:lnSpc>
+                <a:spcPts val="2800"/>
+              </a:lnSpc>
+              <a:spcBef>
+                <a:spcPct val="0"/>
+              </a:spcBef>
+            </a:pPr>
+            <a:r>
+              <a:rPr lang="en-US" sz="2000" dirty="0">
+                <a:solidFill>
+                  <a:srgbClr val="000000"/>
+                </a:solidFill>
+                <a:latin typeface="Mont"/>
+                <a:ea typeface="Mont"/>
+                <a:cs typeface="Mont"/>
+                <a:sym typeface="Mont"/>
+              </a:rPr>
+              <a:t>datdatnguyen2609@gmail.com</a:t>
+            </a:r>
+          </a:p>
+        </p:txBody>
+      </p:sp>
+      <p:sp>
+        <p:nvSpPr>
+          <p:cNvPr id="4" name="Slide Number Placeholder 3">
+            <a:extLst>
+              <a:ext uri="{FF2B5EF4-FFF2-40B4-BE49-F238E27FC236}">
+                <a16:creationId xmlns:a16="http://schemas.microsoft.com/office/drawing/2014/main" id="{45C21F7D-B19B-8640-7203-846010585A38}"/>
+              </a:ext>
+            </a:extLst>
+          </p:cNvPr>
+          <p:cNvSpPr>
+            <a:spLocks noGrp="1"/>
+          </p:cNvSpPr>
+          <p:nvPr>
+            <p:ph type="sldNum" sz="quarter" idx="12"/>
+          </p:nvPr>
+        </p:nvSpPr>
+        <p:spPr/>
+        <p:txBody>
+          <a:bodyPr/>
+          <a:lstStyle/>
+          <a:p>
+            <a:fld id="{B6F15528-21DE-4FAA-801E-634DDDAF4B2B}" type="slidenum">
+              <a:rPr lang="en-US" smtClean="0"/>
+              <a:pPr/>
+              <a:t>2</a:t>
+            </a:fld>
+            <a:endParaRPr lang="en-US"/>
+          </a:p>
+        </p:txBody>
+      </p:sp>
+    </p:spTree>
+  </p:cSld>
+  <p:clrMapOvr>
+    <a:masterClrMapping/>
+  </p:clrMapOvr>
+</p:sld>
+</file>
+
+<file path=ppt/slides/slide20.xml><?xml version="1.0" encoding="utf-8"?>
 <p:sld xmlns:a="http://schemas.openxmlformats.org/drawingml/2006/main" xmlns:r="http://schemas.openxmlformats.org/officeDocument/2006/relationships" xmlns:p="http://schemas.openxmlformats.org/presentationml/2006/main">
   <p:cSld>
     <p:bg>
@@ -14415,7 +16171,7 @@
             <a:fld id="{B6F15528-21DE-4FAA-801E-634DDDAF4B2B}" type="slidenum">
               <a:rPr lang="en-US" noProof="1" smtClean="0"/>
               <a:pPr/>
-              <a:t>19</a:t>
+              <a:t>20</a:t>
             </a:fld>
             <a:endParaRPr lang="en-US" noProof="1"/>
           </a:p>
@@ -14838,763 +16594,7 @@
 </p:sld>
 </file>
 
-<file path=ppt/slides/slide2.xml><?xml version="1.0" encoding="utf-8"?>
-<p:sld xmlns:a="http://schemas.openxmlformats.org/drawingml/2006/main" xmlns:r="http://schemas.openxmlformats.org/officeDocument/2006/relationships" xmlns:p="http://schemas.openxmlformats.org/presentationml/2006/main">
-  <p:cSld>
-    <p:bg>
-      <p:bgPr>
-        <a:solidFill>
-          <a:srgbClr val="7ED957"/>
-        </a:solidFill>
-        <a:effectLst/>
-      </p:bgPr>
-    </p:bg>
-    <p:spTree>
-      <p:nvGrpSpPr>
-        <p:cNvPr id="1" name=""/>
-        <p:cNvGrpSpPr/>
-        <p:nvPr/>
-      </p:nvGrpSpPr>
-      <p:grpSpPr>
-        <a:xfrm>
-          <a:off x="0" y="0"/>
-          <a:ext cx="0" cy="0"/>
-          <a:chOff x="0" y="0"/>
-          <a:chExt cx="0" cy="0"/>
-        </a:xfrm>
-      </p:grpSpPr>
-      <p:sp>
-        <p:nvSpPr>
-          <p:cNvPr id="2" name="Freeform 2"/>
-          <p:cNvSpPr/>
-          <p:nvPr/>
-        </p:nvSpPr>
-        <p:spPr>
-          <a:xfrm rot="-2373370">
-            <a:off x="-3866839" y="4947123"/>
-            <a:ext cx="6989045" cy="4114800"/>
-          </a:xfrm>
-          <a:custGeom>
-            <a:avLst/>
-            <a:gdLst/>
-            <a:ahLst/>
-            <a:cxnLst/>
-            <a:rect l="l" t="t" r="r" b="b"/>
-            <a:pathLst>
-              <a:path w="6989045" h="4114800">
-                <a:moveTo>
-                  <a:pt x="0" y="0"/>
-                </a:moveTo>
-                <a:lnTo>
-                  <a:pt x="6989045" y="0"/>
-                </a:lnTo>
-                <a:lnTo>
-                  <a:pt x="6989045" y="4114800"/>
-                </a:lnTo>
-                <a:lnTo>
-                  <a:pt x="0" y="4114800"/>
-                </a:lnTo>
-                <a:lnTo>
-                  <a:pt x="0" y="0"/>
-                </a:lnTo>
-                <a:close/>
-              </a:path>
-            </a:pathLst>
-          </a:custGeom>
-          <a:blipFill>
-            <a:blip r:embed="rId2">
-              <a:alphaModFix amt="70000"/>
-              <a:extLst>
-                <a:ext uri="{96DAC541-7B7A-43D3-8B79-37D633B846F1}">
-                  <asvg:svgBlip xmlns:asvg="http://schemas.microsoft.com/office/drawing/2016/SVG/main" r:embed="rId3"/>
-                </a:ext>
-              </a:extLst>
-            </a:blip>
-            <a:stretch>
-              <a:fillRect/>
-            </a:stretch>
-          </a:blipFill>
-        </p:spPr>
-        <p:txBody>
-          <a:bodyPr/>
-          <a:lstStyle/>
-          <a:p>
-            <a:endParaRPr lang="en-US"/>
-          </a:p>
-        </p:txBody>
-      </p:sp>
-      <p:sp>
-        <p:nvSpPr>
-          <p:cNvPr id="3" name="TextBox 3"/>
-          <p:cNvSpPr txBox="1"/>
-          <p:nvPr/>
-        </p:nvSpPr>
-        <p:spPr>
-          <a:xfrm>
-            <a:off x="1779326" y="2868984"/>
-            <a:ext cx="9310063" cy="1839734"/>
-          </a:xfrm>
-          <a:prstGeom prst="rect">
-            <a:avLst/>
-          </a:prstGeom>
-        </p:spPr>
-        <p:txBody>
-          <a:bodyPr lIns="0" tIns="0" rIns="0" bIns="0" rtlCol="0" anchor="t">
-            <a:spAutoFit/>
-          </a:bodyPr>
-          <a:lstStyle/>
-          <a:p>
-            <a:pPr algn="l">
-              <a:lnSpc>
-                <a:spcPts val="13975"/>
-              </a:lnSpc>
-            </a:pPr>
-            <a:r>
-              <a:rPr lang="vi-VN" sz="12821" b="1" dirty="0">
-                <a:solidFill>
-                  <a:srgbClr val="DCFFCD"/>
-                </a:solidFill>
-                <a:latin typeface="Candara" panose="020E0502030303020204" pitchFamily="34" charset="0"/>
-                <a:ea typeface="Mont Bold"/>
-                <a:cs typeface="Mont Bold"/>
-                <a:sym typeface="Mont Bold"/>
-              </a:rPr>
-              <a:t>Nội dung </a:t>
-            </a:r>
-            <a:endParaRPr lang="en-US" sz="12821" b="1" dirty="0">
-              <a:solidFill>
-                <a:srgbClr val="DCFFCD"/>
-              </a:solidFill>
-              <a:latin typeface="Candara" panose="020E0502030303020204" pitchFamily="34" charset="0"/>
-              <a:ea typeface="Mont Bold"/>
-              <a:cs typeface="Mont Bold"/>
-              <a:sym typeface="Mont Bold"/>
-            </a:endParaRPr>
-          </a:p>
-        </p:txBody>
-      </p:sp>
-      <p:sp>
-        <p:nvSpPr>
-          <p:cNvPr id="16" name="TextBox 16"/>
-          <p:cNvSpPr txBox="1"/>
-          <p:nvPr/>
-        </p:nvSpPr>
-        <p:spPr>
-          <a:xfrm>
-            <a:off x="1779326" y="4819650"/>
-            <a:ext cx="9310063" cy="1839734"/>
-          </a:xfrm>
-          <a:prstGeom prst="rect">
-            <a:avLst/>
-          </a:prstGeom>
-        </p:spPr>
-        <p:txBody>
-          <a:bodyPr lIns="0" tIns="0" rIns="0" bIns="0" rtlCol="0" anchor="t">
-            <a:spAutoFit/>
-          </a:bodyPr>
-          <a:lstStyle/>
-          <a:p>
-            <a:pPr algn="l">
-              <a:lnSpc>
-                <a:spcPts val="13975"/>
-              </a:lnSpc>
-            </a:pPr>
-            <a:r>
-              <a:rPr lang="vi-VN" sz="12821" b="1" i="1" dirty="0">
-                <a:solidFill>
-                  <a:srgbClr val="004AAD"/>
-                </a:solidFill>
-                <a:latin typeface="Candara" panose="020E0502030303020204" pitchFamily="34" charset="0"/>
-                <a:ea typeface="Mont Bold Italics"/>
-                <a:cs typeface="Mont Bold Italics"/>
-                <a:sym typeface="Mont Bold Italics"/>
-              </a:rPr>
-              <a:t>báo cáo</a:t>
-            </a:r>
-            <a:endParaRPr lang="en-US" sz="12821" b="1" i="1" dirty="0">
-              <a:solidFill>
-                <a:srgbClr val="004AAD"/>
-              </a:solidFill>
-              <a:latin typeface="Candara" panose="020E0502030303020204" pitchFamily="34" charset="0"/>
-              <a:ea typeface="Mont Bold Italics"/>
-              <a:cs typeface="Mont Bold Italics"/>
-              <a:sym typeface="Mont Bold Italics"/>
-            </a:endParaRPr>
-          </a:p>
-        </p:txBody>
-      </p:sp>
-      <p:sp>
-        <p:nvSpPr>
-          <p:cNvPr id="17" name="Freeform 17"/>
-          <p:cNvSpPr/>
-          <p:nvPr/>
-        </p:nvSpPr>
-        <p:spPr>
-          <a:xfrm rot="-2373370" flipH="1">
-            <a:off x="15400535" y="645152"/>
-            <a:ext cx="6989045" cy="4114800"/>
-          </a:xfrm>
-          <a:custGeom>
-            <a:avLst/>
-            <a:gdLst/>
-            <a:ahLst/>
-            <a:cxnLst/>
-            <a:rect l="l" t="t" r="r" b="b"/>
-            <a:pathLst>
-              <a:path w="6989045" h="4114800">
-                <a:moveTo>
-                  <a:pt x="6989044" y="0"/>
-                </a:moveTo>
-                <a:lnTo>
-                  <a:pt x="0" y="0"/>
-                </a:lnTo>
-                <a:lnTo>
-                  <a:pt x="0" y="4114800"/>
-                </a:lnTo>
-                <a:lnTo>
-                  <a:pt x="6989044" y="4114800"/>
-                </a:lnTo>
-                <a:lnTo>
-                  <a:pt x="6989044" y="0"/>
-                </a:lnTo>
-                <a:close/>
-              </a:path>
-            </a:pathLst>
-          </a:custGeom>
-          <a:blipFill>
-            <a:blip r:embed="rId2">
-              <a:alphaModFix amt="70000"/>
-              <a:extLst>
-                <a:ext uri="{96DAC541-7B7A-43D3-8B79-37D633B846F1}">
-                  <asvg:svgBlip xmlns:asvg="http://schemas.microsoft.com/office/drawing/2016/SVG/main" r:embed="rId3"/>
-                </a:ext>
-              </a:extLst>
-            </a:blip>
-            <a:stretch>
-              <a:fillRect/>
-            </a:stretch>
-          </a:blipFill>
-        </p:spPr>
-        <p:txBody>
-          <a:bodyPr/>
-          <a:lstStyle/>
-          <a:p>
-            <a:endParaRPr lang="en-US"/>
-          </a:p>
-        </p:txBody>
-      </p:sp>
-      <p:sp>
-        <p:nvSpPr>
-          <p:cNvPr id="18" name="TextBox 18"/>
-          <p:cNvSpPr txBox="1"/>
-          <p:nvPr/>
-        </p:nvSpPr>
-        <p:spPr>
-          <a:xfrm>
-            <a:off x="10074318" y="1790700"/>
-            <a:ext cx="5870497" cy="3117007"/>
-          </a:xfrm>
-          <a:prstGeom prst="rect">
-            <a:avLst/>
-          </a:prstGeom>
-        </p:spPr>
-        <p:txBody>
-          <a:bodyPr wrap="square" lIns="0" tIns="0" rIns="0" bIns="0" rtlCol="0" anchor="t">
-            <a:spAutoFit/>
-          </a:bodyPr>
-          <a:lstStyle/>
-          <a:p>
-            <a:pPr algn="l">
-              <a:lnSpc>
-                <a:spcPts val="6211"/>
-              </a:lnSpc>
-            </a:pPr>
-            <a:endParaRPr lang="en-US" sz="4000" b="1" dirty="0">
-              <a:solidFill>
-                <a:srgbClr val="004AAD"/>
-              </a:solidFill>
-              <a:latin typeface="Candara" panose="020E0502030303020204" pitchFamily="34" charset="0"/>
-              <a:ea typeface="Mont Bold"/>
-              <a:cs typeface="Mont Bold"/>
-              <a:sym typeface="Mont Bold"/>
-            </a:endParaRPr>
-          </a:p>
-          <a:p>
-            <a:pPr algn="l">
-              <a:lnSpc>
-                <a:spcPts val="6211"/>
-              </a:lnSpc>
-            </a:pPr>
-            <a:r>
-              <a:rPr lang="en-US" sz="4000" b="1" dirty="0">
-                <a:solidFill>
-                  <a:srgbClr val="004AAD"/>
-                </a:solidFill>
-                <a:latin typeface="Candara" panose="020E0502030303020204" pitchFamily="34" charset="0"/>
-                <a:ea typeface="Mont Bold"/>
-                <a:cs typeface="Mont Bold"/>
-                <a:sym typeface="Mont Bold"/>
-              </a:rPr>
-              <a:t>1. </a:t>
-            </a:r>
-            <a:r>
-              <a:rPr lang="en-US" sz="4000" b="1" dirty="0" err="1">
-                <a:solidFill>
-                  <a:srgbClr val="004AAD"/>
-                </a:solidFill>
-                <a:latin typeface="Candara" panose="020E0502030303020204" pitchFamily="34" charset="0"/>
-                <a:ea typeface="Mont Bold"/>
-                <a:cs typeface="Mont Bold"/>
-                <a:sym typeface="Mont Bold"/>
-              </a:rPr>
-              <a:t>Trước</a:t>
-            </a:r>
-            <a:r>
-              <a:rPr lang="en-US" sz="4000" b="1" dirty="0">
-                <a:solidFill>
-                  <a:srgbClr val="004AAD"/>
-                </a:solidFill>
-                <a:latin typeface="Candara" panose="020E0502030303020204" pitchFamily="34" charset="0"/>
-                <a:ea typeface="Mont Bold"/>
-                <a:cs typeface="Mont Bold"/>
-                <a:sym typeface="Mont Bold"/>
-              </a:rPr>
-              <a:t> </a:t>
-            </a:r>
-            <a:r>
-              <a:rPr lang="en-US" sz="4000" b="1" dirty="0" err="1">
-                <a:solidFill>
-                  <a:srgbClr val="004AAD"/>
-                </a:solidFill>
-                <a:latin typeface="Candara" panose="020E0502030303020204" pitchFamily="34" charset="0"/>
-                <a:ea typeface="Mont Bold"/>
-                <a:cs typeface="Mont Bold"/>
-                <a:sym typeface="Mont Bold"/>
-              </a:rPr>
-              <a:t>quá</a:t>
-            </a:r>
-            <a:r>
-              <a:rPr lang="en-US" sz="4000" b="1" dirty="0">
-                <a:solidFill>
-                  <a:srgbClr val="004AAD"/>
-                </a:solidFill>
-                <a:latin typeface="Candara" panose="020E0502030303020204" pitchFamily="34" charset="0"/>
-                <a:ea typeface="Mont Bold"/>
-                <a:cs typeface="Mont Bold"/>
-                <a:sym typeface="Mont Bold"/>
-              </a:rPr>
-              <a:t> </a:t>
-            </a:r>
-            <a:r>
-              <a:rPr lang="en-US" sz="4000" b="1" dirty="0" err="1">
-                <a:solidFill>
-                  <a:srgbClr val="004AAD"/>
-                </a:solidFill>
-                <a:latin typeface="Candara" panose="020E0502030303020204" pitchFamily="34" charset="0"/>
-                <a:ea typeface="Mont Bold"/>
-                <a:cs typeface="Mont Bold"/>
-                <a:sym typeface="Mont Bold"/>
-              </a:rPr>
-              <a:t>trình</a:t>
-            </a:r>
-            <a:r>
-              <a:rPr lang="en-US" sz="4000" b="1" dirty="0">
-                <a:solidFill>
-                  <a:srgbClr val="004AAD"/>
-                </a:solidFill>
-                <a:latin typeface="Candara" panose="020E0502030303020204" pitchFamily="34" charset="0"/>
-                <a:ea typeface="Mont Bold"/>
-                <a:cs typeface="Mont Bold"/>
-                <a:sym typeface="Mont Bold"/>
-              </a:rPr>
-              <a:t> </a:t>
-            </a:r>
-            <a:r>
-              <a:rPr lang="en-US" sz="4000" b="1" dirty="0" err="1">
-                <a:solidFill>
-                  <a:srgbClr val="004AAD"/>
-                </a:solidFill>
-                <a:latin typeface="Candara" panose="020E0502030303020204" pitchFamily="34" charset="0"/>
-                <a:ea typeface="Mont Bold"/>
-                <a:cs typeface="Mont Bold"/>
-                <a:sym typeface="Mont Bold"/>
-              </a:rPr>
-              <a:t>thực</a:t>
-            </a:r>
-            <a:r>
-              <a:rPr lang="en-US" sz="4000" b="1" dirty="0">
-                <a:solidFill>
-                  <a:srgbClr val="004AAD"/>
-                </a:solidFill>
-                <a:latin typeface="Candara" panose="020E0502030303020204" pitchFamily="34" charset="0"/>
-                <a:ea typeface="Mont Bold"/>
-                <a:cs typeface="Mont Bold"/>
-                <a:sym typeface="Mont Bold"/>
-              </a:rPr>
-              <a:t> </a:t>
-            </a:r>
-            <a:r>
-              <a:rPr lang="en-US" sz="4000" b="1" dirty="0" err="1">
-                <a:solidFill>
-                  <a:srgbClr val="004AAD"/>
-                </a:solidFill>
-                <a:latin typeface="Candara" panose="020E0502030303020204" pitchFamily="34" charset="0"/>
-                <a:ea typeface="Mont Bold"/>
-                <a:cs typeface="Mont Bold"/>
-                <a:sym typeface="Mont Bold"/>
-              </a:rPr>
-              <a:t>tập</a:t>
-            </a:r>
-            <a:endParaRPr lang="en-US" sz="4000" b="1" dirty="0">
-              <a:solidFill>
-                <a:srgbClr val="004AAD"/>
-              </a:solidFill>
-              <a:latin typeface="Candara" panose="020E0502030303020204" pitchFamily="34" charset="0"/>
-              <a:ea typeface="Mont Bold"/>
-              <a:cs typeface="Mont Bold"/>
-              <a:sym typeface="Mont Bold"/>
-            </a:endParaRPr>
-          </a:p>
-          <a:p>
-            <a:pPr>
-              <a:lnSpc>
-                <a:spcPts val="6211"/>
-              </a:lnSpc>
-            </a:pPr>
-            <a:r>
-              <a:rPr lang="en-US" sz="4000" b="1" dirty="0">
-                <a:solidFill>
-                  <a:srgbClr val="004AAD"/>
-                </a:solidFill>
-                <a:latin typeface="Candara" panose="020E0502030303020204" pitchFamily="34" charset="0"/>
-                <a:ea typeface="Mont Bold"/>
-                <a:cs typeface="Mont Bold"/>
-                <a:sym typeface="Mont Bold"/>
-              </a:rPr>
-              <a:t>2. Trong </a:t>
-            </a:r>
-            <a:r>
-              <a:rPr lang="en-US" sz="4000" b="1" dirty="0" err="1">
-                <a:solidFill>
-                  <a:srgbClr val="004AAD"/>
-                </a:solidFill>
-                <a:latin typeface="Candara" panose="020E0502030303020204" pitchFamily="34" charset="0"/>
-                <a:ea typeface="Mont Bold"/>
-                <a:cs typeface="Mont Bold"/>
-                <a:sym typeface="Mont Bold"/>
-              </a:rPr>
-              <a:t>quá</a:t>
-            </a:r>
-            <a:r>
-              <a:rPr lang="en-US" sz="4000" b="1" dirty="0">
-                <a:solidFill>
-                  <a:srgbClr val="004AAD"/>
-                </a:solidFill>
-                <a:latin typeface="Candara" panose="020E0502030303020204" pitchFamily="34" charset="0"/>
-                <a:ea typeface="Mont Bold"/>
-                <a:cs typeface="Mont Bold"/>
-                <a:sym typeface="Mont Bold"/>
-              </a:rPr>
-              <a:t> </a:t>
-            </a:r>
-            <a:r>
-              <a:rPr lang="en-US" sz="4000" b="1" dirty="0" err="1">
-                <a:solidFill>
-                  <a:srgbClr val="004AAD"/>
-                </a:solidFill>
-                <a:latin typeface="Candara" panose="020E0502030303020204" pitchFamily="34" charset="0"/>
-                <a:ea typeface="Mont Bold"/>
-                <a:cs typeface="Mont Bold"/>
-                <a:sym typeface="Mont Bold"/>
-              </a:rPr>
-              <a:t>trình</a:t>
-            </a:r>
-            <a:r>
-              <a:rPr lang="en-US" sz="4000" b="1" dirty="0">
-                <a:solidFill>
-                  <a:srgbClr val="004AAD"/>
-                </a:solidFill>
-                <a:latin typeface="Candara" panose="020E0502030303020204" pitchFamily="34" charset="0"/>
-                <a:ea typeface="Mont Bold"/>
-                <a:cs typeface="Mont Bold"/>
-                <a:sym typeface="Mont Bold"/>
-              </a:rPr>
-              <a:t> </a:t>
-            </a:r>
-            <a:r>
-              <a:rPr lang="en-US" sz="4000" b="1" dirty="0" err="1">
-                <a:solidFill>
-                  <a:srgbClr val="004AAD"/>
-                </a:solidFill>
-                <a:latin typeface="Candara" panose="020E0502030303020204" pitchFamily="34" charset="0"/>
-                <a:ea typeface="Mont Bold"/>
-                <a:cs typeface="Mont Bold"/>
-                <a:sym typeface="Mont Bold"/>
-              </a:rPr>
-              <a:t>thực</a:t>
-            </a:r>
-            <a:r>
-              <a:rPr lang="en-US" sz="4000" b="1" dirty="0">
-                <a:solidFill>
-                  <a:srgbClr val="004AAD"/>
-                </a:solidFill>
-                <a:latin typeface="Candara" panose="020E0502030303020204" pitchFamily="34" charset="0"/>
-                <a:ea typeface="Mont Bold"/>
-                <a:cs typeface="Mont Bold"/>
-                <a:sym typeface="Mont Bold"/>
-              </a:rPr>
-              <a:t> </a:t>
-            </a:r>
-            <a:r>
-              <a:rPr lang="en-US" sz="4000" b="1" dirty="0" err="1">
-                <a:solidFill>
-                  <a:srgbClr val="004AAD"/>
-                </a:solidFill>
-                <a:latin typeface="Candara" panose="020E0502030303020204" pitchFamily="34" charset="0"/>
-                <a:ea typeface="Mont Bold"/>
-                <a:cs typeface="Mont Bold"/>
-                <a:sym typeface="Mont Bold"/>
-              </a:rPr>
-              <a:t>tập</a:t>
-            </a:r>
-            <a:endParaRPr lang="vi-VN" sz="4000" b="1" dirty="0">
-              <a:solidFill>
-                <a:srgbClr val="004AAD"/>
-              </a:solidFill>
-              <a:latin typeface="Candara" panose="020E0502030303020204" pitchFamily="34" charset="0"/>
-              <a:ea typeface="Mont Bold"/>
-              <a:cs typeface="Mont Bold"/>
-              <a:sym typeface="Mont Bold"/>
-            </a:endParaRPr>
-          </a:p>
-          <a:p>
-            <a:pPr algn="l">
-              <a:lnSpc>
-                <a:spcPts val="6211"/>
-              </a:lnSpc>
-            </a:pPr>
-            <a:r>
-              <a:rPr lang="en-US" sz="4000" b="1" dirty="0">
-                <a:solidFill>
-                  <a:srgbClr val="004AAD"/>
-                </a:solidFill>
-                <a:latin typeface="Candara" panose="020E0502030303020204" pitchFamily="34" charset="0"/>
-                <a:ea typeface="Mont Bold"/>
-                <a:cs typeface="Mont Bold"/>
-                <a:sym typeface="Mont Bold"/>
-              </a:rPr>
-              <a:t>3. Sau </a:t>
-            </a:r>
-            <a:r>
-              <a:rPr lang="en-US" sz="4000" b="1" dirty="0" err="1">
-                <a:solidFill>
-                  <a:srgbClr val="004AAD"/>
-                </a:solidFill>
-                <a:latin typeface="Candara" panose="020E0502030303020204" pitchFamily="34" charset="0"/>
-                <a:ea typeface="Mont Bold"/>
-                <a:cs typeface="Mont Bold"/>
-                <a:sym typeface="Mont Bold"/>
-              </a:rPr>
-              <a:t>quá</a:t>
-            </a:r>
-            <a:r>
-              <a:rPr lang="en-US" sz="4000" b="1" dirty="0">
-                <a:solidFill>
-                  <a:srgbClr val="004AAD"/>
-                </a:solidFill>
-                <a:latin typeface="Candara" panose="020E0502030303020204" pitchFamily="34" charset="0"/>
-                <a:ea typeface="Mont Bold"/>
-                <a:cs typeface="Mont Bold"/>
-                <a:sym typeface="Mont Bold"/>
-              </a:rPr>
-              <a:t> </a:t>
-            </a:r>
-            <a:r>
-              <a:rPr lang="en-US" sz="4000" b="1" dirty="0" err="1">
-                <a:solidFill>
-                  <a:srgbClr val="004AAD"/>
-                </a:solidFill>
-                <a:latin typeface="Candara" panose="020E0502030303020204" pitchFamily="34" charset="0"/>
-                <a:ea typeface="Mont Bold"/>
-                <a:cs typeface="Mont Bold"/>
-                <a:sym typeface="Mont Bold"/>
-              </a:rPr>
-              <a:t>trình</a:t>
-            </a:r>
-            <a:r>
-              <a:rPr lang="en-US" sz="4000" b="1" dirty="0">
-                <a:solidFill>
-                  <a:srgbClr val="004AAD"/>
-                </a:solidFill>
-                <a:latin typeface="Candara" panose="020E0502030303020204" pitchFamily="34" charset="0"/>
-                <a:ea typeface="Mont Bold"/>
-                <a:cs typeface="Mont Bold"/>
-                <a:sym typeface="Mont Bold"/>
-              </a:rPr>
-              <a:t> </a:t>
-            </a:r>
-            <a:r>
-              <a:rPr lang="en-US" sz="4000" b="1" dirty="0" err="1">
-                <a:solidFill>
-                  <a:srgbClr val="004AAD"/>
-                </a:solidFill>
-                <a:latin typeface="Candara" panose="020E0502030303020204" pitchFamily="34" charset="0"/>
-                <a:ea typeface="Mont Bold"/>
-                <a:cs typeface="Mont Bold"/>
-                <a:sym typeface="Mont Bold"/>
-              </a:rPr>
-              <a:t>thực</a:t>
-            </a:r>
-            <a:r>
-              <a:rPr lang="en-US" sz="4000" b="1" dirty="0">
-                <a:solidFill>
-                  <a:srgbClr val="004AAD"/>
-                </a:solidFill>
-                <a:latin typeface="Candara" panose="020E0502030303020204" pitchFamily="34" charset="0"/>
-                <a:ea typeface="Mont Bold"/>
-                <a:cs typeface="Mont Bold"/>
-                <a:sym typeface="Mont Bold"/>
-              </a:rPr>
-              <a:t> </a:t>
-            </a:r>
-            <a:r>
-              <a:rPr lang="en-US" sz="4000" b="1" dirty="0" err="1">
-                <a:solidFill>
-                  <a:srgbClr val="004AAD"/>
-                </a:solidFill>
-                <a:latin typeface="Candara" panose="020E0502030303020204" pitchFamily="34" charset="0"/>
-                <a:ea typeface="Mont Bold"/>
-                <a:cs typeface="Mont Bold"/>
-                <a:sym typeface="Mont Bold"/>
-              </a:rPr>
-              <a:t>tập</a:t>
-            </a:r>
-            <a:endParaRPr lang="en-US" sz="4000" b="1" dirty="0">
-              <a:solidFill>
-                <a:srgbClr val="004AAD"/>
-              </a:solidFill>
-              <a:latin typeface="Candara" panose="020E0502030303020204" pitchFamily="34" charset="0"/>
-              <a:ea typeface="Mont Bold"/>
-              <a:cs typeface="Mont Bold"/>
-              <a:sym typeface="Mont Bold"/>
-            </a:endParaRPr>
-          </a:p>
-        </p:txBody>
-      </p:sp>
-      <p:sp>
-        <p:nvSpPr>
-          <p:cNvPr id="23" name="AutoShape 23"/>
-          <p:cNvSpPr/>
-          <p:nvPr/>
-        </p:nvSpPr>
-        <p:spPr>
-          <a:xfrm>
-            <a:off x="1028700" y="9047451"/>
-            <a:ext cx="16230600" cy="0"/>
-          </a:xfrm>
-          <a:prstGeom prst="line">
-            <a:avLst/>
-          </a:prstGeom>
-          <a:ln w="19050" cap="rnd">
-            <a:solidFill>
-              <a:srgbClr val="000000"/>
-            </a:solidFill>
-            <a:prstDash val="solid"/>
-            <a:headEnd type="none" w="sm" len="sm"/>
-            <a:tailEnd type="none" w="sm" len="sm"/>
-          </a:ln>
-        </p:spPr>
-        <p:txBody>
-          <a:bodyPr/>
-          <a:lstStyle/>
-          <a:p>
-            <a:endParaRPr lang="en-US"/>
-          </a:p>
-        </p:txBody>
-      </p:sp>
-      <p:sp>
-        <p:nvSpPr>
-          <p:cNvPr id="24" name="TextBox 24"/>
-          <p:cNvSpPr txBox="1"/>
-          <p:nvPr/>
-        </p:nvSpPr>
-        <p:spPr>
-          <a:xfrm>
-            <a:off x="1028700" y="9144000"/>
-            <a:ext cx="4089029" cy="346249"/>
-          </a:xfrm>
-          <a:prstGeom prst="rect">
-            <a:avLst/>
-          </a:prstGeom>
-        </p:spPr>
-        <p:txBody>
-          <a:bodyPr lIns="0" tIns="0" rIns="0" bIns="0" rtlCol="0" anchor="t">
-            <a:spAutoFit/>
-          </a:bodyPr>
-          <a:lstStyle/>
-          <a:p>
-            <a:pPr lvl="0">
-              <a:lnSpc>
-                <a:spcPts val="2800"/>
-              </a:lnSpc>
-              <a:spcBef>
-                <a:spcPct val="0"/>
-              </a:spcBef>
-            </a:pPr>
-            <a:r>
-              <a:rPr lang="en-US" sz="2000" dirty="0">
-                <a:solidFill>
-                  <a:srgbClr val="000000"/>
-                </a:solidFill>
-                <a:latin typeface="Mont"/>
-                <a:ea typeface="Mont"/>
-                <a:cs typeface="Mont"/>
-                <a:sym typeface="Mont"/>
-              </a:rPr>
-              <a:t>datdatnguyen2609@gmail.com</a:t>
-            </a:r>
-          </a:p>
-        </p:txBody>
-      </p:sp>
-      <p:sp>
-        <p:nvSpPr>
-          <p:cNvPr id="4" name="Slide Number Placeholder 3">
-            <a:extLst>
-              <a:ext uri="{FF2B5EF4-FFF2-40B4-BE49-F238E27FC236}">
-                <a16:creationId xmlns:a16="http://schemas.microsoft.com/office/drawing/2014/main" id="{45C21F7D-B19B-8640-7203-846010585A38}"/>
-              </a:ext>
-            </a:extLst>
-          </p:cNvPr>
-          <p:cNvSpPr>
-            <a:spLocks noGrp="1"/>
-          </p:cNvSpPr>
-          <p:nvPr>
-            <p:ph type="sldNum" sz="quarter" idx="12"/>
-          </p:nvPr>
-        </p:nvSpPr>
-        <p:spPr/>
-        <p:txBody>
-          <a:bodyPr/>
-          <a:lstStyle/>
-          <a:p>
-            <a:fld id="{B6F15528-21DE-4FAA-801E-634DDDAF4B2B}" type="slidenum">
-              <a:rPr lang="en-US" smtClean="0"/>
-              <a:pPr/>
-              <a:t>2</a:t>
-            </a:fld>
-            <a:endParaRPr lang="en-US"/>
-          </a:p>
-        </p:txBody>
-      </p:sp>
-    </p:spTree>
-  </p:cSld>
-  <p:clrMapOvr>
-    <a:masterClrMapping/>
-  </p:clrMapOvr>
-</p:sld>
-</file>
-
-<file path=ppt/slides/slide20.xml><?xml version="1.0" encoding="utf-8"?>
+<file path=ppt/slides/slide21.xml><?xml version="1.0" encoding="utf-8"?>
 <p:sld xmlns:a="http://schemas.openxmlformats.org/drawingml/2006/main" xmlns:r="http://schemas.openxmlformats.org/officeDocument/2006/relationships" xmlns:p="http://schemas.openxmlformats.org/presentationml/2006/main">
   <p:cSld>
     <p:bg>
@@ -15868,7 +16868,7 @@
             <a:fld id="{B6F15528-21DE-4FAA-801E-634DDDAF4B2B}" type="slidenum">
               <a:rPr lang="en-US" noProof="1" smtClean="0"/>
               <a:pPr/>
-              <a:t>20</a:t>
+              <a:t>21</a:t>
             </a:fld>
             <a:endParaRPr lang="en-US" noProof="1"/>
           </a:p>
@@ -16002,6 +17002,54 @@
               </a:rPr>
               <a:t>tập</a:t>
             </a:r>
+            <a:r>
+              <a:rPr lang="en-US" sz="4000" b="1" dirty="0">
+                <a:solidFill>
+                  <a:srgbClr val="004AAD"/>
+                </a:solidFill>
+                <a:latin typeface="Candara" panose="020E0502030303020204" pitchFamily="34" charset="0"/>
+                <a:ea typeface="Mont Bold"/>
+                <a:cs typeface="Mont Bold"/>
+                <a:sym typeface="Mont Bold"/>
+              </a:rPr>
+              <a:t> 1 </a:t>
+            </a:r>
+            <a:r>
+              <a:rPr lang="en-US" sz="4000" b="1" dirty="0" err="1">
+                <a:solidFill>
+                  <a:srgbClr val="004AAD"/>
+                </a:solidFill>
+                <a:latin typeface="Candara" panose="020E0502030303020204" pitchFamily="34" charset="0"/>
+                <a:ea typeface="Mont Bold"/>
+                <a:cs typeface="Mont Bold"/>
+                <a:sym typeface="Mont Bold"/>
+              </a:rPr>
+              <a:t>tháng</a:t>
+            </a:r>
+            <a:r>
+              <a:rPr lang="en-US" sz="4000" b="1" dirty="0">
+                <a:solidFill>
+                  <a:srgbClr val="004AAD"/>
+                </a:solidFill>
+                <a:latin typeface="Candara" panose="020E0502030303020204" pitchFamily="34" charset="0"/>
+                <a:ea typeface="Mont Bold"/>
+                <a:cs typeface="Mont Bold"/>
+                <a:sym typeface="Mont Bold"/>
+              </a:rPr>
+              <a:t> </a:t>
+            </a:r>
+            <a:r>
+              <a:rPr lang="en-US" sz="4000" b="1" dirty="0" err="1">
+                <a:solidFill>
+                  <a:srgbClr val="004AAD"/>
+                </a:solidFill>
+                <a:latin typeface="Candara" panose="020E0502030303020204" pitchFamily="34" charset="0"/>
+                <a:ea typeface="Mont Bold"/>
+                <a:cs typeface="Mont Bold"/>
+                <a:sym typeface="Mont Bold"/>
+              </a:rPr>
+              <a:t>đầu</a:t>
+            </a:r>
             <a:endParaRPr lang="en-US" sz="4000" b="1" dirty="0">
               <a:solidFill>
                 <a:srgbClr val="004AAD"/>
@@ -16011,6 +17059,740 @@
               <a:cs typeface="Mont Bold"/>
               <a:sym typeface="Mont Bold"/>
             </a:endParaRPr>
+          </a:p>
+        </p:txBody>
+      </p:sp>
+      <p:sp>
+        <p:nvSpPr>
+          <p:cNvPr id="6" name="TextBox 5">
+            <a:extLst>
+              <a:ext uri="{FF2B5EF4-FFF2-40B4-BE49-F238E27FC236}">
+                <a16:creationId xmlns:a16="http://schemas.microsoft.com/office/drawing/2014/main" id="{6F5C99A4-97D8-C61C-ABE5-E942FDC5D610}"/>
+              </a:ext>
+            </a:extLst>
+          </p:cNvPr>
+          <p:cNvSpPr txBox="1"/>
+          <p:nvPr/>
+        </p:nvSpPr>
+        <p:spPr>
+          <a:xfrm>
+            <a:off x="2743200" y="2160935"/>
+            <a:ext cx="10210800" cy="5016758"/>
+          </a:xfrm>
+          <a:prstGeom prst="rect">
+            <a:avLst/>
+          </a:prstGeom>
+          <a:noFill/>
+        </p:spPr>
+        <p:txBody>
+          <a:bodyPr wrap="square" rtlCol="0">
+            <a:spAutoFit/>
+          </a:bodyPr>
+          <a:lstStyle/>
+          <a:p>
+            <a:pPr marL="457200" indent="-457200">
+              <a:buFontTx/>
+              <a:buChar char="-"/>
+            </a:pPr>
+            <a:r>
+              <a:rPr lang="en-US" sz="3200" dirty="0" err="1"/>
+              <a:t>Cảm</a:t>
+            </a:r>
+            <a:r>
+              <a:rPr lang="en-US" sz="3200" dirty="0"/>
+              <a:t> </a:t>
+            </a:r>
+            <a:r>
+              <a:rPr lang="en-US" sz="3200" dirty="0" err="1"/>
+              <a:t>ơn</a:t>
+            </a:r>
+            <a:r>
+              <a:rPr lang="en-US" sz="3200" dirty="0"/>
+              <a:t> </a:t>
+            </a:r>
+            <a:r>
+              <a:rPr lang="en-US" sz="3200" dirty="0" err="1"/>
+              <a:t>công</a:t>
+            </a:r>
+            <a:r>
+              <a:rPr lang="en-US" sz="3200" dirty="0"/>
+              <a:t> ty, </a:t>
+            </a:r>
+            <a:r>
+              <a:rPr lang="en-US" sz="3200" dirty="0" err="1"/>
+              <a:t>các</a:t>
+            </a:r>
+            <a:r>
+              <a:rPr lang="en-US" sz="3200" dirty="0"/>
+              <a:t> </a:t>
+            </a:r>
+            <a:r>
+              <a:rPr lang="en-US" sz="3200" dirty="0" err="1"/>
+              <a:t>anh</a:t>
+            </a:r>
+            <a:r>
+              <a:rPr lang="en-US" sz="3200" dirty="0"/>
+              <a:t> </a:t>
+            </a:r>
+            <a:r>
+              <a:rPr lang="en-US" sz="3200" dirty="0" err="1"/>
+              <a:t>đã</a:t>
+            </a:r>
+            <a:r>
+              <a:rPr lang="en-US" sz="3200" dirty="0"/>
+              <a:t> </a:t>
+            </a:r>
+            <a:r>
+              <a:rPr lang="en-US" sz="3200" dirty="0" err="1"/>
+              <a:t>cho</a:t>
+            </a:r>
+            <a:r>
+              <a:rPr lang="en-US" sz="3200" dirty="0"/>
+              <a:t> </a:t>
+            </a:r>
+            <a:r>
+              <a:rPr lang="en-US" sz="3200" dirty="0" err="1"/>
+              <a:t>cơ</a:t>
+            </a:r>
+            <a:r>
+              <a:rPr lang="en-US" sz="3200" dirty="0"/>
+              <a:t> </a:t>
+            </a:r>
+            <a:r>
+              <a:rPr lang="en-US" sz="3200" dirty="0" err="1"/>
+              <a:t>hội</a:t>
+            </a:r>
+            <a:r>
+              <a:rPr lang="en-US" sz="3200" dirty="0"/>
+              <a:t> </a:t>
+            </a:r>
+            <a:r>
+              <a:rPr lang="en-US" sz="3200" dirty="0" err="1"/>
+              <a:t>học</a:t>
+            </a:r>
+            <a:r>
+              <a:rPr lang="en-US" sz="3200" dirty="0"/>
+              <a:t> </a:t>
+            </a:r>
+            <a:r>
+              <a:rPr lang="en-US" sz="3200" dirty="0" err="1"/>
+              <a:t>tập</a:t>
+            </a:r>
+            <a:r>
+              <a:rPr lang="en-US" sz="3200" dirty="0"/>
+              <a:t> </a:t>
+            </a:r>
+            <a:r>
+              <a:rPr lang="en-US" sz="3200" dirty="0" err="1"/>
+              <a:t>thực</a:t>
+            </a:r>
+            <a:r>
+              <a:rPr lang="en-US" sz="3200" dirty="0"/>
+              <a:t> </a:t>
+            </a:r>
+            <a:r>
+              <a:rPr lang="en-US" sz="3200" dirty="0" err="1"/>
+              <a:t>tế</a:t>
+            </a:r>
+            <a:r>
+              <a:rPr lang="en-US" sz="3200" dirty="0"/>
+              <a:t>, </a:t>
+            </a:r>
+            <a:r>
+              <a:rPr lang="en-US" sz="3200" dirty="0" err="1"/>
+              <a:t>phát</a:t>
+            </a:r>
+            <a:r>
+              <a:rPr lang="en-US" sz="3200" dirty="0"/>
+              <a:t> </a:t>
+            </a:r>
+            <a:r>
+              <a:rPr lang="en-US" sz="3200" dirty="0" err="1"/>
+              <a:t>triển</a:t>
+            </a:r>
+            <a:r>
+              <a:rPr lang="en-US" sz="3200" dirty="0"/>
+              <a:t> </a:t>
+            </a:r>
+            <a:r>
+              <a:rPr lang="en-US" sz="3200" dirty="0" err="1"/>
+              <a:t>bản</a:t>
+            </a:r>
+            <a:r>
+              <a:rPr lang="en-US" sz="3200" dirty="0"/>
+              <a:t> </a:t>
+            </a:r>
+            <a:r>
+              <a:rPr lang="en-US" sz="3200" dirty="0" err="1"/>
+              <a:t>thân</a:t>
+            </a:r>
+            <a:r>
+              <a:rPr lang="en-US" sz="3200" dirty="0"/>
+              <a:t>,…</a:t>
+            </a:r>
+          </a:p>
+          <a:p>
+            <a:pPr marL="457200" indent="-457200">
+              <a:buFontTx/>
+              <a:buChar char="-"/>
+            </a:pPr>
+            <a:r>
+              <a:rPr lang="en-US" sz="3200" dirty="0" err="1"/>
+              <a:t>Cảm</a:t>
+            </a:r>
+            <a:r>
+              <a:rPr lang="en-US" sz="3200" dirty="0"/>
+              <a:t> </a:t>
+            </a:r>
+            <a:r>
+              <a:rPr lang="en-US" sz="3200" dirty="0" err="1"/>
+              <a:t>thấy</a:t>
+            </a:r>
+            <a:r>
+              <a:rPr lang="en-US" sz="3200" dirty="0"/>
+              <a:t> </a:t>
+            </a:r>
+            <a:r>
+              <a:rPr lang="en-US" sz="3200" dirty="0" err="1"/>
+              <a:t>bản</a:t>
+            </a:r>
+            <a:r>
+              <a:rPr lang="en-US" sz="3200" dirty="0"/>
+              <a:t> </a:t>
+            </a:r>
+            <a:r>
+              <a:rPr lang="en-US" sz="3200" dirty="0" err="1"/>
+              <a:t>thân</a:t>
+            </a:r>
+            <a:r>
+              <a:rPr lang="en-US" sz="3200" dirty="0"/>
+              <a:t> </a:t>
+            </a:r>
+            <a:r>
+              <a:rPr lang="en-US" sz="3200" dirty="0" err="1"/>
+              <a:t>có</a:t>
+            </a:r>
+            <a:r>
+              <a:rPr lang="en-US" sz="3200" dirty="0"/>
+              <a:t> </a:t>
+            </a:r>
+            <a:r>
+              <a:rPr lang="en-US" sz="3200" dirty="0" err="1"/>
+              <a:t>định</a:t>
+            </a:r>
+            <a:r>
+              <a:rPr lang="en-US" sz="3200" dirty="0"/>
+              <a:t> </a:t>
+            </a:r>
+            <a:r>
+              <a:rPr lang="en-US" sz="3200" dirty="0" err="1"/>
+              <a:t>hướng</a:t>
+            </a:r>
+            <a:r>
+              <a:rPr lang="en-US" sz="3200" dirty="0"/>
+              <a:t> </a:t>
+            </a:r>
+            <a:r>
+              <a:rPr lang="en-US" sz="3200" dirty="0" err="1"/>
+              <a:t>rõ</a:t>
+            </a:r>
+            <a:r>
+              <a:rPr lang="en-US" sz="3200" dirty="0"/>
+              <a:t> </a:t>
+            </a:r>
+            <a:r>
+              <a:rPr lang="en-US" sz="3200" dirty="0" err="1"/>
+              <a:t>ràng</a:t>
+            </a:r>
+            <a:r>
+              <a:rPr lang="en-US" sz="3200" dirty="0"/>
+              <a:t> </a:t>
+            </a:r>
+            <a:r>
+              <a:rPr lang="en-US" sz="3200" dirty="0" err="1"/>
+              <a:t>hơn</a:t>
+            </a:r>
+            <a:r>
+              <a:rPr lang="en-US" sz="3200" dirty="0"/>
+              <a:t>, </a:t>
+            </a:r>
+            <a:r>
+              <a:rPr lang="en-US" sz="3200" dirty="0" err="1"/>
+              <a:t>thấy</a:t>
+            </a:r>
+            <a:r>
+              <a:rPr lang="en-US" sz="3200" dirty="0"/>
+              <a:t> </a:t>
+            </a:r>
+            <a:r>
+              <a:rPr lang="en-US" sz="3200" dirty="0" err="1"/>
+              <a:t>được</a:t>
+            </a:r>
+            <a:r>
+              <a:rPr lang="en-US" sz="3200" dirty="0"/>
+              <a:t> </a:t>
+            </a:r>
+            <a:r>
+              <a:rPr lang="en-US" sz="3200" dirty="0" err="1"/>
+              <a:t>bản</a:t>
+            </a:r>
+            <a:r>
+              <a:rPr lang="en-US" sz="3200" dirty="0"/>
+              <a:t> </a:t>
+            </a:r>
+            <a:r>
+              <a:rPr lang="en-US" sz="3200" dirty="0" err="1"/>
+              <a:t>thân</a:t>
+            </a:r>
+            <a:r>
+              <a:rPr lang="en-US" sz="3200" dirty="0"/>
+              <a:t> </a:t>
+            </a:r>
+            <a:r>
+              <a:rPr lang="en-US" sz="3200" dirty="0" err="1"/>
+              <a:t>cũng</a:t>
+            </a:r>
+            <a:r>
+              <a:rPr lang="en-US" sz="3200" dirty="0"/>
+              <a:t> </a:t>
+            </a:r>
+            <a:r>
+              <a:rPr lang="en-US" sz="3200" dirty="0" err="1"/>
+              <a:t>có</a:t>
+            </a:r>
+            <a:r>
+              <a:rPr lang="en-US" sz="3200" dirty="0"/>
+              <a:t> </a:t>
+            </a:r>
+            <a:r>
+              <a:rPr lang="en-US" sz="3200" dirty="0" err="1"/>
+              <a:t>những</a:t>
+            </a:r>
+            <a:r>
+              <a:rPr lang="en-US" sz="3200" dirty="0"/>
+              <a:t> </a:t>
+            </a:r>
+            <a:r>
+              <a:rPr lang="en-US" sz="3200" dirty="0" err="1"/>
+              <a:t>sự</a:t>
+            </a:r>
+            <a:r>
+              <a:rPr lang="en-US" sz="3200" dirty="0"/>
+              <a:t> </a:t>
+            </a:r>
+            <a:r>
+              <a:rPr lang="en-US" sz="3200" dirty="0" err="1"/>
+              <a:t>cố</a:t>
+            </a:r>
+            <a:r>
+              <a:rPr lang="en-US" sz="3200" dirty="0"/>
+              <a:t> </a:t>
+            </a:r>
+            <a:r>
+              <a:rPr lang="en-US" sz="3200" dirty="0" err="1"/>
+              <a:t>gắng</a:t>
+            </a:r>
+            <a:r>
+              <a:rPr lang="en-US" sz="3200" dirty="0"/>
+              <a:t> </a:t>
+            </a:r>
+            <a:r>
+              <a:rPr lang="en-US" sz="3200" dirty="0" err="1"/>
+              <a:t>nhất</a:t>
+            </a:r>
+            <a:r>
+              <a:rPr lang="en-US" sz="3200" dirty="0"/>
+              <a:t> </a:t>
+            </a:r>
+            <a:r>
+              <a:rPr lang="en-US" sz="3200" dirty="0" err="1"/>
+              <a:t>định</a:t>
+            </a:r>
+            <a:r>
+              <a:rPr lang="en-US" sz="3200" dirty="0"/>
+              <a:t> </a:t>
+            </a:r>
+            <a:r>
+              <a:rPr lang="en-US" sz="3200" dirty="0" err="1"/>
+              <a:t>để</a:t>
+            </a:r>
+            <a:r>
+              <a:rPr lang="en-US" sz="3200" dirty="0"/>
+              <a:t> </a:t>
+            </a:r>
+            <a:r>
+              <a:rPr lang="en-US" sz="3200" dirty="0" err="1"/>
+              <a:t>học</a:t>
+            </a:r>
+            <a:r>
+              <a:rPr lang="en-US" sz="3200" dirty="0"/>
+              <a:t> </a:t>
+            </a:r>
+            <a:r>
+              <a:rPr lang="en-US" sz="3200" dirty="0" err="1"/>
+              <a:t>hỏi</a:t>
+            </a:r>
+            <a:r>
+              <a:rPr lang="en-US" sz="3200" dirty="0"/>
+              <a:t> </a:t>
+            </a:r>
+            <a:r>
+              <a:rPr lang="en-US" sz="3200" dirty="0" err="1"/>
+              <a:t>trong</a:t>
+            </a:r>
+            <a:r>
+              <a:rPr lang="en-US" sz="3200" dirty="0"/>
+              <a:t> </a:t>
+            </a:r>
+            <a:r>
+              <a:rPr lang="en-US" sz="3200" dirty="0" err="1"/>
+              <a:t>lĩnh</a:t>
+            </a:r>
+            <a:r>
+              <a:rPr lang="en-US" sz="3200" dirty="0"/>
+              <a:t> </a:t>
+            </a:r>
+            <a:r>
+              <a:rPr lang="en-US" sz="3200" dirty="0" err="1"/>
+              <a:t>vực</a:t>
+            </a:r>
+            <a:r>
+              <a:rPr lang="en-US" sz="3200" dirty="0"/>
+              <a:t> </a:t>
+            </a:r>
+            <a:r>
+              <a:rPr lang="en-US" sz="3200" dirty="0" err="1"/>
+              <a:t>này</a:t>
+            </a:r>
+            <a:endParaRPr lang="en-US" sz="3200" dirty="0"/>
+          </a:p>
+          <a:p>
+            <a:pPr marL="457200" indent="-457200">
+              <a:buFontTx/>
+              <a:buChar char="-"/>
+            </a:pPr>
+            <a:r>
+              <a:rPr lang="en-US" sz="3200" dirty="0"/>
+              <a:t>Quen </a:t>
+            </a:r>
+            <a:r>
+              <a:rPr lang="en-US" sz="3200" dirty="0" err="1"/>
+              <a:t>hơn</a:t>
+            </a:r>
+            <a:r>
+              <a:rPr lang="en-US" sz="3200" dirty="0"/>
+              <a:t> </a:t>
+            </a:r>
+            <a:r>
+              <a:rPr lang="en-US" sz="3200" dirty="0" err="1"/>
+              <a:t>với</a:t>
+            </a:r>
+            <a:r>
+              <a:rPr lang="en-US" sz="3200" dirty="0"/>
+              <a:t> </a:t>
+            </a:r>
+            <a:r>
+              <a:rPr lang="en-US" sz="3200" dirty="0" err="1"/>
+              <a:t>văn</a:t>
+            </a:r>
+            <a:r>
+              <a:rPr lang="en-US" sz="3200" dirty="0"/>
+              <a:t> </a:t>
+            </a:r>
+            <a:r>
+              <a:rPr lang="en-US" sz="3200" dirty="0" err="1"/>
+              <a:t>hóa</a:t>
+            </a:r>
+            <a:r>
+              <a:rPr lang="en-US" sz="3200" dirty="0"/>
+              <a:t> </a:t>
+            </a:r>
+            <a:r>
+              <a:rPr lang="en-US" sz="3200" dirty="0" err="1"/>
+              <a:t>công</a:t>
+            </a:r>
+            <a:r>
+              <a:rPr lang="en-US" sz="3200" dirty="0"/>
+              <a:t> </a:t>
+            </a:r>
+            <a:r>
+              <a:rPr lang="en-US" sz="3200" dirty="0" err="1"/>
+              <a:t>sở</a:t>
+            </a:r>
+            <a:r>
+              <a:rPr lang="en-US" sz="3200" dirty="0"/>
+              <a:t>, </a:t>
+            </a:r>
+            <a:r>
+              <a:rPr lang="en-US" sz="3200" dirty="0" err="1"/>
+              <a:t>hòa</a:t>
+            </a:r>
+            <a:r>
+              <a:rPr lang="en-US" sz="3200" dirty="0"/>
+              <a:t> </a:t>
+            </a:r>
+            <a:r>
+              <a:rPr lang="en-US" sz="3200" dirty="0" err="1"/>
+              <a:t>mình</a:t>
+            </a:r>
+            <a:r>
+              <a:rPr lang="en-US" sz="3200" dirty="0"/>
+              <a:t> </a:t>
+            </a:r>
+            <a:r>
+              <a:rPr lang="en-US" sz="3200" dirty="0" err="1"/>
+              <a:t>hơn</a:t>
+            </a:r>
+            <a:r>
+              <a:rPr lang="en-US" sz="3200" dirty="0"/>
+              <a:t> </a:t>
+            </a:r>
+            <a:r>
+              <a:rPr lang="en-US" sz="3200" dirty="0" err="1"/>
+              <a:t>với</a:t>
+            </a:r>
+            <a:r>
+              <a:rPr lang="en-US" sz="3200" dirty="0"/>
+              <a:t> </a:t>
+            </a:r>
+            <a:r>
+              <a:rPr lang="en-US" sz="3200" dirty="0" err="1"/>
+              <a:t>môi</a:t>
+            </a:r>
+            <a:r>
+              <a:rPr lang="en-US" sz="3200" dirty="0"/>
+              <a:t> </a:t>
+            </a:r>
+            <a:r>
+              <a:rPr lang="en-US" sz="3200" dirty="0" err="1"/>
+              <a:t>trường</a:t>
+            </a:r>
+            <a:r>
+              <a:rPr lang="en-US" sz="3200" dirty="0"/>
+              <a:t> </a:t>
+            </a:r>
+            <a:r>
+              <a:rPr lang="en-US" sz="3200" dirty="0" err="1"/>
+              <a:t>tập</a:t>
+            </a:r>
+            <a:r>
+              <a:rPr lang="en-US" sz="3200" dirty="0"/>
+              <a:t> </a:t>
+            </a:r>
+            <a:r>
+              <a:rPr lang="en-US" sz="3200" dirty="0" err="1"/>
+              <a:t>thể</a:t>
+            </a:r>
+            <a:endParaRPr lang="en-US" sz="3200" dirty="0"/>
+          </a:p>
+          <a:p>
+            <a:pPr marL="457200" indent="-457200">
+              <a:buFontTx/>
+              <a:buChar char="-"/>
+            </a:pPr>
+            <a:r>
+              <a:rPr lang="en-US" sz="3200" dirty="0" err="1"/>
+              <a:t>Nâng</a:t>
+            </a:r>
+            <a:r>
+              <a:rPr lang="en-US" sz="3200" dirty="0"/>
+              <a:t> </a:t>
+            </a:r>
+            <a:r>
+              <a:rPr lang="en-US" sz="3200" dirty="0" err="1"/>
+              <a:t>cao</a:t>
+            </a:r>
+            <a:r>
+              <a:rPr lang="en-US" sz="3200" dirty="0"/>
+              <a:t> </a:t>
+            </a:r>
+            <a:r>
+              <a:rPr lang="en-US" sz="3200" dirty="0" err="1"/>
+              <a:t>kỹ</a:t>
+            </a:r>
+            <a:r>
+              <a:rPr lang="en-US" sz="3200" dirty="0"/>
+              <a:t> </a:t>
+            </a:r>
+            <a:r>
+              <a:rPr lang="en-US" sz="3200" dirty="0" err="1"/>
+              <a:t>năng</a:t>
+            </a:r>
+            <a:r>
+              <a:rPr lang="en-US" sz="3200" dirty="0"/>
+              <a:t> </a:t>
+            </a:r>
+            <a:r>
+              <a:rPr lang="en-US" sz="3200" dirty="0" err="1"/>
+              <a:t>quản</a:t>
+            </a:r>
+            <a:r>
+              <a:rPr lang="en-US" sz="3200" dirty="0"/>
+              <a:t> </a:t>
+            </a:r>
+            <a:r>
+              <a:rPr lang="en-US" sz="3200" dirty="0" err="1"/>
+              <a:t>lý</a:t>
+            </a:r>
+            <a:r>
+              <a:rPr lang="en-US" sz="3200" dirty="0"/>
+              <a:t> </a:t>
+            </a:r>
+            <a:r>
+              <a:rPr lang="en-US" sz="3200" dirty="0" err="1"/>
+              <a:t>thời</a:t>
+            </a:r>
+            <a:r>
+              <a:rPr lang="en-US" sz="3200" dirty="0"/>
+              <a:t> </a:t>
+            </a:r>
+            <a:r>
+              <a:rPr lang="en-US" sz="3200" dirty="0" err="1"/>
+              <a:t>gian</a:t>
+            </a:r>
+            <a:r>
+              <a:rPr lang="en-US" sz="3200" dirty="0"/>
+              <a:t>, </a:t>
+            </a:r>
+            <a:r>
+              <a:rPr lang="en-US" sz="3200" dirty="0" err="1"/>
+              <a:t>phân</a:t>
+            </a:r>
+            <a:r>
+              <a:rPr lang="en-US" sz="3200" dirty="0"/>
+              <a:t> chia </a:t>
+            </a:r>
+            <a:r>
+              <a:rPr lang="en-US" sz="3200" dirty="0" err="1"/>
+              <a:t>khối</a:t>
+            </a:r>
+            <a:r>
+              <a:rPr lang="en-US" sz="3200" dirty="0"/>
+              <a:t> </a:t>
+            </a:r>
+            <a:r>
+              <a:rPr lang="en-US" sz="3200" dirty="0" err="1"/>
+              <a:t>lượng</a:t>
+            </a:r>
+            <a:r>
+              <a:rPr lang="en-US" sz="3200" dirty="0"/>
+              <a:t> </a:t>
+            </a:r>
+            <a:r>
+              <a:rPr lang="en-US" sz="3200" dirty="0" err="1"/>
+              <a:t>thời</a:t>
+            </a:r>
+            <a:r>
+              <a:rPr lang="en-US" sz="3200" dirty="0"/>
+              <a:t> </a:t>
+            </a:r>
+            <a:r>
+              <a:rPr lang="en-US" sz="3200" dirty="0" err="1"/>
+              <a:t>gian</a:t>
+            </a:r>
+            <a:r>
+              <a:rPr lang="en-US" sz="3200" dirty="0"/>
+              <a:t> </a:t>
+            </a:r>
+            <a:r>
+              <a:rPr lang="en-US" sz="3200" dirty="0" err="1"/>
+              <a:t>để</a:t>
+            </a:r>
+            <a:r>
+              <a:rPr lang="en-US" sz="3200" dirty="0"/>
+              <a:t> </a:t>
+            </a:r>
+            <a:r>
+              <a:rPr lang="en-US" sz="3200" dirty="0" err="1"/>
+              <a:t>hoàn</a:t>
+            </a:r>
+            <a:r>
+              <a:rPr lang="en-US" sz="3200" dirty="0"/>
+              <a:t> </a:t>
+            </a:r>
+            <a:r>
+              <a:rPr lang="en-US" sz="3200" dirty="0" err="1"/>
+              <a:t>thành</a:t>
+            </a:r>
+            <a:r>
+              <a:rPr lang="en-US" sz="3200" dirty="0"/>
+              <a:t> </a:t>
+            </a:r>
+            <a:r>
+              <a:rPr lang="en-US" sz="3200" dirty="0" err="1"/>
+              <a:t>công</a:t>
+            </a:r>
+            <a:r>
+              <a:rPr lang="en-US" sz="3200" dirty="0"/>
+              <a:t> </a:t>
+            </a:r>
+            <a:r>
+              <a:rPr lang="en-US" sz="3200" dirty="0" err="1"/>
+              <a:t>việc</a:t>
+            </a:r>
+            <a:endParaRPr lang="en-US" sz="3200" dirty="0"/>
+          </a:p>
+          <a:p>
+            <a:pPr marL="457200" indent="-457200">
+              <a:buFontTx/>
+              <a:buChar char="-"/>
+            </a:pPr>
+            <a:r>
+              <a:rPr lang="en-US" sz="3200" dirty="0" err="1"/>
+              <a:t>Mong</a:t>
+            </a:r>
+            <a:r>
+              <a:rPr lang="en-US" sz="3200" dirty="0"/>
+              <a:t> </a:t>
+            </a:r>
+            <a:r>
+              <a:rPr lang="en-US" sz="3200" dirty="0" err="1"/>
+              <a:t>muốn</a:t>
+            </a:r>
+            <a:r>
+              <a:rPr lang="en-US" sz="3200" dirty="0"/>
+              <a:t> </a:t>
+            </a:r>
+            <a:r>
+              <a:rPr lang="en-US" sz="3200" dirty="0" err="1"/>
+              <a:t>gắn</a:t>
+            </a:r>
+            <a:r>
+              <a:rPr lang="en-US" sz="3200" dirty="0"/>
+              <a:t> </a:t>
+            </a:r>
+            <a:r>
+              <a:rPr lang="en-US" sz="3200" dirty="0" err="1"/>
+              <a:t>bó</a:t>
+            </a:r>
+            <a:r>
+              <a:rPr lang="en-US" sz="3200" dirty="0"/>
+              <a:t> </a:t>
+            </a:r>
+            <a:r>
+              <a:rPr lang="en-US" sz="3200" dirty="0" err="1"/>
+              <a:t>thêm</a:t>
+            </a:r>
+            <a:r>
+              <a:rPr lang="en-US" sz="3200" dirty="0"/>
+              <a:t> </a:t>
+            </a:r>
+            <a:r>
+              <a:rPr lang="en-US" sz="3200" dirty="0" err="1"/>
+              <a:t>với</a:t>
+            </a:r>
+            <a:r>
+              <a:rPr lang="en-US" sz="3200" dirty="0"/>
+              <a:t> </a:t>
+            </a:r>
+            <a:r>
+              <a:rPr lang="en-US" sz="3200" dirty="0" err="1"/>
+              <a:t>công</a:t>
+            </a:r>
+            <a:r>
+              <a:rPr lang="en-US" sz="3200" dirty="0"/>
+              <a:t> ty</a:t>
+            </a:r>
           </a:p>
         </p:txBody>
       </p:sp>
@@ -16027,7 +17809,1020 @@
 </p:sld>
 </file>
 
-<file path=ppt/slides/slide21.xml><?xml version="1.0" encoding="utf-8"?>
+<file path=ppt/slides/slide22.xml><?xml version="1.0" encoding="utf-8"?>
+<p:sld xmlns:a="http://schemas.openxmlformats.org/drawingml/2006/main" xmlns:r="http://schemas.openxmlformats.org/officeDocument/2006/relationships" xmlns:p="http://schemas.openxmlformats.org/presentationml/2006/main">
+  <p:cSld>
+    <p:bg>
+      <p:bgPr>
+        <a:solidFill>
+          <a:srgbClr val="7ED957"/>
+        </a:solidFill>
+        <a:effectLst/>
+      </p:bgPr>
+    </p:bg>
+    <p:spTree>
+      <p:nvGrpSpPr>
+        <p:cNvPr id="1" name="">
+          <a:extLst>
+            <a:ext uri="{FF2B5EF4-FFF2-40B4-BE49-F238E27FC236}">
+              <a16:creationId xmlns:a16="http://schemas.microsoft.com/office/drawing/2014/main" id="{1A708EBB-1508-C9F3-3A9F-22C7BFF4235E}"/>
+            </a:ext>
+          </a:extLst>
+        </p:cNvPr>
+        <p:cNvGrpSpPr/>
+        <p:nvPr/>
+      </p:nvGrpSpPr>
+      <p:grpSpPr>
+        <a:xfrm>
+          <a:off x="0" y="0"/>
+          <a:ext cx="0" cy="0"/>
+          <a:chOff x="0" y="0"/>
+          <a:chExt cx="0" cy="0"/>
+        </a:xfrm>
+      </p:grpSpPr>
+      <p:sp>
+        <p:nvSpPr>
+          <p:cNvPr id="2" name="Freeform 2">
+            <a:extLst>
+              <a:ext uri="{FF2B5EF4-FFF2-40B4-BE49-F238E27FC236}">
+                <a16:creationId xmlns:a16="http://schemas.microsoft.com/office/drawing/2014/main" id="{C83BF29D-3934-0468-94B0-EDCF72318B95}"/>
+              </a:ext>
+            </a:extLst>
+          </p:cNvPr>
+          <p:cNvSpPr/>
+          <p:nvPr/>
+        </p:nvSpPr>
+        <p:spPr>
+          <a:xfrm rot="-2373370">
+            <a:off x="-3866839" y="4947123"/>
+            <a:ext cx="6989045" cy="4114800"/>
+          </a:xfrm>
+          <a:custGeom>
+            <a:avLst/>
+            <a:gdLst/>
+            <a:ahLst/>
+            <a:cxnLst/>
+            <a:rect l="l" t="t" r="r" b="b"/>
+            <a:pathLst>
+              <a:path w="6989045" h="4114800">
+                <a:moveTo>
+                  <a:pt x="0" y="0"/>
+                </a:moveTo>
+                <a:lnTo>
+                  <a:pt x="6989045" y="0"/>
+                </a:lnTo>
+                <a:lnTo>
+                  <a:pt x="6989045" y="4114800"/>
+                </a:lnTo>
+                <a:lnTo>
+                  <a:pt x="0" y="4114800"/>
+                </a:lnTo>
+                <a:lnTo>
+                  <a:pt x="0" y="0"/>
+                </a:lnTo>
+                <a:close/>
+              </a:path>
+            </a:pathLst>
+          </a:custGeom>
+          <a:blipFill>
+            <a:blip r:embed="rId2">
+              <a:alphaModFix amt="70000"/>
+              <a:extLst>
+                <a:ext uri="{96DAC541-7B7A-43D3-8B79-37D633B846F1}">
+                  <asvg:svgBlip xmlns:asvg="http://schemas.microsoft.com/office/drawing/2016/SVG/main" r:embed="rId3"/>
+                </a:ext>
+              </a:extLst>
+            </a:blip>
+            <a:stretch>
+              <a:fillRect/>
+            </a:stretch>
+          </a:blipFill>
+        </p:spPr>
+        <p:txBody>
+          <a:bodyPr/>
+          <a:lstStyle/>
+          <a:p>
+            <a:endParaRPr lang="en-US" noProof="1"/>
+          </a:p>
+        </p:txBody>
+      </p:sp>
+      <p:sp>
+        <p:nvSpPr>
+          <p:cNvPr id="17" name="Freeform 17">
+            <a:extLst>
+              <a:ext uri="{FF2B5EF4-FFF2-40B4-BE49-F238E27FC236}">
+                <a16:creationId xmlns:a16="http://schemas.microsoft.com/office/drawing/2014/main" id="{D8B72D1F-13C0-1694-E7E8-52E212324DC4}"/>
+              </a:ext>
+            </a:extLst>
+          </p:cNvPr>
+          <p:cNvSpPr/>
+          <p:nvPr/>
+        </p:nvSpPr>
+        <p:spPr>
+          <a:xfrm rot="-2373370" flipH="1">
+            <a:off x="15400535" y="645152"/>
+            <a:ext cx="6989045" cy="4114800"/>
+          </a:xfrm>
+          <a:custGeom>
+            <a:avLst/>
+            <a:gdLst/>
+            <a:ahLst/>
+            <a:cxnLst/>
+            <a:rect l="l" t="t" r="r" b="b"/>
+            <a:pathLst>
+              <a:path w="6989045" h="4114800">
+                <a:moveTo>
+                  <a:pt x="6989044" y="0"/>
+                </a:moveTo>
+                <a:lnTo>
+                  <a:pt x="0" y="0"/>
+                </a:lnTo>
+                <a:lnTo>
+                  <a:pt x="0" y="4114800"/>
+                </a:lnTo>
+                <a:lnTo>
+                  <a:pt x="6989044" y="4114800"/>
+                </a:lnTo>
+                <a:lnTo>
+                  <a:pt x="6989044" y="0"/>
+                </a:lnTo>
+                <a:close/>
+              </a:path>
+            </a:pathLst>
+          </a:custGeom>
+          <a:blipFill>
+            <a:blip r:embed="rId2">
+              <a:alphaModFix amt="70000"/>
+              <a:extLst>
+                <a:ext uri="{96DAC541-7B7A-43D3-8B79-37D633B846F1}">
+                  <asvg:svgBlip xmlns:asvg="http://schemas.microsoft.com/office/drawing/2016/SVG/main" r:embed="rId3"/>
+                </a:ext>
+              </a:extLst>
+            </a:blip>
+            <a:stretch>
+              <a:fillRect/>
+            </a:stretch>
+          </a:blipFill>
+        </p:spPr>
+        <p:txBody>
+          <a:bodyPr/>
+          <a:lstStyle/>
+          <a:p>
+            <a:endParaRPr lang="en-US" noProof="1"/>
+          </a:p>
+        </p:txBody>
+      </p:sp>
+      <p:sp>
+        <p:nvSpPr>
+          <p:cNvPr id="23" name="AutoShape 23">
+            <a:extLst>
+              <a:ext uri="{FF2B5EF4-FFF2-40B4-BE49-F238E27FC236}">
+                <a16:creationId xmlns:a16="http://schemas.microsoft.com/office/drawing/2014/main" id="{0DBCD128-C863-5B87-67A5-18B3E489F9C4}"/>
+              </a:ext>
+            </a:extLst>
+          </p:cNvPr>
+          <p:cNvSpPr/>
+          <p:nvPr/>
+        </p:nvSpPr>
+        <p:spPr>
+          <a:xfrm>
+            <a:off x="1028700" y="9047451"/>
+            <a:ext cx="16230600" cy="0"/>
+          </a:xfrm>
+          <a:prstGeom prst="line">
+            <a:avLst/>
+          </a:prstGeom>
+          <a:ln w="19050" cap="rnd">
+            <a:solidFill>
+              <a:srgbClr val="000000"/>
+            </a:solidFill>
+            <a:prstDash val="solid"/>
+            <a:headEnd type="none" w="sm" len="sm"/>
+            <a:tailEnd type="none" w="sm" len="sm"/>
+          </a:ln>
+        </p:spPr>
+        <p:txBody>
+          <a:bodyPr/>
+          <a:lstStyle/>
+          <a:p>
+            <a:endParaRPr lang="en-US" noProof="1"/>
+          </a:p>
+        </p:txBody>
+      </p:sp>
+      <p:sp>
+        <p:nvSpPr>
+          <p:cNvPr id="24" name="TextBox 24">
+            <a:extLst>
+              <a:ext uri="{FF2B5EF4-FFF2-40B4-BE49-F238E27FC236}">
+                <a16:creationId xmlns:a16="http://schemas.microsoft.com/office/drawing/2014/main" id="{DC8D5FE3-0715-A9F9-6C31-38D969EB1AF8}"/>
+              </a:ext>
+            </a:extLst>
+          </p:cNvPr>
+          <p:cNvSpPr txBox="1"/>
+          <p:nvPr/>
+        </p:nvSpPr>
+        <p:spPr>
+          <a:xfrm>
+            <a:off x="1028700" y="9144000"/>
+            <a:ext cx="4089029" cy="346249"/>
+          </a:xfrm>
+          <a:prstGeom prst="rect">
+            <a:avLst/>
+          </a:prstGeom>
+        </p:spPr>
+        <p:txBody>
+          <a:bodyPr lIns="0" tIns="0" rIns="0" bIns="0" rtlCol="0" anchor="t">
+            <a:spAutoFit/>
+          </a:bodyPr>
+          <a:lstStyle/>
+          <a:p>
+            <a:pPr lvl="0">
+              <a:lnSpc>
+                <a:spcPts val="2800"/>
+              </a:lnSpc>
+              <a:spcBef>
+                <a:spcPct val="0"/>
+              </a:spcBef>
+            </a:pPr>
+            <a:r>
+              <a:rPr lang="en-US" sz="2000" noProof="1">
+                <a:solidFill>
+                  <a:srgbClr val="000000"/>
+                </a:solidFill>
+                <a:latin typeface="Mont"/>
+                <a:ea typeface="Mont"/>
+                <a:cs typeface="Mont"/>
+                <a:sym typeface="Mont"/>
+              </a:rPr>
+              <a:t>datdatnguyen2609@gmail.com</a:t>
+            </a:r>
+          </a:p>
+        </p:txBody>
+      </p:sp>
+      <p:sp>
+        <p:nvSpPr>
+          <p:cNvPr id="3" name="Slide Number Placeholder 2">
+            <a:extLst>
+              <a:ext uri="{FF2B5EF4-FFF2-40B4-BE49-F238E27FC236}">
+                <a16:creationId xmlns:a16="http://schemas.microsoft.com/office/drawing/2014/main" id="{5E70D6CE-0C83-C47B-6ABF-E56B9E4D2EE1}"/>
+              </a:ext>
+            </a:extLst>
+          </p:cNvPr>
+          <p:cNvSpPr>
+            <a:spLocks noGrp="1"/>
+          </p:cNvSpPr>
+          <p:nvPr>
+            <p:ph type="sldNum" sz="quarter" idx="12"/>
+          </p:nvPr>
+        </p:nvSpPr>
+        <p:spPr/>
+        <p:txBody>
+          <a:bodyPr/>
+          <a:lstStyle/>
+          <a:p>
+            <a:fld id="{B6F15528-21DE-4FAA-801E-634DDDAF4B2B}" type="slidenum">
+              <a:rPr lang="en-US" noProof="1" smtClean="0"/>
+              <a:pPr/>
+              <a:t>22</a:t>
+            </a:fld>
+            <a:endParaRPr lang="en-US" noProof="1"/>
+          </a:p>
+        </p:txBody>
+      </p:sp>
+      <p:sp>
+        <p:nvSpPr>
+          <p:cNvPr id="4" name="TextBox 18">
+            <a:extLst>
+              <a:ext uri="{FF2B5EF4-FFF2-40B4-BE49-F238E27FC236}">
+                <a16:creationId xmlns:a16="http://schemas.microsoft.com/office/drawing/2014/main" id="{56C6944C-7E5E-5DB5-0571-D09402A4C3E0}"/>
+              </a:ext>
+            </a:extLst>
+          </p:cNvPr>
+          <p:cNvSpPr txBox="1"/>
+          <p:nvPr/>
+        </p:nvSpPr>
+        <p:spPr>
+          <a:xfrm>
+            <a:off x="1028700" y="723900"/>
+            <a:ext cx="8877300" cy="731739"/>
+          </a:xfrm>
+          <a:prstGeom prst="rect">
+            <a:avLst/>
+          </a:prstGeom>
+        </p:spPr>
+        <p:txBody>
+          <a:bodyPr wrap="square" lIns="0" tIns="0" rIns="0" bIns="0" rtlCol="0" anchor="t">
+            <a:spAutoFit/>
+          </a:bodyPr>
+          <a:lstStyle/>
+          <a:p>
+            <a:pPr algn="l">
+              <a:lnSpc>
+                <a:spcPts val="6211"/>
+              </a:lnSpc>
+            </a:pPr>
+            <a:r>
+              <a:rPr lang="en-US" sz="4000" b="1" dirty="0">
+                <a:solidFill>
+                  <a:srgbClr val="004AAD"/>
+                </a:solidFill>
+                <a:latin typeface="Candara" panose="020E0502030303020204" pitchFamily="34" charset="0"/>
+                <a:ea typeface="Mont Bold"/>
+                <a:cs typeface="Mont Bold"/>
+                <a:sym typeface="Mont Bold"/>
+              </a:rPr>
+              <a:t>3. Sau </a:t>
+            </a:r>
+            <a:r>
+              <a:rPr lang="en-US" sz="4000" b="1" dirty="0" err="1">
+                <a:solidFill>
+                  <a:srgbClr val="004AAD"/>
+                </a:solidFill>
+                <a:latin typeface="Candara" panose="020E0502030303020204" pitchFamily="34" charset="0"/>
+                <a:ea typeface="Mont Bold"/>
+                <a:cs typeface="Mont Bold"/>
+                <a:sym typeface="Mont Bold"/>
+              </a:rPr>
+              <a:t>quá</a:t>
+            </a:r>
+            <a:r>
+              <a:rPr lang="en-US" sz="4000" b="1" dirty="0">
+                <a:solidFill>
+                  <a:srgbClr val="004AAD"/>
+                </a:solidFill>
+                <a:latin typeface="Candara" panose="020E0502030303020204" pitchFamily="34" charset="0"/>
+                <a:ea typeface="Mont Bold"/>
+                <a:cs typeface="Mont Bold"/>
+                <a:sym typeface="Mont Bold"/>
+              </a:rPr>
+              <a:t> </a:t>
+            </a:r>
+            <a:r>
+              <a:rPr lang="en-US" sz="4000" b="1" dirty="0" err="1">
+                <a:solidFill>
+                  <a:srgbClr val="004AAD"/>
+                </a:solidFill>
+                <a:latin typeface="Candara" panose="020E0502030303020204" pitchFamily="34" charset="0"/>
+                <a:ea typeface="Mont Bold"/>
+                <a:cs typeface="Mont Bold"/>
+                <a:sym typeface="Mont Bold"/>
+              </a:rPr>
+              <a:t>trình</a:t>
+            </a:r>
+            <a:r>
+              <a:rPr lang="en-US" sz="4000" b="1" dirty="0">
+                <a:solidFill>
+                  <a:srgbClr val="004AAD"/>
+                </a:solidFill>
+                <a:latin typeface="Candara" panose="020E0502030303020204" pitchFamily="34" charset="0"/>
+                <a:ea typeface="Mont Bold"/>
+                <a:cs typeface="Mont Bold"/>
+                <a:sym typeface="Mont Bold"/>
+              </a:rPr>
+              <a:t> </a:t>
+            </a:r>
+            <a:r>
+              <a:rPr lang="en-US" sz="4000" b="1" dirty="0" err="1">
+                <a:solidFill>
+                  <a:srgbClr val="004AAD"/>
+                </a:solidFill>
+                <a:latin typeface="Candara" panose="020E0502030303020204" pitchFamily="34" charset="0"/>
+                <a:ea typeface="Mont Bold"/>
+                <a:cs typeface="Mont Bold"/>
+                <a:sym typeface="Mont Bold"/>
+              </a:rPr>
+              <a:t>thực</a:t>
+            </a:r>
+            <a:r>
+              <a:rPr lang="en-US" sz="4000" b="1" dirty="0">
+                <a:solidFill>
+                  <a:srgbClr val="004AAD"/>
+                </a:solidFill>
+                <a:latin typeface="Candara" panose="020E0502030303020204" pitchFamily="34" charset="0"/>
+                <a:ea typeface="Mont Bold"/>
+                <a:cs typeface="Mont Bold"/>
+                <a:sym typeface="Mont Bold"/>
+              </a:rPr>
+              <a:t> </a:t>
+            </a:r>
+            <a:r>
+              <a:rPr lang="en-US" sz="4000" b="1" dirty="0" err="1">
+                <a:solidFill>
+                  <a:srgbClr val="004AAD"/>
+                </a:solidFill>
+                <a:latin typeface="Candara" panose="020E0502030303020204" pitchFamily="34" charset="0"/>
+                <a:ea typeface="Mont Bold"/>
+                <a:cs typeface="Mont Bold"/>
+                <a:sym typeface="Mont Bold"/>
+              </a:rPr>
+              <a:t>tập</a:t>
+            </a:r>
+            <a:r>
+              <a:rPr lang="en-US" sz="4000" b="1" dirty="0">
+                <a:solidFill>
+                  <a:srgbClr val="004AAD"/>
+                </a:solidFill>
+                <a:latin typeface="Candara" panose="020E0502030303020204" pitchFamily="34" charset="0"/>
+                <a:ea typeface="Mont Bold"/>
+                <a:cs typeface="Mont Bold"/>
+                <a:sym typeface="Mont Bold"/>
+              </a:rPr>
+              <a:t> 1 </a:t>
+            </a:r>
+            <a:r>
+              <a:rPr lang="en-US" sz="4000" b="1" dirty="0" err="1">
+                <a:solidFill>
+                  <a:srgbClr val="004AAD"/>
+                </a:solidFill>
+                <a:latin typeface="Candara" panose="020E0502030303020204" pitchFamily="34" charset="0"/>
+                <a:ea typeface="Mont Bold"/>
+                <a:cs typeface="Mont Bold"/>
+                <a:sym typeface="Mont Bold"/>
+              </a:rPr>
+              <a:t>tháng</a:t>
+            </a:r>
+            <a:r>
+              <a:rPr lang="en-US" sz="4000" b="1" dirty="0">
+                <a:solidFill>
+                  <a:srgbClr val="004AAD"/>
+                </a:solidFill>
+                <a:latin typeface="Candara" panose="020E0502030303020204" pitchFamily="34" charset="0"/>
+                <a:ea typeface="Mont Bold"/>
+                <a:cs typeface="Mont Bold"/>
+                <a:sym typeface="Mont Bold"/>
+              </a:rPr>
+              <a:t> </a:t>
+            </a:r>
+            <a:r>
+              <a:rPr lang="en-US" sz="4000" b="1" dirty="0" err="1">
+                <a:solidFill>
+                  <a:srgbClr val="004AAD"/>
+                </a:solidFill>
+                <a:latin typeface="Candara" panose="020E0502030303020204" pitchFamily="34" charset="0"/>
+                <a:ea typeface="Mont Bold"/>
+                <a:cs typeface="Mont Bold"/>
+                <a:sym typeface="Mont Bold"/>
+              </a:rPr>
+              <a:t>đầu</a:t>
+            </a:r>
+            <a:endParaRPr lang="en-US" sz="4000" b="1" dirty="0">
+              <a:solidFill>
+                <a:srgbClr val="004AAD"/>
+              </a:solidFill>
+              <a:latin typeface="Candara" panose="020E0502030303020204" pitchFamily="34" charset="0"/>
+              <a:ea typeface="Mont Bold"/>
+              <a:cs typeface="Mont Bold"/>
+              <a:sym typeface="Mont Bold"/>
+            </a:endParaRPr>
+          </a:p>
+        </p:txBody>
+      </p:sp>
+      <p:sp>
+        <p:nvSpPr>
+          <p:cNvPr id="5" name="TextBox 4">
+            <a:extLst>
+              <a:ext uri="{FF2B5EF4-FFF2-40B4-BE49-F238E27FC236}">
+                <a16:creationId xmlns:a16="http://schemas.microsoft.com/office/drawing/2014/main" id="{B7A04866-A201-6DEB-C714-BAC5F3F2E415}"/>
+              </a:ext>
+            </a:extLst>
+          </p:cNvPr>
+          <p:cNvSpPr txBox="1"/>
+          <p:nvPr/>
+        </p:nvSpPr>
+        <p:spPr>
+          <a:xfrm>
+            <a:off x="2590800" y="2211264"/>
+            <a:ext cx="11201400" cy="4031873"/>
+          </a:xfrm>
+          <a:prstGeom prst="rect">
+            <a:avLst/>
+          </a:prstGeom>
+          <a:noFill/>
+        </p:spPr>
+        <p:txBody>
+          <a:bodyPr wrap="square" rtlCol="0">
+            <a:spAutoFit/>
+          </a:bodyPr>
+          <a:lstStyle/>
+          <a:p>
+            <a:r>
+              <a:rPr lang="en-US" sz="3200" dirty="0" err="1"/>
+              <a:t>Mong</a:t>
+            </a:r>
+            <a:r>
+              <a:rPr lang="en-US" sz="3200" dirty="0"/>
+              <a:t> </a:t>
+            </a:r>
+            <a:r>
+              <a:rPr lang="en-US" sz="3200" dirty="0" err="1"/>
+              <a:t>muốn</a:t>
+            </a:r>
+            <a:r>
+              <a:rPr lang="en-US" sz="3200" dirty="0"/>
+              <a:t> </a:t>
+            </a:r>
+            <a:r>
+              <a:rPr lang="en-US" sz="3200" dirty="0" err="1"/>
+              <a:t>học</a:t>
+            </a:r>
+            <a:r>
+              <a:rPr lang="en-US" sz="3200" dirty="0"/>
+              <a:t> </a:t>
+            </a:r>
+            <a:r>
+              <a:rPr lang="en-US" sz="3200" dirty="0" err="1"/>
+              <a:t>hỏi</a:t>
+            </a:r>
+            <a:r>
+              <a:rPr lang="en-US" sz="3200" dirty="0"/>
+              <a:t> </a:t>
+            </a:r>
+            <a:r>
+              <a:rPr lang="en-US" sz="3200" dirty="0" err="1"/>
+              <a:t>thêm</a:t>
+            </a:r>
+            <a:r>
+              <a:rPr lang="en-US" sz="3200" dirty="0"/>
+              <a:t>:</a:t>
+            </a:r>
+          </a:p>
+          <a:p>
+            <a:r>
+              <a:rPr lang="en-US" sz="3200" dirty="0"/>
+              <a:t>	- Các </a:t>
+            </a:r>
+            <a:r>
+              <a:rPr lang="en-US" sz="3200" dirty="0" err="1"/>
+              <a:t>vấn</a:t>
+            </a:r>
+            <a:r>
+              <a:rPr lang="en-US" sz="3200" dirty="0"/>
+              <a:t> </a:t>
+            </a:r>
+            <a:r>
+              <a:rPr lang="en-US" sz="3200" dirty="0" err="1"/>
+              <a:t>đề</a:t>
+            </a:r>
+            <a:r>
+              <a:rPr lang="en-US" sz="3200" dirty="0"/>
+              <a:t> </a:t>
+            </a:r>
+            <a:r>
+              <a:rPr lang="en-US" sz="3200" dirty="0" err="1"/>
+              <a:t>chuyên</a:t>
+            </a:r>
+            <a:r>
+              <a:rPr lang="en-US" sz="3200" dirty="0"/>
+              <a:t> </a:t>
+            </a:r>
+            <a:r>
+              <a:rPr lang="en-US" sz="3200" dirty="0" err="1"/>
+              <a:t>môn</a:t>
+            </a:r>
+            <a:r>
+              <a:rPr lang="en-US" sz="3200" dirty="0"/>
+              <a:t> </a:t>
+            </a:r>
+            <a:r>
+              <a:rPr lang="en-US" sz="3200" dirty="0" err="1"/>
+              <a:t>trên</a:t>
+            </a:r>
+            <a:r>
+              <a:rPr lang="en-US" sz="3200" dirty="0"/>
+              <a:t> FPGA </a:t>
+            </a:r>
+            <a:r>
+              <a:rPr lang="en-US" sz="3200" dirty="0" err="1"/>
+              <a:t>cũng</a:t>
+            </a:r>
+            <a:r>
+              <a:rPr lang="en-US" sz="3200" dirty="0"/>
+              <a:t> </a:t>
+            </a:r>
+            <a:r>
+              <a:rPr lang="en-US" sz="3200" dirty="0" err="1"/>
+              <a:t>như</a:t>
+            </a:r>
+            <a:r>
+              <a:rPr lang="en-US" sz="3200" dirty="0"/>
+              <a:t> </a:t>
+            </a:r>
+            <a:r>
+              <a:rPr lang="en-US" sz="3200" dirty="0" err="1"/>
+              <a:t>lĩnh</a:t>
+            </a:r>
+            <a:r>
+              <a:rPr lang="en-US" sz="3200" dirty="0"/>
+              <a:t> </a:t>
+            </a:r>
+            <a:r>
+              <a:rPr lang="en-US" sz="3200" dirty="0" err="1"/>
+              <a:t>vực</a:t>
+            </a:r>
+            <a:r>
+              <a:rPr lang="en-US" sz="3200" dirty="0"/>
+              <a:t> </a:t>
+            </a:r>
+            <a:r>
+              <a:rPr lang="en-US" sz="3200" dirty="0" err="1"/>
+              <a:t>thiết</a:t>
+            </a:r>
+            <a:r>
+              <a:rPr lang="en-US" sz="3200" dirty="0"/>
+              <a:t> </a:t>
+            </a:r>
+            <a:r>
+              <a:rPr lang="en-US" sz="3200" dirty="0" err="1"/>
+              <a:t>kế</a:t>
+            </a:r>
+            <a:r>
+              <a:rPr lang="en-US" sz="3200" dirty="0"/>
+              <a:t> </a:t>
+            </a:r>
+            <a:r>
+              <a:rPr lang="en-US" sz="3200" dirty="0" err="1"/>
+              <a:t>phần</a:t>
+            </a:r>
+            <a:r>
+              <a:rPr lang="en-US" sz="3200" dirty="0"/>
+              <a:t> </a:t>
+            </a:r>
+            <a:r>
+              <a:rPr lang="en-US" sz="3200" dirty="0" err="1"/>
+              <a:t>cứng</a:t>
+            </a:r>
+            <a:r>
+              <a:rPr lang="en-US" sz="3200" dirty="0"/>
+              <a:t> </a:t>
+            </a:r>
+            <a:r>
+              <a:rPr lang="en-US" sz="3200" dirty="0" err="1"/>
+              <a:t>trên</a:t>
+            </a:r>
+            <a:r>
+              <a:rPr lang="en-US" sz="3200" dirty="0"/>
+              <a:t> FPGA</a:t>
+            </a:r>
+          </a:p>
+          <a:p>
+            <a:r>
+              <a:rPr lang="en-US" sz="3200" dirty="0"/>
+              <a:t>	- Các </a:t>
+            </a:r>
+            <a:r>
+              <a:rPr lang="en-US" sz="3200" dirty="0" err="1"/>
+              <a:t>kĩ</a:t>
+            </a:r>
+            <a:r>
+              <a:rPr lang="en-US" sz="3200" dirty="0"/>
+              <a:t> </a:t>
+            </a:r>
+            <a:r>
+              <a:rPr lang="en-US" sz="3200" dirty="0" err="1"/>
+              <a:t>năng</a:t>
+            </a:r>
+            <a:r>
+              <a:rPr lang="en-US" sz="3200" dirty="0"/>
+              <a:t> </a:t>
+            </a:r>
+            <a:r>
+              <a:rPr lang="en-US" sz="3200" dirty="0" err="1"/>
+              <a:t>bên</a:t>
+            </a:r>
+            <a:r>
+              <a:rPr lang="en-US" sz="3200" dirty="0"/>
+              <a:t> </a:t>
+            </a:r>
+            <a:r>
+              <a:rPr lang="en-US" sz="3200" dirty="0" err="1"/>
+              <a:t>lề</a:t>
+            </a:r>
+            <a:endParaRPr lang="en-US" sz="3200" dirty="0"/>
+          </a:p>
+          <a:p>
+            <a:r>
+              <a:rPr lang="en-US" sz="3200" dirty="0"/>
+              <a:t>	- </a:t>
+            </a:r>
+            <a:r>
+              <a:rPr lang="en-US" sz="3200" dirty="0" err="1"/>
+              <a:t>Nâng</a:t>
+            </a:r>
+            <a:r>
+              <a:rPr lang="en-US" sz="3200" dirty="0"/>
+              <a:t> </a:t>
+            </a:r>
+            <a:r>
+              <a:rPr lang="en-US" sz="3200" dirty="0" err="1"/>
+              <a:t>cao</a:t>
+            </a:r>
+            <a:r>
+              <a:rPr lang="en-US" sz="3200" dirty="0"/>
+              <a:t> </a:t>
+            </a:r>
+            <a:r>
+              <a:rPr lang="en-US" sz="3200" dirty="0" err="1"/>
+              <a:t>thái</a:t>
+            </a:r>
+            <a:r>
+              <a:rPr lang="en-US" sz="3200" dirty="0"/>
+              <a:t> </a:t>
+            </a:r>
+            <a:r>
+              <a:rPr lang="en-US" sz="3200" dirty="0" err="1"/>
+              <a:t>độ</a:t>
+            </a:r>
+            <a:r>
+              <a:rPr lang="en-US" sz="3200" dirty="0"/>
+              <a:t>, </a:t>
+            </a:r>
+            <a:r>
+              <a:rPr lang="en-US" sz="3200" dirty="0" err="1"/>
+              <a:t>tinh</a:t>
+            </a:r>
+            <a:r>
+              <a:rPr lang="en-US" sz="3200" dirty="0"/>
+              <a:t> </a:t>
+            </a:r>
+            <a:r>
+              <a:rPr lang="en-US" sz="3200" dirty="0" err="1"/>
+              <a:t>thần</a:t>
+            </a:r>
+            <a:r>
+              <a:rPr lang="en-US" sz="3200" dirty="0"/>
+              <a:t> </a:t>
+            </a:r>
+            <a:r>
+              <a:rPr lang="en-US" sz="3200" dirty="0" err="1"/>
+              <a:t>làm</a:t>
+            </a:r>
+            <a:r>
+              <a:rPr lang="en-US" sz="3200" dirty="0"/>
+              <a:t> </a:t>
+            </a:r>
+            <a:r>
+              <a:rPr lang="en-US" sz="3200" dirty="0" err="1"/>
+              <a:t>việc</a:t>
+            </a:r>
+            <a:r>
+              <a:rPr lang="en-US" sz="3200" dirty="0"/>
+              <a:t>, …</a:t>
+            </a:r>
+          </a:p>
+          <a:p>
+            <a:r>
+              <a:rPr lang="en-US" sz="3200" dirty="0"/>
+              <a:t>=&gt; </a:t>
+            </a:r>
+            <a:r>
+              <a:rPr lang="en-US" sz="3200" dirty="0" err="1"/>
+              <a:t>Bản</a:t>
+            </a:r>
+            <a:r>
+              <a:rPr lang="en-US" sz="3200" dirty="0"/>
+              <a:t> </a:t>
+            </a:r>
+            <a:r>
+              <a:rPr lang="en-US" sz="3200" dirty="0" err="1"/>
+              <a:t>thân</a:t>
+            </a:r>
+            <a:r>
+              <a:rPr lang="en-US" sz="3200" dirty="0"/>
+              <a:t> </a:t>
+            </a:r>
+            <a:r>
+              <a:rPr lang="en-US" sz="3200" dirty="0" err="1"/>
+              <a:t>cá</a:t>
+            </a:r>
+            <a:r>
+              <a:rPr lang="en-US" sz="3200" dirty="0"/>
+              <a:t> </a:t>
+            </a:r>
+            <a:r>
+              <a:rPr lang="en-US" sz="3200" dirty="0" err="1"/>
+              <a:t>nhân</a:t>
+            </a:r>
+            <a:r>
+              <a:rPr lang="en-US" sz="3200" dirty="0"/>
+              <a:t> </a:t>
+            </a:r>
+            <a:r>
+              <a:rPr lang="en-US" sz="3200" dirty="0" err="1"/>
+              <a:t>sẽ</a:t>
+            </a:r>
+            <a:r>
+              <a:rPr lang="en-US" sz="3200" dirty="0"/>
+              <a:t> </a:t>
+            </a:r>
+            <a:r>
+              <a:rPr lang="en-US" sz="3200" dirty="0" err="1"/>
+              <a:t>cố</a:t>
+            </a:r>
+            <a:r>
+              <a:rPr lang="en-US" sz="3200" dirty="0"/>
+              <a:t> </a:t>
+            </a:r>
+            <a:r>
+              <a:rPr lang="en-US" sz="3200" dirty="0" err="1"/>
+              <a:t>gắng</a:t>
+            </a:r>
+            <a:r>
+              <a:rPr lang="en-US" sz="3200" dirty="0"/>
+              <a:t> </a:t>
+            </a:r>
+            <a:r>
+              <a:rPr lang="en-US" sz="3200" dirty="0" err="1"/>
+              <a:t>học</a:t>
+            </a:r>
+            <a:r>
+              <a:rPr lang="en-US" sz="3200" dirty="0"/>
+              <a:t> </a:t>
+            </a:r>
+            <a:r>
+              <a:rPr lang="en-US" sz="3200" dirty="0" err="1"/>
+              <a:t>hỏi</a:t>
+            </a:r>
+            <a:r>
+              <a:rPr lang="en-US" sz="3200" dirty="0"/>
+              <a:t> </a:t>
+            </a:r>
+            <a:r>
+              <a:rPr lang="en-US" sz="3200" dirty="0" err="1"/>
+              <a:t>không</a:t>
+            </a:r>
+            <a:r>
+              <a:rPr lang="en-US" sz="3200" dirty="0"/>
+              <a:t> </a:t>
+            </a:r>
+            <a:r>
+              <a:rPr lang="en-US" sz="3200" dirty="0" err="1"/>
+              <a:t>ngừng</a:t>
+            </a:r>
+            <a:r>
+              <a:rPr lang="en-US" sz="3200" dirty="0"/>
+              <a:t>, </a:t>
+            </a:r>
+            <a:r>
+              <a:rPr lang="en-US" sz="3200" dirty="0" err="1"/>
+              <a:t>cố</a:t>
+            </a:r>
+            <a:r>
+              <a:rPr lang="en-US" sz="3200" dirty="0"/>
+              <a:t> </a:t>
+            </a:r>
+            <a:r>
+              <a:rPr lang="en-US" sz="3200" dirty="0" err="1"/>
+              <a:t>gắng</a:t>
+            </a:r>
+            <a:r>
+              <a:rPr lang="en-US" sz="3200" dirty="0"/>
+              <a:t> </a:t>
+            </a:r>
+            <a:r>
+              <a:rPr lang="en-US" sz="3200" dirty="0" err="1"/>
+              <a:t>giải</a:t>
+            </a:r>
+            <a:r>
+              <a:rPr lang="en-US" sz="3200" dirty="0"/>
+              <a:t> </a:t>
+            </a:r>
+            <a:r>
+              <a:rPr lang="en-US" sz="3200" dirty="0" err="1"/>
+              <a:t>quyết</a:t>
+            </a:r>
+            <a:r>
+              <a:rPr lang="en-US" sz="3200" dirty="0"/>
+              <a:t> </a:t>
+            </a:r>
+            <a:r>
+              <a:rPr lang="en-US" sz="3200" dirty="0" err="1"/>
+              <a:t>những</a:t>
+            </a:r>
+            <a:r>
+              <a:rPr lang="en-US" sz="3200" dirty="0"/>
+              <a:t> </a:t>
+            </a:r>
+            <a:r>
+              <a:rPr lang="en-US" sz="3200" dirty="0" err="1"/>
+              <a:t>vướng</a:t>
+            </a:r>
+            <a:r>
+              <a:rPr lang="en-US" sz="3200" dirty="0"/>
+              <a:t> </a:t>
+            </a:r>
+            <a:r>
+              <a:rPr lang="en-US" sz="3200" dirty="0" err="1"/>
+              <a:t>mắc</a:t>
+            </a:r>
+            <a:r>
+              <a:rPr lang="en-US" sz="3200" dirty="0"/>
+              <a:t>, </a:t>
+            </a:r>
+            <a:r>
+              <a:rPr lang="en-US" sz="3200" dirty="0" err="1"/>
+              <a:t>những</a:t>
+            </a:r>
+            <a:r>
+              <a:rPr lang="en-US" sz="3200" dirty="0"/>
+              <a:t> </a:t>
+            </a:r>
+            <a:r>
+              <a:rPr lang="en-US" sz="3200" dirty="0" err="1"/>
+              <a:t>điều</a:t>
+            </a:r>
+            <a:r>
+              <a:rPr lang="en-US" sz="3200" dirty="0"/>
+              <a:t> </a:t>
+            </a:r>
+            <a:r>
+              <a:rPr lang="en-US" sz="3200" dirty="0" err="1"/>
+              <a:t>còn</a:t>
+            </a:r>
+            <a:r>
+              <a:rPr lang="en-US" sz="3200" dirty="0"/>
+              <a:t> </a:t>
+            </a:r>
+            <a:r>
+              <a:rPr lang="en-US" sz="3200" dirty="0" err="1"/>
+              <a:t>thiếu</a:t>
+            </a:r>
+            <a:r>
+              <a:rPr lang="en-US" sz="3200" dirty="0"/>
+              <a:t> </a:t>
+            </a:r>
+            <a:r>
+              <a:rPr lang="en-US" sz="3200" dirty="0" err="1"/>
+              <a:t>trong</a:t>
+            </a:r>
+            <a:r>
+              <a:rPr lang="en-US" sz="3200" dirty="0"/>
+              <a:t> </a:t>
+            </a:r>
+            <a:r>
+              <a:rPr lang="en-US" sz="3200" dirty="0" err="1"/>
+              <a:t>công</a:t>
+            </a:r>
+            <a:r>
+              <a:rPr lang="en-US" sz="3200" dirty="0"/>
+              <a:t> </a:t>
+            </a:r>
+            <a:r>
+              <a:rPr lang="en-US" sz="3200" dirty="0" err="1"/>
+              <a:t>việc</a:t>
+            </a:r>
+            <a:r>
+              <a:rPr lang="en-US" sz="3200" dirty="0"/>
+              <a:t> </a:t>
+            </a:r>
+            <a:r>
+              <a:rPr lang="en-US" sz="3200" dirty="0" err="1"/>
+              <a:t>cũng</a:t>
+            </a:r>
+            <a:r>
+              <a:rPr lang="en-US" sz="3200" dirty="0"/>
+              <a:t> </a:t>
+            </a:r>
+            <a:r>
+              <a:rPr lang="en-US" sz="3200" dirty="0" err="1"/>
+              <a:t>như</a:t>
+            </a:r>
+            <a:r>
+              <a:rPr lang="en-US" sz="3200" dirty="0"/>
+              <a:t> </a:t>
+            </a:r>
+            <a:r>
+              <a:rPr lang="en-US" sz="3200" dirty="0" err="1"/>
+              <a:t>cuộc</a:t>
+            </a:r>
+            <a:r>
+              <a:rPr lang="en-US" sz="3200" dirty="0"/>
+              <a:t> </a:t>
+            </a:r>
+            <a:r>
+              <a:rPr lang="en-US" sz="3200" dirty="0" err="1"/>
+              <a:t>sống</a:t>
+            </a:r>
+            <a:r>
+              <a:rPr lang="en-US" sz="3200" dirty="0"/>
+              <a:t>.</a:t>
+            </a:r>
+          </a:p>
+        </p:txBody>
+      </p:sp>
+    </p:spTree>
+    <p:extLst>
+      <p:ext uri="{BB962C8B-B14F-4D97-AF65-F5344CB8AC3E}">
+        <p14:creationId xmlns:p14="http://schemas.microsoft.com/office/powerpoint/2010/main" val="1104320916"/>
+      </p:ext>
+    </p:extLst>
+  </p:cSld>
+  <p:clrMapOvr>
+    <a:masterClrMapping/>
+  </p:clrMapOvr>
+</p:sld>
+</file>
+
+<file path=ppt/slides/slide23.xml><?xml version="1.0" encoding="utf-8"?>
 <p:sld xmlns:a="http://schemas.openxmlformats.org/drawingml/2006/main" xmlns:r="http://schemas.openxmlformats.org/officeDocument/2006/relationships" xmlns:p="http://schemas.openxmlformats.org/presentationml/2006/main">
   <p:cSld>
     <p:bg>
@@ -16301,7 +19096,7 @@
             <a:fld id="{B6F15528-21DE-4FAA-801E-634DDDAF4B2B}" type="slidenum">
               <a:rPr lang="en-US" smtClean="0"/>
               <a:pPr/>
-              <a:t>21</a:t>
+              <a:t>23</a:t>
             </a:fld>
             <a:endParaRPr lang="en-US" dirty="0"/>
           </a:p>
